--- a/lectures/16.mvxx/mvxx.pptx
+++ b/lectures/16.mvxx/mvxx.pptx
@@ -5,33 +5,49 @@
     <p:sldMasterId id="2147483672" r:id="rId10"/>
   </p:sldMasterIdLst>
   <p:notesMasterIdLst>
-    <p:notesMasterId r:id="rId30"/>
+    <p:notesMasterId r:id="rId46"/>
   </p:notesMasterIdLst>
   <p:sldIdLst>
     <p:sldId id="256" r:id="rId11"/>
-    <p:sldId id="262" r:id="rId12"/>
-    <p:sldId id="263" r:id="rId13"/>
-    <p:sldId id="264" r:id="rId14"/>
-    <p:sldId id="265" r:id="rId15"/>
-    <p:sldId id="267" r:id="rId16"/>
-    <p:sldId id="257" r:id="rId17"/>
-    <p:sldId id="258" r:id="rId18"/>
-    <p:sldId id="259" r:id="rId19"/>
-    <p:sldId id="260" r:id="rId20"/>
-    <p:sldId id="261" r:id="rId21"/>
-    <p:sldId id="272" r:id="rId22"/>
-    <p:sldId id="271" r:id="rId23"/>
-    <p:sldId id="273" r:id="rId24"/>
-    <p:sldId id="274" r:id="rId25"/>
-    <p:sldId id="268" r:id="rId26"/>
-    <p:sldId id="269" r:id="rId27"/>
-    <p:sldId id="270" r:id="rId28"/>
-    <p:sldId id="266" r:id="rId29"/>
+    <p:sldId id="279" r:id="rId12"/>
+    <p:sldId id="278" r:id="rId13"/>
+    <p:sldId id="280" r:id="rId14"/>
+    <p:sldId id="281" r:id="rId15"/>
+    <p:sldId id="282" r:id="rId16"/>
+    <p:sldId id="283" r:id="rId17"/>
+    <p:sldId id="284" r:id="rId18"/>
+    <p:sldId id="288" r:id="rId19"/>
+    <p:sldId id="285" r:id="rId20"/>
+    <p:sldId id="286" r:id="rId21"/>
+    <p:sldId id="287" r:id="rId22"/>
+    <p:sldId id="289" r:id="rId23"/>
+    <p:sldId id="290" r:id="rId24"/>
+    <p:sldId id="262" r:id="rId25"/>
+    <p:sldId id="275" r:id="rId26"/>
+    <p:sldId id="276" r:id="rId27"/>
+    <p:sldId id="277" r:id="rId28"/>
+    <p:sldId id="267" r:id="rId29"/>
+    <p:sldId id="263" r:id="rId30"/>
+    <p:sldId id="264" r:id="rId31"/>
+    <p:sldId id="265" r:id="rId32"/>
+    <p:sldId id="257" r:id="rId33"/>
+    <p:sldId id="258" r:id="rId34"/>
+    <p:sldId id="259" r:id="rId35"/>
+    <p:sldId id="260" r:id="rId36"/>
+    <p:sldId id="261" r:id="rId37"/>
+    <p:sldId id="272" r:id="rId38"/>
+    <p:sldId id="271" r:id="rId39"/>
+    <p:sldId id="273" r:id="rId40"/>
+    <p:sldId id="274" r:id="rId41"/>
+    <p:sldId id="268" r:id="rId42"/>
+    <p:sldId id="269" r:id="rId43"/>
+    <p:sldId id="270" r:id="rId44"/>
+    <p:sldId id="266" r:id="rId45"/>
   </p:sldIdLst>
   <p:sldSz cx="9144000" cy="6858000" type="screen4x3"/>
   <p:notesSz cx="6858000" cy="9144000"/>
   <p:custDataLst>
-    <p:tags r:id="rId31"/>
+    <p:tags r:id="rId47"/>
   </p:custDataLst>
   <p:defaultTextStyle>
     <a:defPPr>
@@ -229,7 +245,7 @@
           <a:p>
             <a:fld id="{2F3DCB6D-0B48-4A3D-B663-06C3F903A9D3}" type="datetimeFigureOut">
               <a:rPr lang="ru-RU" smtClean="0"/>
-              <a:t>15.06.2017</a:t>
+              <a:t>29.11.2018</a:t>
             </a:fld>
             <a:endParaRPr lang="ru-RU"/>
           </a:p>
@@ -826,7 +842,7 @@
           <a:p>
             <a:fld id="{2590F9C9-AB92-4E86-B698-DEC9BF4350FF}" type="datetimeFigureOut">
               <a:rPr lang="ru-RU" smtClean="0"/>
-              <a:t>15.06.2017</a:t>
+              <a:t>29.11.2018</a:t>
             </a:fld>
             <a:endParaRPr lang="ru-RU"/>
           </a:p>
@@ -1043,7 +1059,7 @@
           <a:p>
             <a:fld id="{2590F9C9-AB92-4E86-B698-DEC9BF4350FF}" type="datetimeFigureOut">
               <a:rPr lang="ru-RU" smtClean="0"/>
-              <a:t>15.06.2017</a:t>
+              <a:t>29.11.2018</a:t>
             </a:fld>
             <a:endParaRPr lang="ru-RU"/>
           </a:p>
@@ -1315,7 +1331,7 @@
           <a:p>
             <a:fld id="{2590F9C9-AB92-4E86-B698-DEC9BF4350FF}" type="datetimeFigureOut">
               <a:rPr lang="ru-RU" smtClean="0"/>
-              <a:t>15.06.2017</a:t>
+              <a:t>29.11.2018</a:t>
             </a:fld>
             <a:endParaRPr lang="ru-RU"/>
           </a:p>
@@ -1490,7 +1506,7 @@
           <a:p>
             <a:fld id="{2590F9C9-AB92-4E86-B698-DEC9BF4350FF}" type="datetimeFigureOut">
               <a:rPr lang="ru-RU" smtClean="0"/>
-              <a:t>15.06.2017</a:t>
+              <a:t>29.11.2018</a:t>
             </a:fld>
             <a:endParaRPr lang="ru-RU"/>
           </a:p>
@@ -1844,7 +1860,7 @@
           <a:p>
             <a:fld id="{2590F9C9-AB92-4E86-B698-DEC9BF4350FF}" type="datetimeFigureOut">
               <a:rPr lang="ru-RU" smtClean="0"/>
-              <a:t>15.06.2017</a:t>
+              <a:t>29.11.2018</a:t>
             </a:fld>
             <a:endParaRPr lang="ru-RU"/>
           </a:p>
@@ -2129,7 +2145,7 @@
           <a:p>
             <a:fld id="{2590F9C9-AB92-4E86-B698-DEC9BF4350FF}" type="datetimeFigureOut">
               <a:rPr lang="ru-RU" smtClean="0"/>
-              <a:t>15.06.2017</a:t>
+              <a:t>29.11.2018</a:t>
             </a:fld>
             <a:endParaRPr lang="ru-RU"/>
           </a:p>
@@ -2551,7 +2567,7 @@
           <a:p>
             <a:fld id="{2590F9C9-AB92-4E86-B698-DEC9BF4350FF}" type="datetimeFigureOut">
               <a:rPr lang="ru-RU" smtClean="0"/>
-              <a:t>15.06.2017</a:t>
+              <a:t>29.11.2018</a:t>
             </a:fld>
             <a:endParaRPr lang="ru-RU"/>
           </a:p>
@@ -2664,7 +2680,7 @@
           <a:p>
             <a:fld id="{2590F9C9-AB92-4E86-B698-DEC9BF4350FF}" type="datetimeFigureOut">
               <a:rPr lang="ru-RU" smtClean="0"/>
-              <a:t>15.06.2017</a:t>
+              <a:t>29.11.2018</a:t>
             </a:fld>
             <a:endParaRPr lang="ru-RU"/>
           </a:p>
@@ -2754,7 +2770,7 @@
           <a:p>
             <a:fld id="{2590F9C9-AB92-4E86-B698-DEC9BF4350FF}" type="datetimeFigureOut">
               <a:rPr lang="ru-RU" smtClean="0"/>
-              <a:t>15.06.2017</a:t>
+              <a:t>29.11.2018</a:t>
             </a:fld>
             <a:endParaRPr lang="ru-RU"/>
           </a:p>
@@ -3032,7 +3048,7 @@
           <a:p>
             <a:fld id="{2590F9C9-AB92-4E86-B698-DEC9BF4350FF}" type="datetimeFigureOut">
               <a:rPr lang="ru-RU" smtClean="0"/>
-              <a:t>15.06.2017</a:t>
+              <a:t>29.11.2018</a:t>
             </a:fld>
             <a:endParaRPr lang="ru-RU"/>
           </a:p>
@@ -3394,7 +3410,7 @@
           <a:p>
             <a:fld id="{2590F9C9-AB92-4E86-B698-DEC9BF4350FF}" type="datetimeFigureOut">
               <a:rPr lang="ru-RU" smtClean="0"/>
-              <a:t>15.06.2017</a:t>
+              <a:t>29.11.2018</a:t>
             </a:fld>
             <a:endParaRPr lang="ru-RU"/>
           </a:p>
@@ -3819,7 +3835,7 @@
           <a:p>
             <a:fld id="{2590F9C9-AB92-4E86-B698-DEC9BF4350FF}" type="datetimeFigureOut">
               <a:rPr lang="ru-RU" smtClean="0"/>
-              <a:t>15.06.2017</a:t>
+              <a:t>29.11.2018</a:t>
             </a:fld>
             <a:endParaRPr lang="ru-RU"/>
           </a:p>
@@ -4318,7 +4334,7 @@
       </p:grpSpPr>
       <p:sp>
         <p:nvSpPr>
-          <p:cNvPr id="2" name="Заголовок 1"/>
+          <p:cNvPr id="4" name="Title 3"/>
           <p:cNvSpPr>
             <a:spLocks noGrp="1"/>
           </p:cNvSpPr>
@@ -4332,59 +4348,910 @@
           <a:lstStyle/>
           <a:p>
             <a:r>
-              <a:rPr lang="ru-RU" dirty="0"/>
-              <a:t>Применение</a:t>
-            </a:r>
-          </a:p>
-        </p:txBody>
-      </p:sp>
-      <p:sp>
-        <p:nvSpPr>
-          <p:cNvPr id="3" name="Объект 2"/>
-          <p:cNvSpPr>
-            <a:spLocks noGrp="1"/>
-          </p:cNvSpPr>
-          <p:nvPr>
-            <p:ph idx="1"/>
-          </p:nvPr>
-        </p:nvSpPr>
-        <p:spPr/>
-        <p:txBody>
-          <a:bodyPr/>
+              <a:rPr lang="en-US" dirty="0" smtClean="0"/>
+              <a:t>Document</a:t>
+            </a:r>
+            <a:endParaRPr lang="ru-RU" dirty="0"/>
+          </a:p>
+        </p:txBody>
+      </p:sp>
+      <p:sp>
+        <p:nvSpPr>
+          <p:cNvPr id="10" name="Rectangle 9"/>
+          <p:cNvSpPr/>
+          <p:nvPr/>
+        </p:nvSpPr>
+        <p:spPr>
+          <a:xfrm>
+            <a:off x="425624" y="1556792"/>
+            <a:ext cx="6966520" cy="5262979"/>
+          </a:xfrm>
+          <a:prstGeom prst="rect">
+            <a:avLst/>
+          </a:prstGeom>
+        </p:spPr>
+        <p:txBody>
+          <a:bodyPr wrap="square">
+            <a:spAutoFit/>
+          </a:bodyPr>
           <a:lstStyle/>
           <a:p>
             <a:r>
-              <a:rPr lang="ru-RU" dirty="0"/>
-              <a:t>Важно обеспечить хорошее покрытие кода тестами</a:t>
-            </a:r>
-          </a:p>
-          <a:p>
-            <a:r>
-              <a:rPr lang="ru-RU" dirty="0"/>
-              <a:t>Контроллер может функционировать и быть протестирован вне </a:t>
-            </a:r>
-            <a:r>
-              <a:rPr lang="en-US" dirty="0"/>
-              <a:t>UI</a:t>
-            </a:r>
-            <a:r>
-              <a:rPr lang="ru-RU" dirty="0"/>
-              <a:t>-окружения</a:t>
-            </a:r>
-          </a:p>
-          <a:p>
-            <a:pPr lvl="1"/>
-            <a:r>
-              <a:rPr lang="ru-RU" dirty="0"/>
-              <a:t>В качестве </a:t>
-            </a:r>
-            <a:r>
-              <a:rPr lang="en-US" dirty="0"/>
-              <a:t>View </a:t>
-            </a:r>
-            <a:r>
-              <a:rPr lang="ru-RU" dirty="0"/>
-              <a:t>может быть использован тестовый дублер</a:t>
+              <a:rPr lang="ru-RU" sz="1600" dirty="0" err="1">
+                <a:latin typeface="Consolas" panose="020B0609020204030204" pitchFamily="49" charset="0"/>
+              </a:rPr>
+              <a:t>class</a:t>
+            </a:r>
+            <a:r>
+              <a:rPr lang="ru-RU" sz="1600" dirty="0">
+                <a:latin typeface="Consolas" panose="020B0609020204030204" pitchFamily="49" charset="0"/>
+              </a:rPr>
+              <a:t> </a:t>
+            </a:r>
+            <a:r>
+              <a:rPr lang="ru-RU" sz="1600" dirty="0" err="1">
+                <a:latin typeface="Consolas" panose="020B0609020204030204" pitchFamily="49" charset="0"/>
+              </a:rPr>
+              <a:t>CounterDocument</a:t>
+            </a:r>
+            <a:r>
+              <a:rPr lang="ru-RU" sz="1600" dirty="0">
+                <a:latin typeface="Consolas" panose="020B0609020204030204" pitchFamily="49" charset="0"/>
+              </a:rPr>
+              <a:t>(</a:t>
+            </a:r>
+            <a:r>
+              <a:rPr lang="ru-RU" sz="1600" dirty="0" err="1">
+                <a:latin typeface="Consolas" panose="020B0609020204030204" pitchFamily="49" charset="0"/>
+              </a:rPr>
+              <a:t>object</a:t>
+            </a:r>
+            <a:r>
+              <a:rPr lang="ru-RU" sz="1600" dirty="0">
+                <a:latin typeface="Consolas" panose="020B0609020204030204" pitchFamily="49" charset="0"/>
+              </a:rPr>
+              <a:t>): </a:t>
+            </a:r>
+          </a:p>
+          <a:p>
+            <a:r>
+              <a:rPr lang="ru-RU" sz="1600" dirty="0">
+                <a:latin typeface="Consolas" panose="020B0609020204030204" pitchFamily="49" charset="0"/>
+              </a:rPr>
+              <a:t>    </a:t>
+            </a:r>
+            <a:r>
+              <a:rPr lang="ru-RU" sz="1600" dirty="0" err="1">
+                <a:latin typeface="Consolas" panose="020B0609020204030204" pitchFamily="49" charset="0"/>
+              </a:rPr>
+              <a:t>def</a:t>
+            </a:r>
+            <a:r>
+              <a:rPr lang="ru-RU" sz="1600" dirty="0">
+                <a:latin typeface="Consolas" panose="020B0609020204030204" pitchFamily="49" charset="0"/>
+              </a:rPr>
+              <a:t> __</a:t>
+            </a:r>
+            <a:r>
+              <a:rPr lang="ru-RU" sz="1600" dirty="0" err="1">
+                <a:latin typeface="Consolas" panose="020B0609020204030204" pitchFamily="49" charset="0"/>
+              </a:rPr>
+              <a:t>init</a:t>
+            </a:r>
+            <a:r>
+              <a:rPr lang="ru-RU" sz="1600" dirty="0">
+                <a:latin typeface="Consolas" panose="020B0609020204030204" pitchFamily="49" charset="0"/>
+              </a:rPr>
+              <a:t>__(</a:t>
+            </a:r>
+            <a:r>
+              <a:rPr lang="ru-RU" sz="1600" dirty="0" err="1">
+                <a:latin typeface="Consolas" panose="020B0609020204030204" pitchFamily="49" charset="0"/>
+              </a:rPr>
+              <a:t>self</a:t>
+            </a:r>
+            <a:r>
+              <a:rPr lang="ru-RU" sz="1600" dirty="0">
+                <a:latin typeface="Consolas" panose="020B0609020204030204" pitchFamily="49" charset="0"/>
+              </a:rPr>
+              <a:t>): </a:t>
+            </a:r>
+          </a:p>
+          <a:p>
+            <a:r>
+              <a:rPr lang="ru-RU" sz="1600" dirty="0">
+                <a:latin typeface="Consolas" panose="020B0609020204030204" pitchFamily="49" charset="0"/>
+              </a:rPr>
+              <a:t>        </a:t>
+            </a:r>
+            <a:r>
+              <a:rPr lang="ru-RU" sz="1600" dirty="0" err="1">
+                <a:latin typeface="Consolas" panose="020B0609020204030204" pitchFamily="49" charset="0"/>
+              </a:rPr>
+              <a:t>self</a:t>
+            </a:r>
+            <a:r>
+              <a:rPr lang="ru-RU" sz="1600" dirty="0">
+                <a:latin typeface="Consolas" panose="020B0609020204030204" pitchFamily="49" charset="0"/>
+              </a:rPr>
+              <a:t>._</a:t>
+            </a:r>
+            <a:r>
+              <a:rPr lang="ru-RU" sz="1600" dirty="0" err="1">
+                <a:latin typeface="Consolas" panose="020B0609020204030204" pitchFamily="49" charset="0"/>
+              </a:rPr>
+              <a:t>value</a:t>
+            </a:r>
+            <a:r>
+              <a:rPr lang="ru-RU" sz="1600" dirty="0">
+                <a:latin typeface="Consolas" panose="020B0609020204030204" pitchFamily="49" charset="0"/>
+              </a:rPr>
+              <a:t> = 0 </a:t>
+            </a:r>
+          </a:p>
+          <a:p>
+            <a:r>
+              <a:rPr lang="ru-RU" sz="1600" dirty="0">
+                <a:latin typeface="Consolas" panose="020B0609020204030204" pitchFamily="49" charset="0"/>
+              </a:rPr>
+              <a:t>        </a:t>
+            </a:r>
+            <a:r>
+              <a:rPr lang="ru-RU" sz="1600" dirty="0" err="1">
+                <a:latin typeface="Consolas" panose="020B0609020204030204" pitchFamily="49" charset="0"/>
+              </a:rPr>
+              <a:t>self</a:t>
+            </a:r>
+            <a:r>
+              <a:rPr lang="ru-RU" sz="1600" dirty="0">
+                <a:latin typeface="Consolas" panose="020B0609020204030204" pitchFamily="49" charset="0"/>
+              </a:rPr>
+              <a:t>._</a:t>
+            </a:r>
+            <a:r>
+              <a:rPr lang="ru-RU" sz="1600" dirty="0" err="1">
+                <a:latin typeface="Consolas" panose="020B0609020204030204" pitchFamily="49" charset="0"/>
+              </a:rPr>
+              <a:t>listeners</a:t>
+            </a:r>
+            <a:r>
+              <a:rPr lang="ru-RU" sz="1600" dirty="0">
+                <a:latin typeface="Consolas" panose="020B0609020204030204" pitchFamily="49" charset="0"/>
+              </a:rPr>
+              <a:t> = </a:t>
+            </a:r>
+            <a:r>
+              <a:rPr lang="ru-RU" sz="1600" dirty="0" err="1">
+                <a:latin typeface="Consolas" panose="020B0609020204030204" pitchFamily="49" charset="0"/>
+              </a:rPr>
+              <a:t>set</a:t>
+            </a:r>
+            <a:r>
+              <a:rPr lang="ru-RU" sz="1600" dirty="0">
+                <a:latin typeface="Consolas" panose="020B0609020204030204" pitchFamily="49" charset="0"/>
+              </a:rPr>
+              <a:t>()</a:t>
+            </a:r>
+          </a:p>
+          <a:p>
+            <a:r>
+              <a:rPr lang="ru-RU" sz="1600" dirty="0" smtClean="0">
+                <a:latin typeface="Consolas" panose="020B0609020204030204" pitchFamily="49" charset="0"/>
+              </a:rPr>
+              <a:t>    </a:t>
+            </a:r>
+            <a:r>
+              <a:rPr lang="ru-RU" sz="1600" dirty="0" err="1">
+                <a:latin typeface="Consolas" panose="020B0609020204030204" pitchFamily="49" charset="0"/>
+              </a:rPr>
+              <a:t>def</a:t>
+            </a:r>
+            <a:r>
+              <a:rPr lang="ru-RU" sz="1600" dirty="0">
+                <a:latin typeface="Consolas" panose="020B0609020204030204" pitchFamily="49" charset="0"/>
+              </a:rPr>
+              <a:t> </a:t>
+            </a:r>
+            <a:r>
+              <a:rPr lang="ru-RU" sz="1600" dirty="0" err="1">
+                <a:latin typeface="Consolas" panose="020B0609020204030204" pitchFamily="49" charset="0"/>
+              </a:rPr>
+              <a:t>register</a:t>
+            </a:r>
+            <a:r>
+              <a:rPr lang="ru-RU" sz="1600" dirty="0">
+                <a:latin typeface="Consolas" panose="020B0609020204030204" pitchFamily="49" charset="0"/>
+              </a:rPr>
+              <a:t>(</a:t>
+            </a:r>
+            <a:r>
+              <a:rPr lang="ru-RU" sz="1600" dirty="0" err="1">
+                <a:latin typeface="Consolas" panose="020B0609020204030204" pitchFamily="49" charset="0"/>
+              </a:rPr>
+              <a:t>self</a:t>
+            </a:r>
+            <a:r>
+              <a:rPr lang="ru-RU" sz="1600" dirty="0">
+                <a:latin typeface="Consolas" panose="020B0609020204030204" pitchFamily="49" charset="0"/>
+              </a:rPr>
+              <a:t>, </a:t>
+            </a:r>
+            <a:r>
+              <a:rPr lang="ru-RU" sz="1600" dirty="0" err="1">
+                <a:latin typeface="Consolas" panose="020B0609020204030204" pitchFamily="49" charset="0"/>
+              </a:rPr>
+              <a:t>listener</a:t>
+            </a:r>
+            <a:r>
+              <a:rPr lang="ru-RU" sz="1600" dirty="0">
+                <a:latin typeface="Consolas" panose="020B0609020204030204" pitchFamily="49" charset="0"/>
+              </a:rPr>
+              <a:t>): </a:t>
+            </a:r>
+          </a:p>
+          <a:p>
+            <a:r>
+              <a:rPr lang="ru-RU" sz="1600" dirty="0">
+                <a:latin typeface="Consolas" panose="020B0609020204030204" pitchFamily="49" charset="0"/>
+              </a:rPr>
+              <a:t>        </a:t>
+            </a:r>
+            <a:r>
+              <a:rPr lang="ru-RU" sz="1600" dirty="0" err="1">
+                <a:latin typeface="Consolas" panose="020B0609020204030204" pitchFamily="49" charset="0"/>
+              </a:rPr>
+              <a:t>self</a:t>
+            </a:r>
+            <a:r>
+              <a:rPr lang="ru-RU" sz="1600" dirty="0">
+                <a:latin typeface="Consolas" panose="020B0609020204030204" pitchFamily="49" charset="0"/>
+              </a:rPr>
+              <a:t>._</a:t>
+            </a:r>
+            <a:r>
+              <a:rPr lang="ru-RU" sz="1600" dirty="0" err="1">
+                <a:latin typeface="Consolas" panose="020B0609020204030204" pitchFamily="49" charset="0"/>
+              </a:rPr>
+              <a:t>listeners.add</a:t>
+            </a:r>
+            <a:r>
+              <a:rPr lang="ru-RU" sz="1600" dirty="0">
+                <a:latin typeface="Consolas" panose="020B0609020204030204" pitchFamily="49" charset="0"/>
+              </a:rPr>
+              <a:t>(</a:t>
+            </a:r>
+            <a:r>
+              <a:rPr lang="ru-RU" sz="1600" dirty="0" err="1">
+                <a:latin typeface="Consolas" panose="020B0609020204030204" pitchFamily="49" charset="0"/>
+              </a:rPr>
+              <a:t>listener</a:t>
+            </a:r>
+            <a:r>
+              <a:rPr lang="ru-RU" sz="1600" dirty="0">
+                <a:latin typeface="Consolas" panose="020B0609020204030204" pitchFamily="49" charset="0"/>
+              </a:rPr>
+              <a:t>) </a:t>
+            </a:r>
+          </a:p>
+          <a:p>
+            <a:r>
+              <a:rPr lang="ru-RU" sz="1600" dirty="0">
+                <a:latin typeface="Consolas" panose="020B0609020204030204" pitchFamily="49" charset="0"/>
+              </a:rPr>
+              <a:t>        </a:t>
+            </a:r>
+            <a:r>
+              <a:rPr lang="ru-RU" sz="1600" dirty="0" err="1">
+                <a:latin typeface="Consolas" panose="020B0609020204030204" pitchFamily="49" charset="0"/>
+              </a:rPr>
+              <a:t>listener.notify</a:t>
+            </a:r>
+            <a:r>
+              <a:rPr lang="ru-RU" sz="1600" dirty="0">
+                <a:latin typeface="Consolas" panose="020B0609020204030204" pitchFamily="49" charset="0"/>
+              </a:rPr>
+              <a:t>() </a:t>
+            </a:r>
+          </a:p>
+          <a:p>
+            <a:r>
+              <a:rPr lang="ru-RU" sz="1600" dirty="0" smtClean="0">
+                <a:latin typeface="Consolas" panose="020B0609020204030204" pitchFamily="49" charset="0"/>
+              </a:rPr>
+              <a:t>    </a:t>
+            </a:r>
+            <a:r>
+              <a:rPr lang="ru-RU" sz="1600" dirty="0" err="1">
+                <a:latin typeface="Consolas" panose="020B0609020204030204" pitchFamily="49" charset="0"/>
+              </a:rPr>
+              <a:t>def</a:t>
+            </a:r>
+            <a:r>
+              <a:rPr lang="ru-RU" sz="1600" dirty="0">
+                <a:latin typeface="Consolas" panose="020B0609020204030204" pitchFamily="49" charset="0"/>
+              </a:rPr>
+              <a:t> </a:t>
+            </a:r>
+            <a:r>
+              <a:rPr lang="ru-RU" sz="1600" dirty="0" err="1">
+                <a:latin typeface="Consolas" panose="020B0609020204030204" pitchFamily="49" charset="0"/>
+              </a:rPr>
+              <a:t>unregister</a:t>
+            </a:r>
+            <a:r>
+              <a:rPr lang="ru-RU" sz="1600" dirty="0">
+                <a:latin typeface="Consolas" panose="020B0609020204030204" pitchFamily="49" charset="0"/>
+              </a:rPr>
+              <a:t>(</a:t>
+            </a:r>
+            <a:r>
+              <a:rPr lang="ru-RU" sz="1600" dirty="0" err="1">
+                <a:latin typeface="Consolas" panose="020B0609020204030204" pitchFamily="49" charset="0"/>
+              </a:rPr>
+              <a:t>self</a:t>
+            </a:r>
+            <a:r>
+              <a:rPr lang="ru-RU" sz="1600" dirty="0">
+                <a:latin typeface="Consolas" panose="020B0609020204030204" pitchFamily="49" charset="0"/>
+              </a:rPr>
+              <a:t>, </a:t>
+            </a:r>
+            <a:r>
+              <a:rPr lang="ru-RU" sz="1600" dirty="0" err="1">
+                <a:latin typeface="Consolas" panose="020B0609020204030204" pitchFamily="49" charset="0"/>
+              </a:rPr>
+              <a:t>listener</a:t>
+            </a:r>
+            <a:r>
+              <a:rPr lang="ru-RU" sz="1600" dirty="0">
+                <a:latin typeface="Consolas" panose="020B0609020204030204" pitchFamily="49" charset="0"/>
+              </a:rPr>
+              <a:t>): </a:t>
+            </a:r>
+          </a:p>
+          <a:p>
+            <a:r>
+              <a:rPr lang="ru-RU" sz="1600" dirty="0">
+                <a:latin typeface="Consolas" panose="020B0609020204030204" pitchFamily="49" charset="0"/>
+              </a:rPr>
+              <a:t>        </a:t>
+            </a:r>
+            <a:r>
+              <a:rPr lang="ru-RU" sz="1600" dirty="0" err="1">
+                <a:latin typeface="Consolas" panose="020B0609020204030204" pitchFamily="49" charset="0"/>
+              </a:rPr>
+              <a:t>self</a:t>
+            </a:r>
+            <a:r>
+              <a:rPr lang="ru-RU" sz="1600" dirty="0">
+                <a:latin typeface="Consolas" panose="020B0609020204030204" pitchFamily="49" charset="0"/>
+              </a:rPr>
+              <a:t>._</a:t>
+            </a:r>
+            <a:r>
+              <a:rPr lang="ru-RU" sz="1600" dirty="0" err="1">
+                <a:latin typeface="Consolas" panose="020B0609020204030204" pitchFamily="49" charset="0"/>
+              </a:rPr>
+              <a:t>listeners.remove</a:t>
+            </a:r>
+            <a:r>
+              <a:rPr lang="ru-RU" sz="1600" dirty="0">
+                <a:latin typeface="Consolas" panose="020B0609020204030204" pitchFamily="49" charset="0"/>
+              </a:rPr>
+              <a:t>(</a:t>
+            </a:r>
+            <a:r>
+              <a:rPr lang="ru-RU" sz="1600" dirty="0" err="1">
+                <a:latin typeface="Consolas" panose="020B0609020204030204" pitchFamily="49" charset="0"/>
+              </a:rPr>
+              <a:t>listener</a:t>
+            </a:r>
+            <a:r>
+              <a:rPr lang="ru-RU" sz="1600" dirty="0">
+                <a:latin typeface="Consolas" panose="020B0609020204030204" pitchFamily="49" charset="0"/>
+              </a:rPr>
+              <a:t>)</a:t>
+            </a:r>
+          </a:p>
+          <a:p>
+            <a:r>
+              <a:rPr lang="ru-RU" sz="1600" dirty="0" smtClean="0">
+                <a:latin typeface="Consolas" panose="020B0609020204030204" pitchFamily="49" charset="0"/>
+              </a:rPr>
+              <a:t>    </a:t>
+            </a:r>
+            <a:r>
+              <a:rPr lang="ru-RU" sz="1600" dirty="0" err="1">
+                <a:latin typeface="Consolas" panose="020B0609020204030204" pitchFamily="49" charset="0"/>
+              </a:rPr>
+              <a:t>def</a:t>
+            </a:r>
+            <a:r>
+              <a:rPr lang="ru-RU" sz="1600" dirty="0">
+                <a:latin typeface="Consolas" panose="020B0609020204030204" pitchFamily="49" charset="0"/>
+              </a:rPr>
+              <a:t> </a:t>
+            </a:r>
+            <a:r>
+              <a:rPr lang="ru-RU" sz="1600" dirty="0" err="1">
+                <a:latin typeface="Consolas" panose="020B0609020204030204" pitchFamily="49" charset="0"/>
+              </a:rPr>
+              <a:t>value</a:t>
+            </a:r>
+            <a:r>
+              <a:rPr lang="ru-RU" sz="1600" dirty="0">
+                <a:latin typeface="Consolas" panose="020B0609020204030204" pitchFamily="49" charset="0"/>
+              </a:rPr>
+              <a:t>(</a:t>
+            </a:r>
+            <a:r>
+              <a:rPr lang="ru-RU" sz="1600" dirty="0" err="1">
+                <a:latin typeface="Consolas" panose="020B0609020204030204" pitchFamily="49" charset="0"/>
+              </a:rPr>
+              <a:t>self</a:t>
+            </a:r>
+            <a:r>
+              <a:rPr lang="ru-RU" sz="1600" dirty="0">
+                <a:latin typeface="Consolas" panose="020B0609020204030204" pitchFamily="49" charset="0"/>
+              </a:rPr>
+              <a:t>): </a:t>
+            </a:r>
+          </a:p>
+          <a:p>
+            <a:r>
+              <a:rPr lang="ru-RU" sz="1600" dirty="0">
+                <a:latin typeface="Consolas" panose="020B0609020204030204" pitchFamily="49" charset="0"/>
+              </a:rPr>
+              <a:t>        </a:t>
+            </a:r>
+            <a:r>
+              <a:rPr lang="ru-RU" sz="1600" dirty="0" err="1">
+                <a:latin typeface="Consolas" panose="020B0609020204030204" pitchFamily="49" charset="0"/>
+              </a:rPr>
+              <a:t>return</a:t>
+            </a:r>
+            <a:r>
+              <a:rPr lang="ru-RU" sz="1600" dirty="0">
+                <a:latin typeface="Consolas" panose="020B0609020204030204" pitchFamily="49" charset="0"/>
+              </a:rPr>
+              <a:t> </a:t>
+            </a:r>
+            <a:r>
+              <a:rPr lang="ru-RU" sz="1600" dirty="0" err="1">
+                <a:latin typeface="Consolas" panose="020B0609020204030204" pitchFamily="49" charset="0"/>
+              </a:rPr>
+              <a:t>self</a:t>
+            </a:r>
+            <a:r>
+              <a:rPr lang="ru-RU" sz="1600" dirty="0">
+                <a:latin typeface="Consolas" panose="020B0609020204030204" pitchFamily="49" charset="0"/>
+              </a:rPr>
+              <a:t>._</a:t>
+            </a:r>
+            <a:r>
+              <a:rPr lang="ru-RU" sz="1600" dirty="0" err="1">
+                <a:latin typeface="Consolas" panose="020B0609020204030204" pitchFamily="49" charset="0"/>
+              </a:rPr>
+              <a:t>value</a:t>
+            </a:r>
+            <a:endParaRPr lang="ru-RU" sz="1600" dirty="0">
+              <a:latin typeface="Consolas" panose="020B0609020204030204" pitchFamily="49" charset="0"/>
+            </a:endParaRPr>
+          </a:p>
+          <a:p>
+            <a:r>
+              <a:rPr lang="ru-RU" sz="1600" dirty="0" smtClean="0">
+                <a:latin typeface="Consolas" panose="020B0609020204030204" pitchFamily="49" charset="0"/>
+              </a:rPr>
+              <a:t>    </a:t>
+            </a:r>
+            <a:r>
+              <a:rPr lang="ru-RU" sz="1600" dirty="0" err="1">
+                <a:latin typeface="Consolas" panose="020B0609020204030204" pitchFamily="49" charset="0"/>
+              </a:rPr>
+              <a:t>def</a:t>
+            </a:r>
+            <a:r>
+              <a:rPr lang="ru-RU" sz="1600" dirty="0">
+                <a:latin typeface="Consolas" panose="020B0609020204030204" pitchFamily="49" charset="0"/>
+              </a:rPr>
+              <a:t> </a:t>
+            </a:r>
+            <a:r>
+              <a:rPr lang="ru-RU" sz="1600" dirty="0" err="1">
+                <a:latin typeface="Consolas" panose="020B0609020204030204" pitchFamily="49" charset="0"/>
+              </a:rPr>
+              <a:t>setValue</a:t>
+            </a:r>
+            <a:r>
+              <a:rPr lang="ru-RU" sz="1600" dirty="0">
+                <a:latin typeface="Consolas" panose="020B0609020204030204" pitchFamily="49" charset="0"/>
+              </a:rPr>
+              <a:t>(</a:t>
+            </a:r>
+            <a:r>
+              <a:rPr lang="ru-RU" sz="1600" dirty="0" err="1">
+                <a:latin typeface="Consolas" panose="020B0609020204030204" pitchFamily="49" charset="0"/>
+              </a:rPr>
+              <a:t>self</a:t>
+            </a:r>
+            <a:r>
+              <a:rPr lang="ru-RU" sz="1600" dirty="0">
+                <a:latin typeface="Consolas" panose="020B0609020204030204" pitchFamily="49" charset="0"/>
+              </a:rPr>
+              <a:t>, </a:t>
+            </a:r>
+            <a:r>
+              <a:rPr lang="ru-RU" sz="1600" dirty="0" err="1">
+                <a:latin typeface="Consolas" panose="020B0609020204030204" pitchFamily="49" charset="0"/>
+              </a:rPr>
+              <a:t>value</a:t>
+            </a:r>
+            <a:r>
+              <a:rPr lang="ru-RU" sz="1600" dirty="0">
+                <a:latin typeface="Consolas" panose="020B0609020204030204" pitchFamily="49" charset="0"/>
+              </a:rPr>
+              <a:t>): </a:t>
+            </a:r>
+          </a:p>
+          <a:p>
+            <a:r>
+              <a:rPr lang="ru-RU" sz="1600" dirty="0">
+                <a:latin typeface="Consolas" panose="020B0609020204030204" pitchFamily="49" charset="0"/>
+              </a:rPr>
+              <a:t>        </a:t>
+            </a:r>
+            <a:r>
+              <a:rPr lang="ru-RU" sz="1600" dirty="0" err="1">
+                <a:latin typeface="Consolas" panose="020B0609020204030204" pitchFamily="49" charset="0"/>
+              </a:rPr>
+              <a:t>if</a:t>
+            </a:r>
+            <a:r>
+              <a:rPr lang="ru-RU" sz="1600" dirty="0">
+                <a:latin typeface="Consolas" panose="020B0609020204030204" pitchFamily="49" charset="0"/>
+              </a:rPr>
+              <a:t> </a:t>
+            </a:r>
+            <a:r>
+              <a:rPr lang="ru-RU" sz="1600" dirty="0" err="1">
+                <a:latin typeface="Consolas" panose="020B0609020204030204" pitchFamily="49" charset="0"/>
+              </a:rPr>
+              <a:t>value</a:t>
+            </a:r>
+            <a:r>
+              <a:rPr lang="ru-RU" sz="1600" dirty="0">
+                <a:latin typeface="Consolas" panose="020B0609020204030204" pitchFamily="49" charset="0"/>
+              </a:rPr>
+              <a:t> != </a:t>
+            </a:r>
+            <a:r>
+              <a:rPr lang="ru-RU" sz="1600" dirty="0" err="1">
+                <a:latin typeface="Consolas" panose="020B0609020204030204" pitchFamily="49" charset="0"/>
+              </a:rPr>
+              <a:t>self</a:t>
+            </a:r>
+            <a:r>
+              <a:rPr lang="ru-RU" sz="1600" dirty="0">
+                <a:latin typeface="Consolas" panose="020B0609020204030204" pitchFamily="49" charset="0"/>
+              </a:rPr>
+              <a:t>._</a:t>
+            </a:r>
+            <a:r>
+              <a:rPr lang="ru-RU" sz="1600" dirty="0" err="1">
+                <a:latin typeface="Consolas" panose="020B0609020204030204" pitchFamily="49" charset="0"/>
+              </a:rPr>
+              <a:t>value</a:t>
+            </a:r>
+            <a:r>
+              <a:rPr lang="ru-RU" sz="1600" dirty="0">
+                <a:latin typeface="Consolas" panose="020B0609020204030204" pitchFamily="49" charset="0"/>
+              </a:rPr>
+              <a:t>: </a:t>
+            </a:r>
+          </a:p>
+          <a:p>
+            <a:r>
+              <a:rPr lang="ru-RU" sz="1600" dirty="0">
+                <a:latin typeface="Consolas" panose="020B0609020204030204" pitchFamily="49" charset="0"/>
+              </a:rPr>
+              <a:t>            </a:t>
+            </a:r>
+            <a:r>
+              <a:rPr lang="ru-RU" sz="1600" dirty="0" err="1">
+                <a:latin typeface="Consolas" panose="020B0609020204030204" pitchFamily="49" charset="0"/>
+              </a:rPr>
+              <a:t>self</a:t>
+            </a:r>
+            <a:r>
+              <a:rPr lang="ru-RU" sz="1600" dirty="0">
+                <a:latin typeface="Consolas" panose="020B0609020204030204" pitchFamily="49" charset="0"/>
+              </a:rPr>
+              <a:t>._</a:t>
+            </a:r>
+            <a:r>
+              <a:rPr lang="ru-RU" sz="1600" dirty="0" err="1">
+                <a:latin typeface="Consolas" panose="020B0609020204030204" pitchFamily="49" charset="0"/>
+              </a:rPr>
+              <a:t>value</a:t>
+            </a:r>
+            <a:r>
+              <a:rPr lang="ru-RU" sz="1600" dirty="0">
+                <a:latin typeface="Consolas" panose="020B0609020204030204" pitchFamily="49" charset="0"/>
+              </a:rPr>
+              <a:t> = </a:t>
+            </a:r>
+            <a:r>
+              <a:rPr lang="ru-RU" sz="1600" dirty="0" err="1">
+                <a:latin typeface="Consolas" panose="020B0609020204030204" pitchFamily="49" charset="0"/>
+              </a:rPr>
+              <a:t>value</a:t>
+            </a:r>
+            <a:r>
+              <a:rPr lang="ru-RU" sz="1600" dirty="0">
+                <a:latin typeface="Consolas" panose="020B0609020204030204" pitchFamily="49" charset="0"/>
+              </a:rPr>
+              <a:t> </a:t>
+            </a:r>
+          </a:p>
+          <a:p>
+            <a:r>
+              <a:rPr lang="ru-RU" sz="1600" dirty="0">
+                <a:latin typeface="Consolas" panose="020B0609020204030204" pitchFamily="49" charset="0"/>
+              </a:rPr>
+              <a:t>            </a:t>
+            </a:r>
+            <a:r>
+              <a:rPr lang="ru-RU" sz="1600" dirty="0" err="1">
+                <a:latin typeface="Consolas" panose="020B0609020204030204" pitchFamily="49" charset="0"/>
+              </a:rPr>
+              <a:t>self</a:t>
+            </a:r>
+            <a:r>
+              <a:rPr lang="ru-RU" sz="1600" dirty="0">
+                <a:latin typeface="Consolas" panose="020B0609020204030204" pitchFamily="49" charset="0"/>
+              </a:rPr>
+              <a:t>._</a:t>
+            </a:r>
+            <a:r>
+              <a:rPr lang="ru-RU" sz="1600" dirty="0" err="1">
+                <a:latin typeface="Consolas" panose="020B0609020204030204" pitchFamily="49" charset="0"/>
+              </a:rPr>
+              <a:t>notifyListeners</a:t>
+            </a:r>
+            <a:r>
+              <a:rPr lang="ru-RU" sz="1600" dirty="0">
+                <a:latin typeface="Consolas" panose="020B0609020204030204" pitchFamily="49" charset="0"/>
+              </a:rPr>
+              <a:t>() </a:t>
+            </a:r>
+          </a:p>
+          <a:p>
+            <a:r>
+              <a:rPr lang="ru-RU" sz="1600" dirty="0" smtClean="0">
+                <a:latin typeface="Consolas" panose="020B0609020204030204" pitchFamily="49" charset="0"/>
+              </a:rPr>
+              <a:t>    </a:t>
+            </a:r>
+            <a:r>
+              <a:rPr lang="ru-RU" sz="1600" dirty="0" err="1">
+                <a:latin typeface="Consolas" panose="020B0609020204030204" pitchFamily="49" charset="0"/>
+              </a:rPr>
+              <a:t>def</a:t>
+            </a:r>
+            <a:r>
+              <a:rPr lang="ru-RU" sz="1600" dirty="0">
+                <a:latin typeface="Consolas" panose="020B0609020204030204" pitchFamily="49" charset="0"/>
+              </a:rPr>
+              <a:t> _</a:t>
+            </a:r>
+            <a:r>
+              <a:rPr lang="ru-RU" sz="1600" dirty="0" err="1">
+                <a:latin typeface="Consolas" panose="020B0609020204030204" pitchFamily="49" charset="0"/>
+              </a:rPr>
+              <a:t>notifyListeners</a:t>
+            </a:r>
+            <a:r>
+              <a:rPr lang="ru-RU" sz="1600" dirty="0">
+                <a:latin typeface="Consolas" panose="020B0609020204030204" pitchFamily="49" charset="0"/>
+              </a:rPr>
+              <a:t>(</a:t>
+            </a:r>
+            <a:r>
+              <a:rPr lang="ru-RU" sz="1600" dirty="0" err="1">
+                <a:latin typeface="Consolas" panose="020B0609020204030204" pitchFamily="49" charset="0"/>
+              </a:rPr>
+              <a:t>self</a:t>
+            </a:r>
+            <a:r>
+              <a:rPr lang="ru-RU" sz="1600" dirty="0">
+                <a:latin typeface="Consolas" panose="020B0609020204030204" pitchFamily="49" charset="0"/>
+              </a:rPr>
+              <a:t>): </a:t>
+            </a:r>
+          </a:p>
+          <a:p>
+            <a:r>
+              <a:rPr lang="ru-RU" sz="1600" dirty="0">
+                <a:latin typeface="Consolas" panose="020B0609020204030204" pitchFamily="49" charset="0"/>
+              </a:rPr>
+              <a:t>        </a:t>
+            </a:r>
+            <a:r>
+              <a:rPr lang="ru-RU" sz="1600" dirty="0" err="1">
+                <a:latin typeface="Consolas" panose="020B0609020204030204" pitchFamily="49" charset="0"/>
+              </a:rPr>
+              <a:t>for</a:t>
+            </a:r>
+            <a:r>
+              <a:rPr lang="ru-RU" sz="1600" dirty="0">
+                <a:latin typeface="Consolas" panose="020B0609020204030204" pitchFamily="49" charset="0"/>
+              </a:rPr>
+              <a:t> l </a:t>
+            </a:r>
+            <a:r>
+              <a:rPr lang="ru-RU" sz="1600" dirty="0" err="1">
+                <a:latin typeface="Consolas" panose="020B0609020204030204" pitchFamily="49" charset="0"/>
+              </a:rPr>
+              <a:t>in</a:t>
+            </a:r>
+            <a:r>
+              <a:rPr lang="ru-RU" sz="1600" dirty="0">
+                <a:latin typeface="Consolas" panose="020B0609020204030204" pitchFamily="49" charset="0"/>
+              </a:rPr>
+              <a:t> </a:t>
+            </a:r>
+            <a:r>
+              <a:rPr lang="ru-RU" sz="1600" dirty="0" err="1">
+                <a:latin typeface="Consolas" panose="020B0609020204030204" pitchFamily="49" charset="0"/>
+              </a:rPr>
+              <a:t>self</a:t>
+            </a:r>
+            <a:r>
+              <a:rPr lang="ru-RU" sz="1600" dirty="0">
+                <a:latin typeface="Consolas" panose="020B0609020204030204" pitchFamily="49" charset="0"/>
+              </a:rPr>
+              <a:t>._</a:t>
+            </a:r>
+            <a:r>
+              <a:rPr lang="ru-RU" sz="1600" dirty="0" err="1">
+                <a:latin typeface="Consolas" panose="020B0609020204030204" pitchFamily="49" charset="0"/>
+              </a:rPr>
+              <a:t>listeners</a:t>
+            </a:r>
+            <a:r>
+              <a:rPr lang="ru-RU" sz="1600" dirty="0">
+                <a:latin typeface="Consolas" panose="020B0609020204030204" pitchFamily="49" charset="0"/>
+              </a:rPr>
+              <a:t>: </a:t>
+            </a:r>
+          </a:p>
+          <a:p>
+            <a:r>
+              <a:rPr lang="ru-RU" sz="1600" dirty="0">
+                <a:latin typeface="Consolas" panose="020B0609020204030204" pitchFamily="49" charset="0"/>
+              </a:rPr>
+              <a:t>            </a:t>
+            </a:r>
+            <a:r>
+              <a:rPr lang="ru-RU" sz="1600" dirty="0" err="1">
+                <a:latin typeface="Consolas" panose="020B0609020204030204" pitchFamily="49" charset="0"/>
+              </a:rPr>
+              <a:t>l.notify</a:t>
+            </a:r>
+            <a:r>
+              <a:rPr lang="ru-RU" sz="1600" dirty="0">
+                <a:latin typeface="Consolas" panose="020B0609020204030204" pitchFamily="49" charset="0"/>
+              </a:rPr>
+              <a:t>() </a:t>
+            </a:r>
+          </a:p>
+          <a:p>
+            <a:r>
+              <a:rPr lang="ru-RU" sz="1600" dirty="0" smtClean="0">
+                <a:latin typeface="Consolas" panose="020B0609020204030204" pitchFamily="49" charset="0"/>
+              </a:rPr>
+              <a:t>    </a:t>
+            </a:r>
+            <a:r>
+              <a:rPr lang="ru-RU" sz="1600" dirty="0" err="1">
+                <a:latin typeface="Consolas" panose="020B0609020204030204" pitchFamily="49" charset="0"/>
+              </a:rPr>
+              <a:t>def</a:t>
+            </a:r>
+            <a:r>
+              <a:rPr lang="ru-RU" sz="1600" dirty="0">
+                <a:latin typeface="Consolas" panose="020B0609020204030204" pitchFamily="49" charset="0"/>
+              </a:rPr>
+              <a:t> </a:t>
+            </a:r>
+            <a:r>
+              <a:rPr lang="ru-RU" sz="1600" dirty="0" err="1">
+                <a:latin typeface="Consolas" panose="020B0609020204030204" pitchFamily="49" charset="0"/>
+              </a:rPr>
+              <a:t>incrementValue</a:t>
+            </a:r>
+            <a:r>
+              <a:rPr lang="ru-RU" sz="1600" dirty="0">
+                <a:latin typeface="Consolas" panose="020B0609020204030204" pitchFamily="49" charset="0"/>
+              </a:rPr>
+              <a:t>(</a:t>
+            </a:r>
+            <a:r>
+              <a:rPr lang="ru-RU" sz="1600" dirty="0" err="1">
+                <a:latin typeface="Consolas" panose="020B0609020204030204" pitchFamily="49" charset="0"/>
+              </a:rPr>
+              <a:t>self</a:t>
+            </a:r>
+            <a:r>
+              <a:rPr lang="ru-RU" sz="1600" dirty="0">
+                <a:latin typeface="Consolas" panose="020B0609020204030204" pitchFamily="49" charset="0"/>
+              </a:rPr>
+              <a:t>): </a:t>
+            </a:r>
+          </a:p>
+          <a:p>
+            <a:r>
+              <a:rPr lang="ru-RU" sz="1600" dirty="0">
+                <a:latin typeface="Consolas" panose="020B0609020204030204" pitchFamily="49" charset="0"/>
+              </a:rPr>
+              <a:t>        </a:t>
+            </a:r>
+            <a:r>
+              <a:rPr lang="ru-RU" sz="1600" dirty="0" err="1">
+                <a:latin typeface="Consolas" panose="020B0609020204030204" pitchFamily="49" charset="0"/>
+              </a:rPr>
+              <a:t>self</a:t>
+            </a:r>
+            <a:r>
+              <a:rPr lang="ru-RU" sz="1600" dirty="0">
+                <a:latin typeface="Consolas" panose="020B0609020204030204" pitchFamily="49" charset="0"/>
+              </a:rPr>
+              <a:t>._</a:t>
+            </a:r>
+            <a:r>
+              <a:rPr lang="ru-RU" sz="1600" dirty="0" err="1">
+                <a:latin typeface="Consolas" panose="020B0609020204030204" pitchFamily="49" charset="0"/>
+              </a:rPr>
+              <a:t>value</a:t>
+            </a:r>
+            <a:r>
+              <a:rPr lang="ru-RU" sz="1600" dirty="0">
+                <a:latin typeface="Consolas" panose="020B0609020204030204" pitchFamily="49" charset="0"/>
+              </a:rPr>
+              <a:t> += 1</a:t>
+            </a:r>
+          </a:p>
+          <a:p>
+            <a:r>
+              <a:rPr lang="ru-RU" sz="1600" dirty="0">
+                <a:latin typeface="Consolas" panose="020B0609020204030204" pitchFamily="49" charset="0"/>
+              </a:rPr>
+              <a:t>        </a:t>
+            </a:r>
+            <a:r>
+              <a:rPr lang="ru-RU" sz="1600" dirty="0" err="1">
+                <a:latin typeface="Consolas" panose="020B0609020204030204" pitchFamily="49" charset="0"/>
+              </a:rPr>
+              <a:t>self</a:t>
+            </a:r>
+            <a:r>
+              <a:rPr lang="ru-RU" sz="1600" dirty="0">
+                <a:latin typeface="Consolas" panose="020B0609020204030204" pitchFamily="49" charset="0"/>
+              </a:rPr>
+              <a:t>._</a:t>
+            </a:r>
+            <a:r>
+              <a:rPr lang="ru-RU" sz="1600" dirty="0" err="1">
+                <a:latin typeface="Consolas" panose="020B0609020204030204" pitchFamily="49" charset="0"/>
+              </a:rPr>
+              <a:t>notifyListeners</a:t>
+            </a:r>
+            <a:r>
+              <a:rPr lang="ru-RU" sz="1600" dirty="0">
+                <a:latin typeface="Consolas" panose="020B0609020204030204" pitchFamily="49" charset="0"/>
+              </a:rPr>
+              <a:t>()</a:t>
             </a:r>
           </a:p>
         </p:txBody>
@@ -4392,7 +5259,7 @@
     </p:spTree>
     <p:extLst>
       <p:ext uri="{BB962C8B-B14F-4D97-AF65-F5344CB8AC3E}">
-        <p14:creationId xmlns:p14="http://schemas.microsoft.com/office/powerpoint/2010/main" val="1423434087"/>
+        <p14:creationId xmlns:p14="http://schemas.microsoft.com/office/powerpoint/2010/main" val="1710040295"/>
       </p:ext>
     </p:extLst>
   </p:cSld>
@@ -4402,7 +5269,833 @@
   <p:timing>
     <p:tnLst>
       <p:par>
-        <p:cTn id="1" dur="indefinite" restart="never" nodeType="tmRoot"/>
+        <p:cTn id="1" dur="indefinite" restart="never" nodeType="tmRoot">
+          <p:childTnLst>
+            <p:seq concurrent="1" nextAc="seek">
+              <p:cTn id="2" dur="indefinite" nodeType="mainSeq">
+                <p:childTnLst>
+                  <p:par>
+                    <p:cTn id="3" fill="hold">
+                      <p:stCondLst>
+                        <p:cond delay="indefinite"/>
+                      </p:stCondLst>
+                      <p:childTnLst>
+                        <p:par>
+                          <p:cTn id="4" fill="hold">
+                            <p:stCondLst>
+                              <p:cond delay="0"/>
+                            </p:stCondLst>
+                            <p:childTnLst>
+                              <p:par>
+                                <p:cTn id="5" presetID="10" presetClass="entr" presetSubtype="0" fill="hold" nodeType="clickEffect">
+                                  <p:stCondLst>
+                                    <p:cond delay="0"/>
+                                  </p:stCondLst>
+                                  <p:childTnLst>
+                                    <p:set>
+                                      <p:cBhvr>
+                                        <p:cTn id="6" dur="1" fill="hold">
+                                          <p:stCondLst>
+                                            <p:cond delay="0"/>
+                                          </p:stCondLst>
+                                        </p:cTn>
+                                        <p:tgtEl>
+                                          <p:spTgt spid="10">
+                                            <p:txEl>
+                                              <p:pRg st="4" end="4"/>
+                                            </p:txEl>
+                                          </p:spTgt>
+                                        </p:tgtEl>
+                                        <p:attrNameLst>
+                                          <p:attrName>style.visibility</p:attrName>
+                                        </p:attrNameLst>
+                                      </p:cBhvr>
+                                      <p:to>
+                                        <p:strVal val="visible"/>
+                                      </p:to>
+                                    </p:set>
+                                    <p:animEffect transition="in" filter="fade">
+                                      <p:cBhvr>
+                                        <p:cTn id="7" dur="500"/>
+                                        <p:tgtEl>
+                                          <p:spTgt spid="10">
+                                            <p:txEl>
+                                              <p:pRg st="4" end="4"/>
+                                            </p:txEl>
+                                          </p:spTgt>
+                                        </p:tgtEl>
+                                      </p:cBhvr>
+                                    </p:animEffect>
+                                  </p:childTnLst>
+                                </p:cTn>
+                              </p:par>
+                              <p:par>
+                                <p:cTn id="8" presetID="10" presetClass="entr" presetSubtype="0" fill="hold" nodeType="withEffect">
+                                  <p:stCondLst>
+                                    <p:cond delay="0"/>
+                                  </p:stCondLst>
+                                  <p:childTnLst>
+                                    <p:set>
+                                      <p:cBhvr>
+                                        <p:cTn id="9" dur="1" fill="hold">
+                                          <p:stCondLst>
+                                            <p:cond delay="0"/>
+                                          </p:stCondLst>
+                                        </p:cTn>
+                                        <p:tgtEl>
+                                          <p:spTgt spid="10">
+                                            <p:txEl>
+                                              <p:pRg st="5" end="5"/>
+                                            </p:txEl>
+                                          </p:spTgt>
+                                        </p:tgtEl>
+                                        <p:attrNameLst>
+                                          <p:attrName>style.visibility</p:attrName>
+                                        </p:attrNameLst>
+                                      </p:cBhvr>
+                                      <p:to>
+                                        <p:strVal val="visible"/>
+                                      </p:to>
+                                    </p:set>
+                                    <p:animEffect transition="in" filter="fade">
+                                      <p:cBhvr>
+                                        <p:cTn id="10" dur="500"/>
+                                        <p:tgtEl>
+                                          <p:spTgt spid="10">
+                                            <p:txEl>
+                                              <p:pRg st="5" end="5"/>
+                                            </p:txEl>
+                                          </p:spTgt>
+                                        </p:tgtEl>
+                                      </p:cBhvr>
+                                    </p:animEffect>
+                                  </p:childTnLst>
+                                </p:cTn>
+                              </p:par>
+                              <p:par>
+                                <p:cTn id="11" presetID="10" presetClass="entr" presetSubtype="0" fill="hold" nodeType="withEffect">
+                                  <p:stCondLst>
+                                    <p:cond delay="0"/>
+                                  </p:stCondLst>
+                                  <p:childTnLst>
+                                    <p:set>
+                                      <p:cBhvr>
+                                        <p:cTn id="12" dur="1" fill="hold">
+                                          <p:stCondLst>
+                                            <p:cond delay="0"/>
+                                          </p:stCondLst>
+                                        </p:cTn>
+                                        <p:tgtEl>
+                                          <p:spTgt spid="10">
+                                            <p:txEl>
+                                              <p:pRg st="6" end="6"/>
+                                            </p:txEl>
+                                          </p:spTgt>
+                                        </p:tgtEl>
+                                        <p:attrNameLst>
+                                          <p:attrName>style.visibility</p:attrName>
+                                        </p:attrNameLst>
+                                      </p:cBhvr>
+                                      <p:to>
+                                        <p:strVal val="visible"/>
+                                      </p:to>
+                                    </p:set>
+                                    <p:animEffect transition="in" filter="fade">
+                                      <p:cBhvr>
+                                        <p:cTn id="13" dur="500"/>
+                                        <p:tgtEl>
+                                          <p:spTgt spid="10">
+                                            <p:txEl>
+                                              <p:pRg st="6" end="6"/>
+                                            </p:txEl>
+                                          </p:spTgt>
+                                        </p:tgtEl>
+                                      </p:cBhvr>
+                                    </p:animEffect>
+                                  </p:childTnLst>
+                                </p:cTn>
+                              </p:par>
+                              <p:par>
+                                <p:cTn id="14" presetID="10" presetClass="entr" presetSubtype="0" fill="hold" nodeType="withEffect">
+                                  <p:stCondLst>
+                                    <p:cond delay="0"/>
+                                  </p:stCondLst>
+                                  <p:childTnLst>
+                                    <p:set>
+                                      <p:cBhvr>
+                                        <p:cTn id="15" dur="1" fill="hold">
+                                          <p:stCondLst>
+                                            <p:cond delay="0"/>
+                                          </p:stCondLst>
+                                        </p:cTn>
+                                        <p:tgtEl>
+                                          <p:spTgt spid="10">
+                                            <p:txEl>
+                                              <p:pRg st="7" end="7"/>
+                                            </p:txEl>
+                                          </p:spTgt>
+                                        </p:tgtEl>
+                                        <p:attrNameLst>
+                                          <p:attrName>style.visibility</p:attrName>
+                                        </p:attrNameLst>
+                                      </p:cBhvr>
+                                      <p:to>
+                                        <p:strVal val="visible"/>
+                                      </p:to>
+                                    </p:set>
+                                    <p:animEffect transition="in" filter="fade">
+                                      <p:cBhvr>
+                                        <p:cTn id="16" dur="500"/>
+                                        <p:tgtEl>
+                                          <p:spTgt spid="10">
+                                            <p:txEl>
+                                              <p:pRg st="7" end="7"/>
+                                            </p:txEl>
+                                          </p:spTgt>
+                                        </p:tgtEl>
+                                      </p:cBhvr>
+                                    </p:animEffect>
+                                  </p:childTnLst>
+                                </p:cTn>
+                              </p:par>
+                              <p:par>
+                                <p:cTn id="17" presetID="10" presetClass="entr" presetSubtype="0" fill="hold" nodeType="withEffect">
+                                  <p:stCondLst>
+                                    <p:cond delay="0"/>
+                                  </p:stCondLst>
+                                  <p:childTnLst>
+                                    <p:set>
+                                      <p:cBhvr>
+                                        <p:cTn id="18" dur="1" fill="hold">
+                                          <p:stCondLst>
+                                            <p:cond delay="0"/>
+                                          </p:stCondLst>
+                                        </p:cTn>
+                                        <p:tgtEl>
+                                          <p:spTgt spid="10">
+                                            <p:txEl>
+                                              <p:pRg st="8" end="8"/>
+                                            </p:txEl>
+                                          </p:spTgt>
+                                        </p:tgtEl>
+                                        <p:attrNameLst>
+                                          <p:attrName>style.visibility</p:attrName>
+                                        </p:attrNameLst>
+                                      </p:cBhvr>
+                                      <p:to>
+                                        <p:strVal val="visible"/>
+                                      </p:to>
+                                    </p:set>
+                                    <p:animEffect transition="in" filter="fade">
+                                      <p:cBhvr>
+                                        <p:cTn id="19" dur="500"/>
+                                        <p:tgtEl>
+                                          <p:spTgt spid="10">
+                                            <p:txEl>
+                                              <p:pRg st="8" end="8"/>
+                                            </p:txEl>
+                                          </p:spTgt>
+                                        </p:tgtEl>
+                                      </p:cBhvr>
+                                    </p:animEffect>
+                                  </p:childTnLst>
+                                </p:cTn>
+                              </p:par>
+                            </p:childTnLst>
+                          </p:cTn>
+                        </p:par>
+                      </p:childTnLst>
+                    </p:cTn>
+                  </p:par>
+                  <p:par>
+                    <p:cTn id="20" fill="hold">
+                      <p:stCondLst>
+                        <p:cond delay="indefinite"/>
+                      </p:stCondLst>
+                      <p:childTnLst>
+                        <p:par>
+                          <p:cTn id="21" fill="hold">
+                            <p:stCondLst>
+                              <p:cond delay="0"/>
+                            </p:stCondLst>
+                            <p:childTnLst>
+                              <p:par>
+                                <p:cTn id="22" presetID="10" presetClass="entr" presetSubtype="0" fill="hold" nodeType="clickEffect">
+                                  <p:stCondLst>
+                                    <p:cond delay="0"/>
+                                  </p:stCondLst>
+                                  <p:childTnLst>
+                                    <p:set>
+                                      <p:cBhvr>
+                                        <p:cTn id="23" dur="1" fill="hold">
+                                          <p:stCondLst>
+                                            <p:cond delay="0"/>
+                                          </p:stCondLst>
+                                        </p:cTn>
+                                        <p:tgtEl>
+                                          <p:spTgt spid="10">
+                                            <p:txEl>
+                                              <p:pRg st="9" end="9"/>
+                                            </p:txEl>
+                                          </p:spTgt>
+                                        </p:tgtEl>
+                                        <p:attrNameLst>
+                                          <p:attrName>style.visibility</p:attrName>
+                                        </p:attrNameLst>
+                                      </p:cBhvr>
+                                      <p:to>
+                                        <p:strVal val="visible"/>
+                                      </p:to>
+                                    </p:set>
+                                    <p:animEffect transition="in" filter="fade">
+                                      <p:cBhvr>
+                                        <p:cTn id="24" dur="500"/>
+                                        <p:tgtEl>
+                                          <p:spTgt spid="10">
+                                            <p:txEl>
+                                              <p:pRg st="9" end="9"/>
+                                            </p:txEl>
+                                          </p:spTgt>
+                                        </p:tgtEl>
+                                      </p:cBhvr>
+                                    </p:animEffect>
+                                  </p:childTnLst>
+                                </p:cTn>
+                              </p:par>
+                              <p:par>
+                                <p:cTn id="25" presetID="10" presetClass="entr" presetSubtype="0" fill="hold" nodeType="withEffect">
+                                  <p:stCondLst>
+                                    <p:cond delay="0"/>
+                                  </p:stCondLst>
+                                  <p:childTnLst>
+                                    <p:set>
+                                      <p:cBhvr>
+                                        <p:cTn id="26" dur="1" fill="hold">
+                                          <p:stCondLst>
+                                            <p:cond delay="0"/>
+                                          </p:stCondLst>
+                                        </p:cTn>
+                                        <p:tgtEl>
+                                          <p:spTgt spid="10">
+                                            <p:txEl>
+                                              <p:pRg st="10" end="10"/>
+                                            </p:txEl>
+                                          </p:spTgt>
+                                        </p:tgtEl>
+                                        <p:attrNameLst>
+                                          <p:attrName>style.visibility</p:attrName>
+                                        </p:attrNameLst>
+                                      </p:cBhvr>
+                                      <p:to>
+                                        <p:strVal val="visible"/>
+                                      </p:to>
+                                    </p:set>
+                                    <p:animEffect transition="in" filter="fade">
+                                      <p:cBhvr>
+                                        <p:cTn id="27" dur="500"/>
+                                        <p:tgtEl>
+                                          <p:spTgt spid="10">
+                                            <p:txEl>
+                                              <p:pRg st="10" end="10"/>
+                                            </p:txEl>
+                                          </p:spTgt>
+                                        </p:tgtEl>
+                                      </p:cBhvr>
+                                    </p:animEffect>
+                                  </p:childTnLst>
+                                </p:cTn>
+                              </p:par>
+                              <p:par>
+                                <p:cTn id="28" presetID="10" presetClass="entr" presetSubtype="0" fill="hold" nodeType="withEffect">
+                                  <p:stCondLst>
+                                    <p:cond delay="0"/>
+                                  </p:stCondLst>
+                                  <p:childTnLst>
+                                    <p:set>
+                                      <p:cBhvr>
+                                        <p:cTn id="29" dur="1" fill="hold">
+                                          <p:stCondLst>
+                                            <p:cond delay="0"/>
+                                          </p:stCondLst>
+                                        </p:cTn>
+                                        <p:tgtEl>
+                                          <p:spTgt spid="10">
+                                            <p:txEl>
+                                              <p:pRg st="11" end="11"/>
+                                            </p:txEl>
+                                          </p:spTgt>
+                                        </p:tgtEl>
+                                        <p:attrNameLst>
+                                          <p:attrName>style.visibility</p:attrName>
+                                        </p:attrNameLst>
+                                      </p:cBhvr>
+                                      <p:to>
+                                        <p:strVal val="visible"/>
+                                      </p:to>
+                                    </p:set>
+                                    <p:animEffect transition="in" filter="fade">
+                                      <p:cBhvr>
+                                        <p:cTn id="30" dur="500"/>
+                                        <p:tgtEl>
+                                          <p:spTgt spid="10">
+                                            <p:txEl>
+                                              <p:pRg st="11" end="11"/>
+                                            </p:txEl>
+                                          </p:spTgt>
+                                        </p:tgtEl>
+                                      </p:cBhvr>
+                                    </p:animEffect>
+                                  </p:childTnLst>
+                                </p:cTn>
+                              </p:par>
+                              <p:par>
+                                <p:cTn id="31" presetID="10" presetClass="entr" presetSubtype="0" fill="hold" nodeType="withEffect">
+                                  <p:stCondLst>
+                                    <p:cond delay="0"/>
+                                  </p:stCondLst>
+                                  <p:childTnLst>
+                                    <p:set>
+                                      <p:cBhvr>
+                                        <p:cTn id="32" dur="1" fill="hold">
+                                          <p:stCondLst>
+                                            <p:cond delay="0"/>
+                                          </p:stCondLst>
+                                        </p:cTn>
+                                        <p:tgtEl>
+                                          <p:spTgt spid="10">
+                                            <p:txEl>
+                                              <p:pRg st="12" end="12"/>
+                                            </p:txEl>
+                                          </p:spTgt>
+                                        </p:tgtEl>
+                                        <p:attrNameLst>
+                                          <p:attrName>style.visibility</p:attrName>
+                                        </p:attrNameLst>
+                                      </p:cBhvr>
+                                      <p:to>
+                                        <p:strVal val="visible"/>
+                                      </p:to>
+                                    </p:set>
+                                    <p:animEffect transition="in" filter="fade">
+                                      <p:cBhvr>
+                                        <p:cTn id="33" dur="500"/>
+                                        <p:tgtEl>
+                                          <p:spTgt spid="10">
+                                            <p:txEl>
+                                              <p:pRg st="12" end="12"/>
+                                            </p:txEl>
+                                          </p:spTgt>
+                                        </p:tgtEl>
+                                      </p:cBhvr>
+                                    </p:animEffect>
+                                  </p:childTnLst>
+                                </p:cTn>
+                              </p:par>
+                              <p:par>
+                                <p:cTn id="34" presetID="10" presetClass="entr" presetSubtype="0" fill="hold" nodeType="withEffect">
+                                  <p:stCondLst>
+                                    <p:cond delay="0"/>
+                                  </p:stCondLst>
+                                  <p:childTnLst>
+                                    <p:set>
+                                      <p:cBhvr>
+                                        <p:cTn id="35" dur="1" fill="hold">
+                                          <p:stCondLst>
+                                            <p:cond delay="0"/>
+                                          </p:stCondLst>
+                                        </p:cTn>
+                                        <p:tgtEl>
+                                          <p:spTgt spid="10">
+                                            <p:txEl>
+                                              <p:pRg st="13" end="13"/>
+                                            </p:txEl>
+                                          </p:spTgt>
+                                        </p:tgtEl>
+                                        <p:attrNameLst>
+                                          <p:attrName>style.visibility</p:attrName>
+                                        </p:attrNameLst>
+                                      </p:cBhvr>
+                                      <p:to>
+                                        <p:strVal val="visible"/>
+                                      </p:to>
+                                    </p:set>
+                                    <p:animEffect transition="in" filter="fade">
+                                      <p:cBhvr>
+                                        <p:cTn id="36" dur="500"/>
+                                        <p:tgtEl>
+                                          <p:spTgt spid="10">
+                                            <p:txEl>
+                                              <p:pRg st="13" end="13"/>
+                                            </p:txEl>
+                                          </p:spTgt>
+                                        </p:tgtEl>
+                                      </p:cBhvr>
+                                    </p:animEffect>
+                                  </p:childTnLst>
+                                </p:cTn>
+                              </p:par>
+                              <p:par>
+                                <p:cTn id="37" presetID="10" presetClass="entr" presetSubtype="0" fill="hold" nodeType="withEffect">
+                                  <p:stCondLst>
+                                    <p:cond delay="0"/>
+                                  </p:stCondLst>
+                                  <p:childTnLst>
+                                    <p:set>
+                                      <p:cBhvr>
+                                        <p:cTn id="38" dur="1" fill="hold">
+                                          <p:stCondLst>
+                                            <p:cond delay="0"/>
+                                          </p:stCondLst>
+                                        </p:cTn>
+                                        <p:tgtEl>
+                                          <p:spTgt spid="10">
+                                            <p:txEl>
+                                              <p:pRg st="14" end="14"/>
+                                            </p:txEl>
+                                          </p:spTgt>
+                                        </p:tgtEl>
+                                        <p:attrNameLst>
+                                          <p:attrName>style.visibility</p:attrName>
+                                        </p:attrNameLst>
+                                      </p:cBhvr>
+                                      <p:to>
+                                        <p:strVal val="visible"/>
+                                      </p:to>
+                                    </p:set>
+                                    <p:animEffect transition="in" filter="fade">
+                                      <p:cBhvr>
+                                        <p:cTn id="39" dur="500"/>
+                                        <p:tgtEl>
+                                          <p:spTgt spid="10">
+                                            <p:txEl>
+                                              <p:pRg st="14" end="14"/>
+                                            </p:txEl>
+                                          </p:spTgt>
+                                        </p:tgtEl>
+                                      </p:cBhvr>
+                                    </p:animEffect>
+                                  </p:childTnLst>
+                                </p:cTn>
+                              </p:par>
+                            </p:childTnLst>
+                          </p:cTn>
+                        </p:par>
+                      </p:childTnLst>
+                    </p:cTn>
+                  </p:par>
+                  <p:par>
+                    <p:cTn id="40" fill="hold">
+                      <p:stCondLst>
+                        <p:cond delay="indefinite"/>
+                      </p:stCondLst>
+                      <p:childTnLst>
+                        <p:par>
+                          <p:cTn id="41" fill="hold">
+                            <p:stCondLst>
+                              <p:cond delay="0"/>
+                            </p:stCondLst>
+                            <p:childTnLst>
+                              <p:par>
+                                <p:cTn id="42" presetID="10" presetClass="entr" presetSubtype="0" fill="hold" nodeType="clickEffect">
+                                  <p:stCondLst>
+                                    <p:cond delay="0"/>
+                                  </p:stCondLst>
+                                  <p:childTnLst>
+                                    <p:set>
+                                      <p:cBhvr>
+                                        <p:cTn id="43" dur="1" fill="hold">
+                                          <p:stCondLst>
+                                            <p:cond delay="0"/>
+                                          </p:stCondLst>
+                                        </p:cTn>
+                                        <p:tgtEl>
+                                          <p:spTgt spid="10">
+                                            <p:txEl>
+                                              <p:pRg st="15" end="15"/>
+                                            </p:txEl>
+                                          </p:spTgt>
+                                        </p:tgtEl>
+                                        <p:attrNameLst>
+                                          <p:attrName>style.visibility</p:attrName>
+                                        </p:attrNameLst>
+                                      </p:cBhvr>
+                                      <p:to>
+                                        <p:strVal val="visible"/>
+                                      </p:to>
+                                    </p:set>
+                                    <p:animEffect transition="in" filter="fade">
+                                      <p:cBhvr>
+                                        <p:cTn id="44" dur="500"/>
+                                        <p:tgtEl>
+                                          <p:spTgt spid="10">
+                                            <p:txEl>
+                                              <p:pRg st="15" end="15"/>
+                                            </p:txEl>
+                                          </p:spTgt>
+                                        </p:tgtEl>
+                                      </p:cBhvr>
+                                    </p:animEffect>
+                                  </p:childTnLst>
+                                </p:cTn>
+                              </p:par>
+                              <p:par>
+                                <p:cTn id="45" presetID="10" presetClass="entr" presetSubtype="0" fill="hold" nodeType="withEffect">
+                                  <p:stCondLst>
+                                    <p:cond delay="0"/>
+                                  </p:stCondLst>
+                                  <p:childTnLst>
+                                    <p:set>
+                                      <p:cBhvr>
+                                        <p:cTn id="46" dur="1" fill="hold">
+                                          <p:stCondLst>
+                                            <p:cond delay="0"/>
+                                          </p:stCondLst>
+                                        </p:cTn>
+                                        <p:tgtEl>
+                                          <p:spTgt spid="10">
+                                            <p:txEl>
+                                              <p:pRg st="16" end="16"/>
+                                            </p:txEl>
+                                          </p:spTgt>
+                                        </p:tgtEl>
+                                        <p:attrNameLst>
+                                          <p:attrName>style.visibility</p:attrName>
+                                        </p:attrNameLst>
+                                      </p:cBhvr>
+                                      <p:to>
+                                        <p:strVal val="visible"/>
+                                      </p:to>
+                                    </p:set>
+                                    <p:animEffect transition="in" filter="fade">
+                                      <p:cBhvr>
+                                        <p:cTn id="47" dur="500"/>
+                                        <p:tgtEl>
+                                          <p:spTgt spid="10">
+                                            <p:txEl>
+                                              <p:pRg st="16" end="16"/>
+                                            </p:txEl>
+                                          </p:spTgt>
+                                        </p:tgtEl>
+                                      </p:cBhvr>
+                                    </p:animEffect>
+                                  </p:childTnLst>
+                                </p:cTn>
+                              </p:par>
+                              <p:par>
+                                <p:cTn id="48" presetID="10" presetClass="entr" presetSubtype="0" fill="hold" nodeType="withEffect">
+                                  <p:stCondLst>
+                                    <p:cond delay="0"/>
+                                  </p:stCondLst>
+                                  <p:childTnLst>
+                                    <p:set>
+                                      <p:cBhvr>
+                                        <p:cTn id="49" dur="1" fill="hold">
+                                          <p:stCondLst>
+                                            <p:cond delay="0"/>
+                                          </p:stCondLst>
+                                        </p:cTn>
+                                        <p:tgtEl>
+                                          <p:spTgt spid="10">
+                                            <p:txEl>
+                                              <p:pRg st="17" end="17"/>
+                                            </p:txEl>
+                                          </p:spTgt>
+                                        </p:tgtEl>
+                                        <p:attrNameLst>
+                                          <p:attrName>style.visibility</p:attrName>
+                                        </p:attrNameLst>
+                                      </p:cBhvr>
+                                      <p:to>
+                                        <p:strVal val="visible"/>
+                                      </p:to>
+                                    </p:set>
+                                    <p:animEffect transition="in" filter="fade">
+                                      <p:cBhvr>
+                                        <p:cTn id="50" dur="500"/>
+                                        <p:tgtEl>
+                                          <p:spTgt spid="10">
+                                            <p:txEl>
+                                              <p:pRg st="17" end="17"/>
+                                            </p:txEl>
+                                          </p:spTgt>
+                                        </p:tgtEl>
+                                      </p:cBhvr>
+                                    </p:animEffect>
+                                  </p:childTnLst>
+                                </p:cTn>
+                              </p:par>
+                            </p:childTnLst>
+                          </p:cTn>
+                        </p:par>
+                      </p:childTnLst>
+                    </p:cTn>
+                  </p:par>
+                  <p:par>
+                    <p:cTn id="51" fill="hold">
+                      <p:stCondLst>
+                        <p:cond delay="indefinite"/>
+                      </p:stCondLst>
+                      <p:childTnLst>
+                        <p:par>
+                          <p:cTn id="52" fill="hold">
+                            <p:stCondLst>
+                              <p:cond delay="0"/>
+                            </p:stCondLst>
+                            <p:childTnLst>
+                              <p:par>
+                                <p:cTn id="53" presetID="10" presetClass="entr" presetSubtype="0" fill="hold" nodeType="clickEffect">
+                                  <p:stCondLst>
+                                    <p:cond delay="0"/>
+                                  </p:stCondLst>
+                                  <p:childTnLst>
+                                    <p:set>
+                                      <p:cBhvr>
+                                        <p:cTn id="54" dur="1" fill="hold">
+                                          <p:stCondLst>
+                                            <p:cond delay="0"/>
+                                          </p:stCondLst>
+                                        </p:cTn>
+                                        <p:tgtEl>
+                                          <p:spTgt spid="10">
+                                            <p:txEl>
+                                              <p:pRg st="18" end="18"/>
+                                            </p:txEl>
+                                          </p:spTgt>
+                                        </p:tgtEl>
+                                        <p:attrNameLst>
+                                          <p:attrName>style.visibility</p:attrName>
+                                        </p:attrNameLst>
+                                      </p:cBhvr>
+                                      <p:to>
+                                        <p:strVal val="visible"/>
+                                      </p:to>
+                                    </p:set>
+                                    <p:animEffect transition="in" filter="fade">
+                                      <p:cBhvr>
+                                        <p:cTn id="55" dur="500"/>
+                                        <p:tgtEl>
+                                          <p:spTgt spid="10">
+                                            <p:txEl>
+                                              <p:pRg st="18" end="18"/>
+                                            </p:txEl>
+                                          </p:spTgt>
+                                        </p:tgtEl>
+                                      </p:cBhvr>
+                                    </p:animEffect>
+                                  </p:childTnLst>
+                                </p:cTn>
+                              </p:par>
+                              <p:par>
+                                <p:cTn id="56" presetID="10" presetClass="entr" presetSubtype="0" fill="hold" nodeType="withEffect">
+                                  <p:stCondLst>
+                                    <p:cond delay="0"/>
+                                  </p:stCondLst>
+                                  <p:childTnLst>
+                                    <p:set>
+                                      <p:cBhvr>
+                                        <p:cTn id="57" dur="1" fill="hold">
+                                          <p:stCondLst>
+                                            <p:cond delay="0"/>
+                                          </p:stCondLst>
+                                        </p:cTn>
+                                        <p:tgtEl>
+                                          <p:spTgt spid="10">
+                                            <p:txEl>
+                                              <p:pRg st="19" end="19"/>
+                                            </p:txEl>
+                                          </p:spTgt>
+                                        </p:tgtEl>
+                                        <p:attrNameLst>
+                                          <p:attrName>style.visibility</p:attrName>
+                                        </p:attrNameLst>
+                                      </p:cBhvr>
+                                      <p:to>
+                                        <p:strVal val="visible"/>
+                                      </p:to>
+                                    </p:set>
+                                    <p:animEffect transition="in" filter="fade">
+                                      <p:cBhvr>
+                                        <p:cTn id="58" dur="500"/>
+                                        <p:tgtEl>
+                                          <p:spTgt spid="10">
+                                            <p:txEl>
+                                              <p:pRg st="19" end="19"/>
+                                            </p:txEl>
+                                          </p:spTgt>
+                                        </p:tgtEl>
+                                      </p:cBhvr>
+                                    </p:animEffect>
+                                  </p:childTnLst>
+                                </p:cTn>
+                              </p:par>
+                              <p:par>
+                                <p:cTn id="59" presetID="10" presetClass="entr" presetSubtype="0" fill="hold" nodeType="withEffect">
+                                  <p:stCondLst>
+                                    <p:cond delay="0"/>
+                                  </p:stCondLst>
+                                  <p:childTnLst>
+                                    <p:set>
+                                      <p:cBhvr>
+                                        <p:cTn id="60" dur="1" fill="hold">
+                                          <p:stCondLst>
+                                            <p:cond delay="0"/>
+                                          </p:stCondLst>
+                                        </p:cTn>
+                                        <p:tgtEl>
+                                          <p:spTgt spid="10">
+                                            <p:txEl>
+                                              <p:pRg st="20" end="20"/>
+                                            </p:txEl>
+                                          </p:spTgt>
+                                        </p:tgtEl>
+                                        <p:attrNameLst>
+                                          <p:attrName>style.visibility</p:attrName>
+                                        </p:attrNameLst>
+                                      </p:cBhvr>
+                                      <p:to>
+                                        <p:strVal val="visible"/>
+                                      </p:to>
+                                    </p:set>
+                                    <p:animEffect transition="in" filter="fade">
+                                      <p:cBhvr>
+                                        <p:cTn id="61" dur="500"/>
+                                        <p:tgtEl>
+                                          <p:spTgt spid="10">
+                                            <p:txEl>
+                                              <p:pRg st="20" end="20"/>
+                                            </p:txEl>
+                                          </p:spTgt>
+                                        </p:tgtEl>
+                                      </p:cBhvr>
+                                    </p:animEffect>
+                                  </p:childTnLst>
+                                </p:cTn>
+                              </p:par>
+                            </p:childTnLst>
+                          </p:cTn>
+                        </p:par>
+                      </p:childTnLst>
+                    </p:cTn>
+                  </p:par>
+                </p:childTnLst>
+              </p:cTn>
+              <p:prevCondLst>
+                <p:cond evt="onPrev" delay="0">
+                  <p:tgtEl>
+                    <p:sldTgt/>
+                  </p:tgtEl>
+                </p:cond>
+              </p:prevCondLst>
+              <p:nextCondLst>
+                <p:cond evt="onNext" delay="0">
+                  <p:tgtEl>
+                    <p:sldTgt/>
+                  </p:tgtEl>
+                </p:cond>
+              </p:nextCondLst>
+            </p:seq>
+          </p:childTnLst>
+        </p:cTn>
       </p:par>
     </p:tnLst>
   </p:timing>
@@ -4428,7 +6121,7 @@
       </p:grpSpPr>
       <p:sp>
         <p:nvSpPr>
-          <p:cNvPr id="2" name="Заголовок 1"/>
+          <p:cNvPr id="2" name="Title 1"/>
           <p:cNvSpPr>
             <a:spLocks noGrp="1"/>
           </p:cNvSpPr>
@@ -4442,12 +6135,8 @@
           <a:lstStyle/>
           <a:p>
             <a:r>
-              <a:rPr lang="ru-RU" dirty="0"/>
-              <a:t>Тестовые дублеры (</a:t>
-            </a:r>
-            <a:r>
-              <a:rPr lang="en-US" dirty="0"/>
-              <a:t>Test Double)</a:t>
+              <a:rPr lang="en-US" dirty="0" smtClean="0"/>
+              <a:t>View</a:t>
             </a:r>
             <a:endParaRPr lang="ru-RU" dirty="0"/>
           </a:p>
@@ -4455,106 +6144,885 @@
       </p:sp>
       <p:sp>
         <p:nvSpPr>
-          <p:cNvPr id="3" name="Объект 2"/>
-          <p:cNvSpPr>
-            <a:spLocks noGrp="1"/>
-          </p:cNvSpPr>
-          <p:nvPr>
-            <p:ph idx="1"/>
-          </p:nvPr>
-        </p:nvSpPr>
-        <p:spPr/>
-        <p:txBody>
-          <a:bodyPr>
-            <a:normAutofit fontScale="77500" lnSpcReduction="20000"/>
+          <p:cNvPr id="3" name="Rectangle 2"/>
+          <p:cNvSpPr/>
+          <p:nvPr/>
+        </p:nvSpPr>
+        <p:spPr>
+          <a:xfrm>
+            <a:off x="107504" y="1411421"/>
+            <a:ext cx="8712968" cy="5509200"/>
+          </a:xfrm>
+          <a:prstGeom prst="rect">
+            <a:avLst/>
+          </a:prstGeom>
+        </p:spPr>
+        <p:txBody>
+          <a:bodyPr wrap="square">
+            <a:spAutoFit/>
           </a:bodyPr>
           <a:lstStyle/>
           <a:p>
             <a:r>
-              <a:rPr lang="en-US" dirty="0"/>
-              <a:t>Test stub (</a:t>
-            </a:r>
-            <a:r>
-              <a:rPr lang="ru-RU" dirty="0"/>
-              <a:t>заглушка)</a:t>
-            </a:r>
-            <a:endParaRPr lang="en-US" dirty="0"/>
-          </a:p>
-          <a:p>
-            <a:pPr lvl="1"/>
-            <a:r>
-              <a:rPr lang="ru-RU" dirty="0"/>
-              <a:t>Предоставляет фиксированный набор результатов вызова</a:t>
-            </a:r>
-          </a:p>
-          <a:p>
-            <a:pPr lvl="1"/>
-            <a:r>
-              <a:rPr lang="ru-RU" dirty="0"/>
-              <a:t>Может протоколировать информацию о вызовах методов</a:t>
-            </a:r>
-          </a:p>
-          <a:p>
-            <a:r>
-              <a:rPr lang="en-US" dirty="0"/>
-              <a:t>Mock object </a:t>
-            </a:r>
-            <a:r>
-              <a:rPr lang="ru-RU" dirty="0"/>
-              <a:t>(фиктивный объект)</a:t>
-            </a:r>
-          </a:p>
-          <a:p>
-            <a:r>
-              <a:rPr lang="en-US" dirty="0"/>
-              <a:t>Test spy</a:t>
-            </a:r>
-            <a:endParaRPr lang="ru-RU" dirty="0"/>
-          </a:p>
-          <a:p>
-            <a:r>
-              <a:rPr lang="en-US" dirty="0"/>
-              <a:t>Fake Object</a:t>
-            </a:r>
-          </a:p>
-          <a:p>
-            <a:pPr lvl="1"/>
-            <a:r>
-              <a:rPr lang="ru-RU" dirty="0"/>
-              <a:t>Имеет рабочую реализацию, но</a:t>
-            </a:r>
-            <a:r>
-              <a:rPr lang="en-US" dirty="0"/>
+              <a:rPr lang="ru-RU" sz="1600" dirty="0" err="1">
+                <a:latin typeface="Consolas" panose="020B0609020204030204" pitchFamily="49" charset="0"/>
+              </a:rPr>
+              <a:t>class</a:t>
+            </a:r>
+            <a:r>
+              <a:rPr lang="ru-RU" sz="1600" dirty="0">
+                <a:latin typeface="Consolas" panose="020B0609020204030204" pitchFamily="49" charset="0"/>
+              </a:rPr>
               <a:t> </a:t>
             </a:r>
             <a:r>
-              <a:rPr lang="ru-RU" dirty="0"/>
-              <a:t>«срезает углы», что делает малопригодным в</a:t>
-            </a:r>
-            <a:r>
-              <a:rPr lang="en-US" dirty="0"/>
-              <a:t> production</a:t>
-            </a:r>
-          </a:p>
-          <a:p>
-            <a:pPr lvl="2"/>
-            <a:r>
-              <a:rPr lang="ru-RU" dirty="0"/>
-              <a:t>БД, находящаяся в памяти</a:t>
-            </a:r>
-            <a:endParaRPr lang="en-US" dirty="0"/>
-          </a:p>
-          <a:p>
-            <a:r>
-              <a:rPr lang="en-US" dirty="0"/>
-              <a:t>Dummy object</a:t>
-            </a:r>
-          </a:p>
-          <a:p>
-            <a:pPr lvl="1"/>
-            <a:r>
-              <a:rPr lang="ru-RU" dirty="0"/>
-              <a:t>Передается в метод/функцию, но никогда не используется. Как правило, используется как заполнитель параметров</a:t>
+              <a:rPr lang="ru-RU" sz="1600" dirty="0" err="1">
+                <a:latin typeface="Consolas" panose="020B0609020204030204" pitchFamily="49" charset="0"/>
+              </a:rPr>
+              <a:t>CounterView</a:t>
+            </a:r>
+            <a:r>
+              <a:rPr lang="ru-RU" sz="1600" dirty="0">
+                <a:latin typeface="Consolas" panose="020B0609020204030204" pitchFamily="49" charset="0"/>
+              </a:rPr>
+              <a:t>(</a:t>
+            </a:r>
+            <a:r>
+              <a:rPr lang="ru-RU" sz="1600" dirty="0" err="1">
+                <a:latin typeface="Consolas" panose="020B0609020204030204" pitchFamily="49" charset="0"/>
+              </a:rPr>
+              <a:t>QtGui.QPushButton</a:t>
+            </a:r>
+            <a:r>
+              <a:rPr lang="ru-RU" sz="1600" dirty="0">
+                <a:latin typeface="Consolas" panose="020B0609020204030204" pitchFamily="49" charset="0"/>
+              </a:rPr>
+              <a:t>):</a:t>
+            </a:r>
+          </a:p>
+          <a:p>
+            <a:r>
+              <a:rPr lang="ru-RU" sz="1600" dirty="0">
+                <a:latin typeface="Consolas" panose="020B0609020204030204" pitchFamily="49" charset="0"/>
+              </a:rPr>
+              <a:t>    </a:t>
+            </a:r>
+            <a:r>
+              <a:rPr lang="ru-RU" sz="1600" dirty="0" err="1">
+                <a:latin typeface="Consolas" panose="020B0609020204030204" pitchFamily="49" charset="0"/>
+              </a:rPr>
+              <a:t>def</a:t>
+            </a:r>
+            <a:r>
+              <a:rPr lang="ru-RU" sz="1600" dirty="0">
+                <a:latin typeface="Consolas" panose="020B0609020204030204" pitchFamily="49" charset="0"/>
+              </a:rPr>
+              <a:t> __</a:t>
+            </a:r>
+            <a:r>
+              <a:rPr lang="ru-RU" sz="1600" dirty="0" err="1">
+                <a:latin typeface="Consolas" panose="020B0609020204030204" pitchFamily="49" charset="0"/>
+              </a:rPr>
+              <a:t>init</a:t>
+            </a:r>
+            <a:r>
+              <a:rPr lang="ru-RU" sz="1600" dirty="0">
+                <a:latin typeface="Consolas" panose="020B0609020204030204" pitchFamily="49" charset="0"/>
+              </a:rPr>
+              <a:t>__(</a:t>
+            </a:r>
+            <a:r>
+              <a:rPr lang="ru-RU" sz="1600" dirty="0" err="1">
+                <a:latin typeface="Consolas" panose="020B0609020204030204" pitchFamily="49" charset="0"/>
+              </a:rPr>
+              <a:t>self</a:t>
+            </a:r>
+            <a:r>
+              <a:rPr lang="ru-RU" sz="1600" dirty="0">
+                <a:latin typeface="Consolas" panose="020B0609020204030204" pitchFamily="49" charset="0"/>
+              </a:rPr>
+              <a:t>, </a:t>
+            </a:r>
+            <a:r>
+              <a:rPr lang="ru-RU" sz="1600" dirty="0" err="1">
+                <a:latin typeface="Consolas" panose="020B0609020204030204" pitchFamily="49" charset="0"/>
+              </a:rPr>
+              <a:t>document</a:t>
+            </a:r>
+            <a:r>
+              <a:rPr lang="ru-RU" sz="1600" dirty="0">
+                <a:latin typeface="Consolas" panose="020B0609020204030204" pitchFamily="49" charset="0"/>
+              </a:rPr>
+              <a:t>):</a:t>
+            </a:r>
+          </a:p>
+          <a:p>
+            <a:r>
+              <a:rPr lang="ru-RU" sz="1600" dirty="0">
+                <a:latin typeface="Consolas" panose="020B0609020204030204" pitchFamily="49" charset="0"/>
+              </a:rPr>
+              <a:t>        </a:t>
+            </a:r>
+            <a:r>
+              <a:rPr lang="ru-RU" sz="1600" dirty="0" err="1">
+                <a:latin typeface="Consolas" panose="020B0609020204030204" pitchFamily="49" charset="0"/>
+              </a:rPr>
+              <a:t>super</a:t>
+            </a:r>
+            <a:r>
+              <a:rPr lang="ru-RU" sz="1600" dirty="0">
+                <a:latin typeface="Consolas" panose="020B0609020204030204" pitchFamily="49" charset="0"/>
+              </a:rPr>
+              <a:t>(</a:t>
+            </a:r>
+            <a:r>
+              <a:rPr lang="ru-RU" sz="1600" dirty="0" err="1">
+                <a:latin typeface="Consolas" panose="020B0609020204030204" pitchFamily="49" charset="0"/>
+              </a:rPr>
+              <a:t>CounterView</a:t>
+            </a:r>
+            <a:r>
+              <a:rPr lang="ru-RU" sz="1600" dirty="0">
+                <a:latin typeface="Consolas" panose="020B0609020204030204" pitchFamily="49" charset="0"/>
+              </a:rPr>
+              <a:t>, </a:t>
+            </a:r>
+            <a:r>
+              <a:rPr lang="ru-RU" sz="1600" dirty="0" err="1">
+                <a:latin typeface="Consolas" panose="020B0609020204030204" pitchFamily="49" charset="0"/>
+              </a:rPr>
+              <a:t>self</a:t>
+            </a:r>
+            <a:r>
+              <a:rPr lang="ru-RU" sz="1600" dirty="0">
+                <a:latin typeface="Consolas" panose="020B0609020204030204" pitchFamily="49" charset="0"/>
+              </a:rPr>
+              <a:t>).__</a:t>
+            </a:r>
+            <a:r>
+              <a:rPr lang="ru-RU" sz="1600" dirty="0" err="1">
+                <a:latin typeface="Consolas" panose="020B0609020204030204" pitchFamily="49" charset="0"/>
+              </a:rPr>
+              <a:t>init</a:t>
+            </a:r>
+            <a:r>
+              <a:rPr lang="ru-RU" sz="1600" dirty="0">
+                <a:latin typeface="Consolas" panose="020B0609020204030204" pitchFamily="49" charset="0"/>
+              </a:rPr>
+              <a:t>__()</a:t>
+            </a:r>
+          </a:p>
+          <a:p>
+            <a:r>
+              <a:rPr lang="ru-RU" sz="1600" dirty="0">
+                <a:latin typeface="Consolas" panose="020B0609020204030204" pitchFamily="49" charset="0"/>
+              </a:rPr>
+              <a:t>        </a:t>
+            </a:r>
+            <a:r>
+              <a:rPr lang="ru-RU" sz="1600" dirty="0" err="1">
+                <a:latin typeface="Consolas" panose="020B0609020204030204" pitchFamily="49" charset="0"/>
+              </a:rPr>
+              <a:t>self</a:t>
+            </a:r>
+            <a:r>
+              <a:rPr lang="ru-RU" sz="1600" dirty="0">
+                <a:latin typeface="Consolas" panose="020B0609020204030204" pitchFamily="49" charset="0"/>
+              </a:rPr>
+              <a:t>._</a:t>
+            </a:r>
+            <a:r>
+              <a:rPr lang="ru-RU" sz="1600" dirty="0" err="1">
+                <a:latin typeface="Consolas" panose="020B0609020204030204" pitchFamily="49" charset="0"/>
+              </a:rPr>
+              <a:t>document</a:t>
+            </a:r>
+            <a:r>
+              <a:rPr lang="ru-RU" sz="1600" dirty="0">
+                <a:latin typeface="Consolas" panose="020B0609020204030204" pitchFamily="49" charset="0"/>
+              </a:rPr>
+              <a:t> = </a:t>
+            </a:r>
+            <a:r>
+              <a:rPr lang="ru-RU" sz="1600" dirty="0" err="1">
+                <a:latin typeface="Consolas" panose="020B0609020204030204" pitchFamily="49" charset="0"/>
+              </a:rPr>
+              <a:t>document</a:t>
+            </a:r>
+            <a:endParaRPr lang="ru-RU" sz="1600" dirty="0">
+              <a:latin typeface="Consolas" panose="020B0609020204030204" pitchFamily="49" charset="0"/>
+            </a:endParaRPr>
+          </a:p>
+          <a:p>
+            <a:r>
+              <a:rPr lang="ru-RU" sz="1600" dirty="0">
+                <a:latin typeface="Consolas" panose="020B0609020204030204" pitchFamily="49" charset="0"/>
+              </a:rPr>
+              <a:t>        </a:t>
+            </a:r>
+            <a:r>
+              <a:rPr lang="ru-RU" sz="1600" dirty="0" err="1">
+                <a:latin typeface="Consolas" panose="020B0609020204030204" pitchFamily="49" charset="0"/>
+              </a:rPr>
+              <a:t>self</a:t>
+            </a:r>
+            <a:r>
+              <a:rPr lang="ru-RU" sz="1600" dirty="0">
+                <a:latin typeface="Consolas" panose="020B0609020204030204" pitchFamily="49" charset="0"/>
+              </a:rPr>
+              <a:t>._</a:t>
+            </a:r>
+            <a:r>
+              <a:rPr lang="ru-RU" sz="1600" dirty="0" err="1">
+                <a:latin typeface="Consolas" panose="020B0609020204030204" pitchFamily="49" charset="0"/>
+              </a:rPr>
+              <a:t>document.register</a:t>
+            </a:r>
+            <a:r>
+              <a:rPr lang="ru-RU" sz="1600" dirty="0">
+                <a:latin typeface="Consolas" panose="020B0609020204030204" pitchFamily="49" charset="0"/>
+              </a:rPr>
+              <a:t>(</a:t>
+            </a:r>
+            <a:r>
+              <a:rPr lang="ru-RU" sz="1600" dirty="0" err="1">
+                <a:latin typeface="Consolas" panose="020B0609020204030204" pitchFamily="49" charset="0"/>
+              </a:rPr>
+              <a:t>self</a:t>
+            </a:r>
+            <a:r>
+              <a:rPr lang="ru-RU" sz="1600" dirty="0">
+                <a:latin typeface="Consolas" panose="020B0609020204030204" pitchFamily="49" charset="0"/>
+              </a:rPr>
+              <a:t>)</a:t>
+            </a:r>
+          </a:p>
+          <a:p>
+            <a:r>
+              <a:rPr lang="ru-RU" sz="1600" dirty="0">
+                <a:latin typeface="Consolas" panose="020B0609020204030204" pitchFamily="49" charset="0"/>
+              </a:rPr>
+              <a:t>       </a:t>
+            </a:r>
+          </a:p>
+          <a:p>
+            <a:r>
+              <a:rPr lang="ru-RU" sz="1600" dirty="0">
+                <a:latin typeface="Consolas" panose="020B0609020204030204" pitchFamily="49" charset="0"/>
+              </a:rPr>
+              <a:t>    </a:t>
+            </a:r>
+            <a:r>
+              <a:rPr lang="ru-RU" sz="1600" dirty="0" err="1">
+                <a:latin typeface="Consolas" panose="020B0609020204030204" pitchFamily="49" charset="0"/>
+              </a:rPr>
+              <a:t>def</a:t>
+            </a:r>
+            <a:r>
+              <a:rPr lang="ru-RU" sz="1600" dirty="0">
+                <a:latin typeface="Consolas" panose="020B0609020204030204" pitchFamily="49" charset="0"/>
+              </a:rPr>
+              <a:t> </a:t>
+            </a:r>
+            <a:r>
+              <a:rPr lang="ru-RU" sz="1600" dirty="0" err="1">
+                <a:latin typeface="Consolas" panose="020B0609020204030204" pitchFamily="49" charset="0"/>
+              </a:rPr>
+              <a:t>notify</a:t>
+            </a:r>
+            <a:r>
+              <a:rPr lang="ru-RU" sz="1600" dirty="0">
+                <a:latin typeface="Consolas" panose="020B0609020204030204" pitchFamily="49" charset="0"/>
+              </a:rPr>
+              <a:t>(</a:t>
+            </a:r>
+            <a:r>
+              <a:rPr lang="ru-RU" sz="1600" dirty="0" err="1">
+                <a:latin typeface="Consolas" panose="020B0609020204030204" pitchFamily="49" charset="0"/>
+              </a:rPr>
+              <a:t>self</a:t>
+            </a:r>
+            <a:r>
+              <a:rPr lang="ru-RU" sz="1600" dirty="0">
+                <a:latin typeface="Consolas" panose="020B0609020204030204" pitchFamily="49" charset="0"/>
+              </a:rPr>
+              <a:t>):</a:t>
+            </a:r>
+          </a:p>
+          <a:p>
+            <a:r>
+              <a:rPr lang="ru-RU" sz="1600" dirty="0">
+                <a:latin typeface="Consolas" panose="020B0609020204030204" pitchFamily="49" charset="0"/>
+              </a:rPr>
+              <a:t>        </a:t>
+            </a:r>
+            <a:r>
+              <a:rPr lang="ru-RU" sz="1600" dirty="0" err="1">
+                <a:latin typeface="Consolas" panose="020B0609020204030204" pitchFamily="49" charset="0"/>
+              </a:rPr>
+              <a:t>self.setText</a:t>
+            </a:r>
+            <a:r>
+              <a:rPr lang="ru-RU" sz="1600" dirty="0">
+                <a:latin typeface="Consolas" panose="020B0609020204030204" pitchFamily="49" charset="0"/>
+              </a:rPr>
+              <a:t>(</a:t>
+            </a:r>
+            <a:r>
+              <a:rPr lang="ru-RU" sz="1600" dirty="0" err="1">
+                <a:latin typeface="Consolas" panose="020B0609020204030204" pitchFamily="49" charset="0"/>
+              </a:rPr>
+              <a:t>unicode</a:t>
+            </a:r>
+            <a:r>
+              <a:rPr lang="ru-RU" sz="1600" dirty="0">
+                <a:latin typeface="Consolas" panose="020B0609020204030204" pitchFamily="49" charset="0"/>
+              </a:rPr>
+              <a:t>(</a:t>
+            </a:r>
+            <a:r>
+              <a:rPr lang="ru-RU" sz="1600" dirty="0" err="1">
+                <a:latin typeface="Consolas" panose="020B0609020204030204" pitchFamily="49" charset="0"/>
+              </a:rPr>
+              <a:t>self</a:t>
+            </a:r>
+            <a:r>
+              <a:rPr lang="ru-RU" sz="1600" dirty="0">
+                <a:latin typeface="Consolas" panose="020B0609020204030204" pitchFamily="49" charset="0"/>
+              </a:rPr>
+              <a:t>._</a:t>
+            </a:r>
+            <a:r>
+              <a:rPr lang="ru-RU" sz="1600" dirty="0" err="1">
+                <a:latin typeface="Consolas" panose="020B0609020204030204" pitchFamily="49" charset="0"/>
+              </a:rPr>
+              <a:t>document.value</a:t>
+            </a:r>
+            <a:r>
+              <a:rPr lang="ru-RU" sz="1600" dirty="0">
+                <a:latin typeface="Consolas" panose="020B0609020204030204" pitchFamily="49" charset="0"/>
+              </a:rPr>
+              <a:t>()))</a:t>
+            </a:r>
+          </a:p>
+          <a:p>
+            <a:r>
+              <a:rPr lang="ru-RU" sz="1600" dirty="0">
+                <a:latin typeface="Consolas" panose="020B0609020204030204" pitchFamily="49" charset="0"/>
+              </a:rPr>
+              <a:t>       </a:t>
+            </a:r>
+          </a:p>
+          <a:p>
+            <a:r>
+              <a:rPr lang="ru-RU" sz="1600" dirty="0">
+                <a:latin typeface="Consolas" panose="020B0609020204030204" pitchFamily="49" charset="0"/>
+              </a:rPr>
+              <a:t>    </a:t>
+            </a:r>
+            <a:r>
+              <a:rPr lang="ru-RU" sz="1600" dirty="0" err="1">
+                <a:latin typeface="Consolas" panose="020B0609020204030204" pitchFamily="49" charset="0"/>
+              </a:rPr>
+              <a:t>def</a:t>
+            </a:r>
+            <a:r>
+              <a:rPr lang="ru-RU" sz="1600" dirty="0">
+                <a:latin typeface="Consolas" panose="020B0609020204030204" pitchFamily="49" charset="0"/>
+              </a:rPr>
+              <a:t> </a:t>
+            </a:r>
+            <a:r>
+              <a:rPr lang="ru-RU" sz="1600" dirty="0" err="1">
+                <a:latin typeface="Consolas" panose="020B0609020204030204" pitchFamily="49" charset="0"/>
+              </a:rPr>
+              <a:t>mouseReleaseEvent</a:t>
+            </a:r>
+            <a:r>
+              <a:rPr lang="ru-RU" sz="1600" dirty="0">
+                <a:latin typeface="Consolas" panose="020B0609020204030204" pitchFamily="49" charset="0"/>
+              </a:rPr>
+              <a:t>(</a:t>
+            </a:r>
+            <a:r>
+              <a:rPr lang="ru-RU" sz="1600" dirty="0" err="1">
+                <a:latin typeface="Consolas" panose="020B0609020204030204" pitchFamily="49" charset="0"/>
+              </a:rPr>
+              <a:t>self</a:t>
+            </a:r>
+            <a:r>
+              <a:rPr lang="ru-RU" sz="1600" dirty="0">
+                <a:latin typeface="Consolas" panose="020B0609020204030204" pitchFamily="49" charset="0"/>
+              </a:rPr>
+              <a:t>, </a:t>
+            </a:r>
+            <a:r>
+              <a:rPr lang="ru-RU" sz="1600" dirty="0" err="1">
+                <a:latin typeface="Consolas" panose="020B0609020204030204" pitchFamily="49" charset="0"/>
+              </a:rPr>
+              <a:t>event</a:t>
+            </a:r>
+            <a:r>
+              <a:rPr lang="ru-RU" sz="1600" dirty="0">
+                <a:latin typeface="Consolas" panose="020B0609020204030204" pitchFamily="49" charset="0"/>
+              </a:rPr>
+              <a:t>):</a:t>
+            </a:r>
+          </a:p>
+          <a:p>
+            <a:r>
+              <a:rPr lang="ru-RU" sz="1600" dirty="0">
+                <a:latin typeface="Consolas" panose="020B0609020204030204" pitchFamily="49" charset="0"/>
+              </a:rPr>
+              <a:t>         </a:t>
+            </a:r>
+            <a:r>
+              <a:rPr lang="ru-RU" sz="1600" dirty="0" err="1">
+                <a:latin typeface="Consolas" panose="020B0609020204030204" pitchFamily="49" charset="0"/>
+              </a:rPr>
+              <a:t>super</a:t>
+            </a:r>
+            <a:r>
+              <a:rPr lang="ru-RU" sz="1600" dirty="0">
+                <a:latin typeface="Consolas" panose="020B0609020204030204" pitchFamily="49" charset="0"/>
+              </a:rPr>
+              <a:t>(</a:t>
+            </a:r>
+            <a:r>
+              <a:rPr lang="ru-RU" sz="1600" dirty="0" err="1">
+                <a:latin typeface="Consolas" panose="020B0609020204030204" pitchFamily="49" charset="0"/>
+              </a:rPr>
+              <a:t>CounterView</a:t>
+            </a:r>
+            <a:r>
+              <a:rPr lang="ru-RU" sz="1600" dirty="0">
+                <a:latin typeface="Consolas" panose="020B0609020204030204" pitchFamily="49" charset="0"/>
+              </a:rPr>
+              <a:t>, </a:t>
+            </a:r>
+            <a:r>
+              <a:rPr lang="ru-RU" sz="1600" dirty="0" err="1">
+                <a:latin typeface="Consolas" panose="020B0609020204030204" pitchFamily="49" charset="0"/>
+              </a:rPr>
+              <a:t>self</a:t>
+            </a:r>
+            <a:r>
+              <a:rPr lang="ru-RU" sz="1600" dirty="0">
+                <a:latin typeface="Consolas" panose="020B0609020204030204" pitchFamily="49" charset="0"/>
+              </a:rPr>
+              <a:t>).</a:t>
+            </a:r>
+            <a:r>
+              <a:rPr lang="ru-RU" sz="1600" dirty="0" err="1">
+                <a:latin typeface="Consolas" panose="020B0609020204030204" pitchFamily="49" charset="0"/>
+              </a:rPr>
+              <a:t>mouseReleaseEvent</a:t>
+            </a:r>
+            <a:r>
+              <a:rPr lang="ru-RU" sz="1600" dirty="0">
+                <a:latin typeface="Consolas" panose="020B0609020204030204" pitchFamily="49" charset="0"/>
+              </a:rPr>
+              <a:t>(</a:t>
+            </a:r>
+            <a:r>
+              <a:rPr lang="ru-RU" sz="1600" dirty="0" err="1">
+                <a:latin typeface="Consolas" panose="020B0609020204030204" pitchFamily="49" charset="0"/>
+              </a:rPr>
+              <a:t>event</a:t>
+            </a:r>
+            <a:r>
+              <a:rPr lang="ru-RU" sz="1600" dirty="0">
+                <a:latin typeface="Consolas" panose="020B0609020204030204" pitchFamily="49" charset="0"/>
+              </a:rPr>
+              <a:t>)</a:t>
+            </a:r>
+          </a:p>
+          <a:p>
+            <a:r>
+              <a:rPr lang="ru-RU" sz="1600" dirty="0">
+                <a:latin typeface="Consolas" panose="020B0609020204030204" pitchFamily="49" charset="0"/>
+              </a:rPr>
+              <a:t>         </a:t>
+            </a:r>
+            <a:r>
+              <a:rPr lang="ru-RU" sz="1600" dirty="0" err="1">
+                <a:latin typeface="Consolas" panose="020B0609020204030204" pitchFamily="49" charset="0"/>
+              </a:rPr>
+              <a:t>self</a:t>
+            </a:r>
+            <a:r>
+              <a:rPr lang="ru-RU" sz="1600" dirty="0">
+                <a:latin typeface="Consolas" panose="020B0609020204030204" pitchFamily="49" charset="0"/>
+              </a:rPr>
+              <a:t>._</a:t>
+            </a:r>
+            <a:r>
+              <a:rPr lang="ru-RU" sz="1600" dirty="0" err="1">
+                <a:latin typeface="Consolas" panose="020B0609020204030204" pitchFamily="49" charset="0"/>
+              </a:rPr>
+              <a:t>document.incrementValue</a:t>
+            </a:r>
+            <a:r>
+              <a:rPr lang="ru-RU" sz="1600" dirty="0">
+                <a:latin typeface="Consolas" panose="020B0609020204030204" pitchFamily="49" charset="0"/>
+              </a:rPr>
+              <a:t>()</a:t>
+            </a:r>
+          </a:p>
+          <a:p>
+            <a:r>
+              <a:rPr lang="ru-RU" sz="1600" dirty="0">
+                <a:latin typeface="Consolas" panose="020B0609020204030204" pitchFamily="49" charset="0"/>
+              </a:rPr>
+              <a:t>         </a:t>
+            </a:r>
+          </a:p>
+          <a:p>
+            <a:r>
+              <a:rPr lang="ru-RU" sz="1600" dirty="0" err="1">
+                <a:latin typeface="Consolas" panose="020B0609020204030204" pitchFamily="49" charset="0"/>
+              </a:rPr>
+              <a:t>class</a:t>
+            </a:r>
+            <a:r>
+              <a:rPr lang="ru-RU" sz="1600" dirty="0">
+                <a:latin typeface="Consolas" panose="020B0609020204030204" pitchFamily="49" charset="0"/>
+              </a:rPr>
+              <a:t> </a:t>
+            </a:r>
+            <a:r>
+              <a:rPr lang="ru-RU" sz="1600" dirty="0" err="1">
+                <a:latin typeface="Consolas" panose="020B0609020204030204" pitchFamily="49" charset="0"/>
+              </a:rPr>
+              <a:t>ProgressBarView</a:t>
+            </a:r>
+            <a:r>
+              <a:rPr lang="ru-RU" sz="1600" dirty="0">
+                <a:latin typeface="Consolas" panose="020B0609020204030204" pitchFamily="49" charset="0"/>
+              </a:rPr>
+              <a:t>(</a:t>
+            </a:r>
+            <a:r>
+              <a:rPr lang="ru-RU" sz="1600" dirty="0" err="1">
+                <a:latin typeface="Consolas" panose="020B0609020204030204" pitchFamily="49" charset="0"/>
+              </a:rPr>
+              <a:t>QtGui.QProgressBar</a:t>
+            </a:r>
+            <a:r>
+              <a:rPr lang="ru-RU" sz="1600" dirty="0">
+                <a:latin typeface="Consolas" panose="020B0609020204030204" pitchFamily="49" charset="0"/>
+              </a:rPr>
+              <a:t>):</a:t>
+            </a:r>
+          </a:p>
+          <a:p>
+            <a:r>
+              <a:rPr lang="ru-RU" sz="1600" dirty="0">
+                <a:latin typeface="Consolas" panose="020B0609020204030204" pitchFamily="49" charset="0"/>
+              </a:rPr>
+              <a:t>    </a:t>
+            </a:r>
+            <a:r>
+              <a:rPr lang="ru-RU" sz="1600" dirty="0" err="1">
+                <a:latin typeface="Consolas" panose="020B0609020204030204" pitchFamily="49" charset="0"/>
+              </a:rPr>
+              <a:t>def</a:t>
+            </a:r>
+            <a:r>
+              <a:rPr lang="ru-RU" sz="1600" dirty="0">
+                <a:latin typeface="Consolas" panose="020B0609020204030204" pitchFamily="49" charset="0"/>
+              </a:rPr>
+              <a:t> __</a:t>
+            </a:r>
+            <a:r>
+              <a:rPr lang="ru-RU" sz="1600" dirty="0" err="1">
+                <a:latin typeface="Consolas" panose="020B0609020204030204" pitchFamily="49" charset="0"/>
+              </a:rPr>
+              <a:t>init</a:t>
+            </a:r>
+            <a:r>
+              <a:rPr lang="ru-RU" sz="1600" dirty="0">
+                <a:latin typeface="Consolas" panose="020B0609020204030204" pitchFamily="49" charset="0"/>
+              </a:rPr>
+              <a:t>__(</a:t>
+            </a:r>
+            <a:r>
+              <a:rPr lang="ru-RU" sz="1600" dirty="0" err="1">
+                <a:latin typeface="Consolas" panose="020B0609020204030204" pitchFamily="49" charset="0"/>
+              </a:rPr>
+              <a:t>self</a:t>
+            </a:r>
+            <a:r>
+              <a:rPr lang="ru-RU" sz="1600" dirty="0">
+                <a:latin typeface="Consolas" panose="020B0609020204030204" pitchFamily="49" charset="0"/>
+              </a:rPr>
+              <a:t>, </a:t>
+            </a:r>
+            <a:r>
+              <a:rPr lang="ru-RU" sz="1600" dirty="0" err="1">
+                <a:latin typeface="Consolas" panose="020B0609020204030204" pitchFamily="49" charset="0"/>
+              </a:rPr>
+              <a:t>document</a:t>
+            </a:r>
+            <a:r>
+              <a:rPr lang="ru-RU" sz="1600" dirty="0">
+                <a:latin typeface="Consolas" panose="020B0609020204030204" pitchFamily="49" charset="0"/>
+              </a:rPr>
+              <a:t>):</a:t>
+            </a:r>
+          </a:p>
+          <a:p>
+            <a:r>
+              <a:rPr lang="ru-RU" sz="1600" dirty="0">
+                <a:latin typeface="Consolas" panose="020B0609020204030204" pitchFamily="49" charset="0"/>
+              </a:rPr>
+              <a:t>        </a:t>
+            </a:r>
+            <a:r>
+              <a:rPr lang="ru-RU" sz="1600" dirty="0" err="1">
+                <a:latin typeface="Consolas" panose="020B0609020204030204" pitchFamily="49" charset="0"/>
+              </a:rPr>
+              <a:t>super</a:t>
+            </a:r>
+            <a:r>
+              <a:rPr lang="ru-RU" sz="1600" dirty="0">
+                <a:latin typeface="Consolas" panose="020B0609020204030204" pitchFamily="49" charset="0"/>
+              </a:rPr>
+              <a:t>(</a:t>
+            </a:r>
+            <a:r>
+              <a:rPr lang="ru-RU" sz="1600" dirty="0" err="1">
+                <a:latin typeface="Consolas" panose="020B0609020204030204" pitchFamily="49" charset="0"/>
+              </a:rPr>
+              <a:t>ProgressBarView</a:t>
+            </a:r>
+            <a:r>
+              <a:rPr lang="ru-RU" sz="1600" dirty="0">
+                <a:latin typeface="Consolas" panose="020B0609020204030204" pitchFamily="49" charset="0"/>
+              </a:rPr>
+              <a:t>, </a:t>
+            </a:r>
+            <a:r>
+              <a:rPr lang="ru-RU" sz="1600" dirty="0" err="1">
+                <a:latin typeface="Consolas" panose="020B0609020204030204" pitchFamily="49" charset="0"/>
+              </a:rPr>
+              <a:t>self</a:t>
+            </a:r>
+            <a:r>
+              <a:rPr lang="ru-RU" sz="1600" dirty="0">
+                <a:latin typeface="Consolas" panose="020B0609020204030204" pitchFamily="49" charset="0"/>
+              </a:rPr>
+              <a:t>).__</a:t>
+            </a:r>
+            <a:r>
+              <a:rPr lang="ru-RU" sz="1600" dirty="0" err="1">
+                <a:latin typeface="Consolas" panose="020B0609020204030204" pitchFamily="49" charset="0"/>
+              </a:rPr>
+              <a:t>init</a:t>
+            </a:r>
+            <a:r>
+              <a:rPr lang="ru-RU" sz="1600" dirty="0">
+                <a:latin typeface="Consolas" panose="020B0609020204030204" pitchFamily="49" charset="0"/>
+              </a:rPr>
+              <a:t>__()</a:t>
+            </a:r>
+          </a:p>
+          <a:p>
+            <a:r>
+              <a:rPr lang="ru-RU" sz="1600" dirty="0">
+                <a:latin typeface="Consolas" panose="020B0609020204030204" pitchFamily="49" charset="0"/>
+              </a:rPr>
+              <a:t>        </a:t>
+            </a:r>
+            <a:r>
+              <a:rPr lang="ru-RU" sz="1600" dirty="0" err="1">
+                <a:latin typeface="Consolas" panose="020B0609020204030204" pitchFamily="49" charset="0"/>
+              </a:rPr>
+              <a:t>self</a:t>
+            </a:r>
+            <a:r>
+              <a:rPr lang="ru-RU" sz="1600" dirty="0">
+                <a:latin typeface="Consolas" panose="020B0609020204030204" pitchFamily="49" charset="0"/>
+              </a:rPr>
+              <a:t>._</a:t>
+            </a:r>
+            <a:r>
+              <a:rPr lang="ru-RU" sz="1600" dirty="0" err="1">
+                <a:latin typeface="Consolas" panose="020B0609020204030204" pitchFamily="49" charset="0"/>
+              </a:rPr>
+              <a:t>document</a:t>
+            </a:r>
+            <a:r>
+              <a:rPr lang="ru-RU" sz="1600" dirty="0">
+                <a:latin typeface="Consolas" panose="020B0609020204030204" pitchFamily="49" charset="0"/>
+              </a:rPr>
+              <a:t> = </a:t>
+            </a:r>
+            <a:r>
+              <a:rPr lang="ru-RU" sz="1600" dirty="0" err="1">
+                <a:latin typeface="Consolas" panose="020B0609020204030204" pitchFamily="49" charset="0"/>
+              </a:rPr>
+              <a:t>document</a:t>
+            </a:r>
+            <a:endParaRPr lang="ru-RU" sz="1600" dirty="0">
+              <a:latin typeface="Consolas" panose="020B0609020204030204" pitchFamily="49" charset="0"/>
+            </a:endParaRPr>
+          </a:p>
+          <a:p>
+            <a:r>
+              <a:rPr lang="ru-RU" sz="1600" dirty="0">
+                <a:latin typeface="Consolas" panose="020B0609020204030204" pitchFamily="49" charset="0"/>
+              </a:rPr>
+              <a:t>        </a:t>
+            </a:r>
+            <a:r>
+              <a:rPr lang="ru-RU" sz="1600" dirty="0" err="1">
+                <a:latin typeface="Consolas" panose="020B0609020204030204" pitchFamily="49" charset="0"/>
+              </a:rPr>
+              <a:t>self</a:t>
+            </a:r>
+            <a:r>
+              <a:rPr lang="ru-RU" sz="1600" dirty="0">
+                <a:latin typeface="Consolas" panose="020B0609020204030204" pitchFamily="49" charset="0"/>
+              </a:rPr>
+              <a:t>._</a:t>
+            </a:r>
+            <a:r>
+              <a:rPr lang="ru-RU" sz="1600" dirty="0" err="1">
+                <a:latin typeface="Consolas" panose="020B0609020204030204" pitchFamily="49" charset="0"/>
+              </a:rPr>
+              <a:t>document.register</a:t>
+            </a:r>
+            <a:r>
+              <a:rPr lang="ru-RU" sz="1600" dirty="0">
+                <a:latin typeface="Consolas" panose="020B0609020204030204" pitchFamily="49" charset="0"/>
+              </a:rPr>
+              <a:t>(</a:t>
+            </a:r>
+            <a:r>
+              <a:rPr lang="ru-RU" sz="1600" dirty="0" err="1">
+                <a:latin typeface="Consolas" panose="020B0609020204030204" pitchFamily="49" charset="0"/>
+              </a:rPr>
+              <a:t>self</a:t>
+            </a:r>
+            <a:r>
+              <a:rPr lang="ru-RU" sz="1600" dirty="0">
+                <a:latin typeface="Consolas" panose="020B0609020204030204" pitchFamily="49" charset="0"/>
+              </a:rPr>
+              <a:t>)</a:t>
+            </a:r>
+          </a:p>
+          <a:p>
+            <a:r>
+              <a:rPr lang="ru-RU" sz="1600" dirty="0">
+                <a:latin typeface="Consolas" panose="020B0609020204030204" pitchFamily="49" charset="0"/>
+              </a:rPr>
+              <a:t>        </a:t>
+            </a:r>
+            <a:r>
+              <a:rPr lang="ru-RU" sz="1600" dirty="0" err="1">
+                <a:latin typeface="Consolas" panose="020B0609020204030204" pitchFamily="49" charset="0"/>
+              </a:rPr>
+              <a:t>self.setRange</a:t>
+            </a:r>
+            <a:r>
+              <a:rPr lang="ru-RU" sz="1600" dirty="0">
+                <a:latin typeface="Consolas" panose="020B0609020204030204" pitchFamily="49" charset="0"/>
+              </a:rPr>
+              <a:t>(0,100)</a:t>
+            </a:r>
+          </a:p>
+          <a:p>
+            <a:endParaRPr lang="ru-RU" sz="1600" dirty="0">
+              <a:latin typeface="Consolas" panose="020B0609020204030204" pitchFamily="49" charset="0"/>
+            </a:endParaRPr>
+          </a:p>
+          <a:p>
+            <a:r>
+              <a:rPr lang="ru-RU" sz="1600" dirty="0">
+                <a:latin typeface="Consolas" panose="020B0609020204030204" pitchFamily="49" charset="0"/>
+              </a:rPr>
+              <a:t>    </a:t>
+            </a:r>
+            <a:r>
+              <a:rPr lang="ru-RU" sz="1600" dirty="0" err="1">
+                <a:latin typeface="Consolas" panose="020B0609020204030204" pitchFamily="49" charset="0"/>
+              </a:rPr>
+              <a:t>def</a:t>
+            </a:r>
+            <a:r>
+              <a:rPr lang="ru-RU" sz="1600" dirty="0">
+                <a:latin typeface="Consolas" panose="020B0609020204030204" pitchFamily="49" charset="0"/>
+              </a:rPr>
+              <a:t> </a:t>
+            </a:r>
+            <a:r>
+              <a:rPr lang="ru-RU" sz="1600" dirty="0" err="1">
+                <a:latin typeface="Consolas" panose="020B0609020204030204" pitchFamily="49" charset="0"/>
+              </a:rPr>
+              <a:t>notify</a:t>
+            </a:r>
+            <a:r>
+              <a:rPr lang="ru-RU" sz="1600" dirty="0">
+                <a:latin typeface="Consolas" panose="020B0609020204030204" pitchFamily="49" charset="0"/>
+              </a:rPr>
+              <a:t>(</a:t>
+            </a:r>
+            <a:r>
+              <a:rPr lang="ru-RU" sz="1600" dirty="0" err="1">
+                <a:latin typeface="Consolas" panose="020B0609020204030204" pitchFamily="49" charset="0"/>
+              </a:rPr>
+              <a:t>self</a:t>
+            </a:r>
+            <a:r>
+              <a:rPr lang="ru-RU" sz="1600" dirty="0">
+                <a:latin typeface="Consolas" panose="020B0609020204030204" pitchFamily="49" charset="0"/>
+              </a:rPr>
+              <a:t>):</a:t>
+            </a:r>
+          </a:p>
+          <a:p>
+            <a:r>
+              <a:rPr lang="ru-RU" sz="1600" dirty="0">
+                <a:latin typeface="Consolas" panose="020B0609020204030204" pitchFamily="49" charset="0"/>
+              </a:rPr>
+              <a:t>        </a:t>
+            </a:r>
+            <a:r>
+              <a:rPr lang="ru-RU" sz="1600" dirty="0" err="1">
+                <a:latin typeface="Consolas" panose="020B0609020204030204" pitchFamily="49" charset="0"/>
+              </a:rPr>
+              <a:t>self.setValue</a:t>
+            </a:r>
+            <a:r>
+              <a:rPr lang="ru-RU" sz="1600" dirty="0">
+                <a:latin typeface="Consolas" panose="020B0609020204030204" pitchFamily="49" charset="0"/>
+              </a:rPr>
+              <a:t>(</a:t>
+            </a:r>
+            <a:r>
+              <a:rPr lang="ru-RU" sz="1600" dirty="0" err="1">
+                <a:latin typeface="Consolas" panose="020B0609020204030204" pitchFamily="49" charset="0"/>
+              </a:rPr>
+              <a:t>self</a:t>
+            </a:r>
+            <a:r>
+              <a:rPr lang="ru-RU" sz="1600" dirty="0">
+                <a:latin typeface="Consolas" panose="020B0609020204030204" pitchFamily="49" charset="0"/>
+              </a:rPr>
+              <a:t>._</a:t>
+            </a:r>
+            <a:r>
+              <a:rPr lang="ru-RU" sz="1600" dirty="0" err="1">
+                <a:latin typeface="Consolas" panose="020B0609020204030204" pitchFamily="49" charset="0"/>
+              </a:rPr>
+              <a:t>document.value</a:t>
+            </a:r>
+            <a:r>
+              <a:rPr lang="ru-RU" sz="1600" dirty="0">
+                <a:latin typeface="Consolas" panose="020B0609020204030204" pitchFamily="49" charset="0"/>
+              </a:rPr>
+              <a:t>())</a:t>
             </a:r>
           </a:p>
         </p:txBody>
@@ -4562,7 +7030,7 @@
     </p:spTree>
     <p:extLst>
       <p:ext uri="{BB962C8B-B14F-4D97-AF65-F5344CB8AC3E}">
-        <p14:creationId xmlns:p14="http://schemas.microsoft.com/office/powerpoint/2010/main" val="2258732444"/>
+        <p14:creationId xmlns:p14="http://schemas.microsoft.com/office/powerpoint/2010/main" val="4100459632"/>
       </p:ext>
     </p:extLst>
   </p:cSld>
@@ -4572,7 +7040,926 @@
   <p:timing>
     <p:tnLst>
       <p:par>
-        <p:cTn id="1" dur="indefinite" restart="never" nodeType="tmRoot"/>
+        <p:cTn id="1" dur="indefinite" restart="never" nodeType="tmRoot">
+          <p:childTnLst>
+            <p:seq concurrent="1" nextAc="seek">
+              <p:cTn id="2" dur="indefinite" nodeType="mainSeq">
+                <p:childTnLst>
+                  <p:par>
+                    <p:cTn id="3" fill="hold">
+                      <p:stCondLst>
+                        <p:cond delay="indefinite"/>
+                      </p:stCondLst>
+                      <p:childTnLst>
+                        <p:par>
+                          <p:cTn id="4" fill="hold">
+                            <p:stCondLst>
+                              <p:cond delay="0"/>
+                            </p:stCondLst>
+                            <p:childTnLst>
+                              <p:par>
+                                <p:cTn id="5" presetID="10" presetClass="entr" presetSubtype="0" fill="hold" nodeType="clickEffect">
+                                  <p:stCondLst>
+                                    <p:cond delay="0"/>
+                                  </p:stCondLst>
+                                  <p:childTnLst>
+                                    <p:set>
+                                      <p:cBhvr>
+                                        <p:cTn id="6" dur="1" fill="hold">
+                                          <p:stCondLst>
+                                            <p:cond delay="0"/>
+                                          </p:stCondLst>
+                                        </p:cTn>
+                                        <p:tgtEl>
+                                          <p:spTgt spid="3">
+                                            <p:txEl>
+                                              <p:pRg st="0" end="0"/>
+                                            </p:txEl>
+                                          </p:spTgt>
+                                        </p:tgtEl>
+                                        <p:attrNameLst>
+                                          <p:attrName>style.visibility</p:attrName>
+                                        </p:attrNameLst>
+                                      </p:cBhvr>
+                                      <p:to>
+                                        <p:strVal val="visible"/>
+                                      </p:to>
+                                    </p:set>
+                                    <p:animEffect transition="in" filter="fade">
+                                      <p:cBhvr>
+                                        <p:cTn id="7" dur="500"/>
+                                        <p:tgtEl>
+                                          <p:spTgt spid="3">
+                                            <p:txEl>
+                                              <p:pRg st="0" end="0"/>
+                                            </p:txEl>
+                                          </p:spTgt>
+                                        </p:tgtEl>
+                                      </p:cBhvr>
+                                    </p:animEffect>
+                                  </p:childTnLst>
+                                </p:cTn>
+                              </p:par>
+                              <p:par>
+                                <p:cTn id="8" presetID="10" presetClass="entr" presetSubtype="0" fill="hold" nodeType="withEffect">
+                                  <p:stCondLst>
+                                    <p:cond delay="0"/>
+                                  </p:stCondLst>
+                                  <p:childTnLst>
+                                    <p:set>
+                                      <p:cBhvr>
+                                        <p:cTn id="9" dur="1" fill="hold">
+                                          <p:stCondLst>
+                                            <p:cond delay="0"/>
+                                          </p:stCondLst>
+                                        </p:cTn>
+                                        <p:tgtEl>
+                                          <p:spTgt spid="3">
+                                            <p:txEl>
+                                              <p:pRg st="1" end="1"/>
+                                            </p:txEl>
+                                          </p:spTgt>
+                                        </p:tgtEl>
+                                        <p:attrNameLst>
+                                          <p:attrName>style.visibility</p:attrName>
+                                        </p:attrNameLst>
+                                      </p:cBhvr>
+                                      <p:to>
+                                        <p:strVal val="visible"/>
+                                      </p:to>
+                                    </p:set>
+                                    <p:animEffect transition="in" filter="fade">
+                                      <p:cBhvr>
+                                        <p:cTn id="10" dur="500"/>
+                                        <p:tgtEl>
+                                          <p:spTgt spid="3">
+                                            <p:txEl>
+                                              <p:pRg st="1" end="1"/>
+                                            </p:txEl>
+                                          </p:spTgt>
+                                        </p:tgtEl>
+                                      </p:cBhvr>
+                                    </p:animEffect>
+                                  </p:childTnLst>
+                                </p:cTn>
+                              </p:par>
+                              <p:par>
+                                <p:cTn id="11" presetID="10" presetClass="entr" presetSubtype="0" fill="hold" nodeType="withEffect">
+                                  <p:stCondLst>
+                                    <p:cond delay="0"/>
+                                  </p:stCondLst>
+                                  <p:childTnLst>
+                                    <p:set>
+                                      <p:cBhvr>
+                                        <p:cTn id="12" dur="1" fill="hold">
+                                          <p:stCondLst>
+                                            <p:cond delay="0"/>
+                                          </p:stCondLst>
+                                        </p:cTn>
+                                        <p:tgtEl>
+                                          <p:spTgt spid="3">
+                                            <p:txEl>
+                                              <p:pRg st="2" end="2"/>
+                                            </p:txEl>
+                                          </p:spTgt>
+                                        </p:tgtEl>
+                                        <p:attrNameLst>
+                                          <p:attrName>style.visibility</p:attrName>
+                                        </p:attrNameLst>
+                                      </p:cBhvr>
+                                      <p:to>
+                                        <p:strVal val="visible"/>
+                                      </p:to>
+                                    </p:set>
+                                    <p:animEffect transition="in" filter="fade">
+                                      <p:cBhvr>
+                                        <p:cTn id="13" dur="500"/>
+                                        <p:tgtEl>
+                                          <p:spTgt spid="3">
+                                            <p:txEl>
+                                              <p:pRg st="2" end="2"/>
+                                            </p:txEl>
+                                          </p:spTgt>
+                                        </p:tgtEl>
+                                      </p:cBhvr>
+                                    </p:animEffect>
+                                  </p:childTnLst>
+                                </p:cTn>
+                              </p:par>
+                              <p:par>
+                                <p:cTn id="14" presetID="10" presetClass="entr" presetSubtype="0" fill="hold" nodeType="withEffect">
+                                  <p:stCondLst>
+                                    <p:cond delay="0"/>
+                                  </p:stCondLst>
+                                  <p:childTnLst>
+                                    <p:set>
+                                      <p:cBhvr>
+                                        <p:cTn id="15" dur="1" fill="hold">
+                                          <p:stCondLst>
+                                            <p:cond delay="0"/>
+                                          </p:stCondLst>
+                                        </p:cTn>
+                                        <p:tgtEl>
+                                          <p:spTgt spid="3">
+                                            <p:txEl>
+                                              <p:pRg st="3" end="3"/>
+                                            </p:txEl>
+                                          </p:spTgt>
+                                        </p:tgtEl>
+                                        <p:attrNameLst>
+                                          <p:attrName>style.visibility</p:attrName>
+                                        </p:attrNameLst>
+                                      </p:cBhvr>
+                                      <p:to>
+                                        <p:strVal val="visible"/>
+                                      </p:to>
+                                    </p:set>
+                                    <p:animEffect transition="in" filter="fade">
+                                      <p:cBhvr>
+                                        <p:cTn id="16" dur="500"/>
+                                        <p:tgtEl>
+                                          <p:spTgt spid="3">
+                                            <p:txEl>
+                                              <p:pRg st="3" end="3"/>
+                                            </p:txEl>
+                                          </p:spTgt>
+                                        </p:tgtEl>
+                                      </p:cBhvr>
+                                    </p:animEffect>
+                                  </p:childTnLst>
+                                </p:cTn>
+                              </p:par>
+                              <p:par>
+                                <p:cTn id="17" presetID="10" presetClass="entr" presetSubtype="0" fill="hold" nodeType="withEffect">
+                                  <p:stCondLst>
+                                    <p:cond delay="0"/>
+                                  </p:stCondLst>
+                                  <p:childTnLst>
+                                    <p:set>
+                                      <p:cBhvr>
+                                        <p:cTn id="18" dur="1" fill="hold">
+                                          <p:stCondLst>
+                                            <p:cond delay="0"/>
+                                          </p:stCondLst>
+                                        </p:cTn>
+                                        <p:tgtEl>
+                                          <p:spTgt spid="3">
+                                            <p:txEl>
+                                              <p:pRg st="4" end="4"/>
+                                            </p:txEl>
+                                          </p:spTgt>
+                                        </p:tgtEl>
+                                        <p:attrNameLst>
+                                          <p:attrName>style.visibility</p:attrName>
+                                        </p:attrNameLst>
+                                      </p:cBhvr>
+                                      <p:to>
+                                        <p:strVal val="visible"/>
+                                      </p:to>
+                                    </p:set>
+                                    <p:animEffect transition="in" filter="fade">
+                                      <p:cBhvr>
+                                        <p:cTn id="19" dur="500"/>
+                                        <p:tgtEl>
+                                          <p:spTgt spid="3">
+                                            <p:txEl>
+                                              <p:pRg st="4" end="4"/>
+                                            </p:txEl>
+                                          </p:spTgt>
+                                        </p:tgtEl>
+                                      </p:cBhvr>
+                                    </p:animEffect>
+                                  </p:childTnLst>
+                                </p:cTn>
+                              </p:par>
+                              <p:par>
+                                <p:cTn id="20" presetID="10" presetClass="entr" presetSubtype="0" fill="hold" nodeType="withEffect">
+                                  <p:stCondLst>
+                                    <p:cond delay="0"/>
+                                  </p:stCondLst>
+                                  <p:childTnLst>
+                                    <p:set>
+                                      <p:cBhvr>
+                                        <p:cTn id="21" dur="1" fill="hold">
+                                          <p:stCondLst>
+                                            <p:cond delay="0"/>
+                                          </p:stCondLst>
+                                        </p:cTn>
+                                        <p:tgtEl>
+                                          <p:spTgt spid="3">
+                                            <p:txEl>
+                                              <p:pRg st="5" end="5"/>
+                                            </p:txEl>
+                                          </p:spTgt>
+                                        </p:tgtEl>
+                                        <p:attrNameLst>
+                                          <p:attrName>style.visibility</p:attrName>
+                                        </p:attrNameLst>
+                                      </p:cBhvr>
+                                      <p:to>
+                                        <p:strVal val="visible"/>
+                                      </p:to>
+                                    </p:set>
+                                    <p:animEffect transition="in" filter="fade">
+                                      <p:cBhvr>
+                                        <p:cTn id="22" dur="500"/>
+                                        <p:tgtEl>
+                                          <p:spTgt spid="3">
+                                            <p:txEl>
+                                              <p:pRg st="5" end="5"/>
+                                            </p:txEl>
+                                          </p:spTgt>
+                                        </p:tgtEl>
+                                      </p:cBhvr>
+                                    </p:animEffect>
+                                  </p:childTnLst>
+                                </p:cTn>
+                              </p:par>
+                              <p:par>
+                                <p:cTn id="23" presetID="10" presetClass="entr" presetSubtype="0" fill="hold" nodeType="withEffect">
+                                  <p:stCondLst>
+                                    <p:cond delay="0"/>
+                                  </p:stCondLst>
+                                  <p:childTnLst>
+                                    <p:set>
+                                      <p:cBhvr>
+                                        <p:cTn id="24" dur="1" fill="hold">
+                                          <p:stCondLst>
+                                            <p:cond delay="0"/>
+                                          </p:stCondLst>
+                                        </p:cTn>
+                                        <p:tgtEl>
+                                          <p:spTgt spid="3">
+                                            <p:txEl>
+                                              <p:pRg st="6" end="6"/>
+                                            </p:txEl>
+                                          </p:spTgt>
+                                        </p:tgtEl>
+                                        <p:attrNameLst>
+                                          <p:attrName>style.visibility</p:attrName>
+                                        </p:attrNameLst>
+                                      </p:cBhvr>
+                                      <p:to>
+                                        <p:strVal val="visible"/>
+                                      </p:to>
+                                    </p:set>
+                                    <p:animEffect transition="in" filter="fade">
+                                      <p:cBhvr>
+                                        <p:cTn id="25" dur="500"/>
+                                        <p:tgtEl>
+                                          <p:spTgt spid="3">
+                                            <p:txEl>
+                                              <p:pRg st="6" end="6"/>
+                                            </p:txEl>
+                                          </p:spTgt>
+                                        </p:tgtEl>
+                                      </p:cBhvr>
+                                    </p:animEffect>
+                                  </p:childTnLst>
+                                </p:cTn>
+                              </p:par>
+                              <p:par>
+                                <p:cTn id="26" presetID="10" presetClass="entr" presetSubtype="0" fill="hold" nodeType="withEffect">
+                                  <p:stCondLst>
+                                    <p:cond delay="0"/>
+                                  </p:stCondLst>
+                                  <p:childTnLst>
+                                    <p:set>
+                                      <p:cBhvr>
+                                        <p:cTn id="27" dur="1" fill="hold">
+                                          <p:stCondLst>
+                                            <p:cond delay="0"/>
+                                          </p:stCondLst>
+                                        </p:cTn>
+                                        <p:tgtEl>
+                                          <p:spTgt spid="3">
+                                            <p:txEl>
+                                              <p:pRg st="7" end="7"/>
+                                            </p:txEl>
+                                          </p:spTgt>
+                                        </p:tgtEl>
+                                        <p:attrNameLst>
+                                          <p:attrName>style.visibility</p:attrName>
+                                        </p:attrNameLst>
+                                      </p:cBhvr>
+                                      <p:to>
+                                        <p:strVal val="visible"/>
+                                      </p:to>
+                                    </p:set>
+                                    <p:animEffect transition="in" filter="fade">
+                                      <p:cBhvr>
+                                        <p:cTn id="28" dur="500"/>
+                                        <p:tgtEl>
+                                          <p:spTgt spid="3">
+                                            <p:txEl>
+                                              <p:pRg st="7" end="7"/>
+                                            </p:txEl>
+                                          </p:spTgt>
+                                        </p:tgtEl>
+                                      </p:cBhvr>
+                                    </p:animEffect>
+                                  </p:childTnLst>
+                                </p:cTn>
+                              </p:par>
+                              <p:par>
+                                <p:cTn id="29" presetID="10" presetClass="entr" presetSubtype="0" fill="hold" nodeType="withEffect">
+                                  <p:stCondLst>
+                                    <p:cond delay="0"/>
+                                  </p:stCondLst>
+                                  <p:childTnLst>
+                                    <p:set>
+                                      <p:cBhvr>
+                                        <p:cTn id="30" dur="1" fill="hold">
+                                          <p:stCondLst>
+                                            <p:cond delay="0"/>
+                                          </p:stCondLst>
+                                        </p:cTn>
+                                        <p:tgtEl>
+                                          <p:spTgt spid="3">
+                                            <p:txEl>
+                                              <p:pRg st="8" end="8"/>
+                                            </p:txEl>
+                                          </p:spTgt>
+                                        </p:tgtEl>
+                                        <p:attrNameLst>
+                                          <p:attrName>style.visibility</p:attrName>
+                                        </p:attrNameLst>
+                                      </p:cBhvr>
+                                      <p:to>
+                                        <p:strVal val="visible"/>
+                                      </p:to>
+                                    </p:set>
+                                    <p:animEffect transition="in" filter="fade">
+                                      <p:cBhvr>
+                                        <p:cTn id="31" dur="500"/>
+                                        <p:tgtEl>
+                                          <p:spTgt spid="3">
+                                            <p:txEl>
+                                              <p:pRg st="8" end="8"/>
+                                            </p:txEl>
+                                          </p:spTgt>
+                                        </p:tgtEl>
+                                      </p:cBhvr>
+                                    </p:animEffect>
+                                  </p:childTnLst>
+                                </p:cTn>
+                              </p:par>
+                              <p:par>
+                                <p:cTn id="32" presetID="10" presetClass="entr" presetSubtype="0" fill="hold" nodeType="withEffect">
+                                  <p:stCondLst>
+                                    <p:cond delay="0"/>
+                                  </p:stCondLst>
+                                  <p:childTnLst>
+                                    <p:set>
+                                      <p:cBhvr>
+                                        <p:cTn id="33" dur="1" fill="hold">
+                                          <p:stCondLst>
+                                            <p:cond delay="0"/>
+                                          </p:stCondLst>
+                                        </p:cTn>
+                                        <p:tgtEl>
+                                          <p:spTgt spid="3">
+                                            <p:txEl>
+                                              <p:pRg st="9" end="9"/>
+                                            </p:txEl>
+                                          </p:spTgt>
+                                        </p:tgtEl>
+                                        <p:attrNameLst>
+                                          <p:attrName>style.visibility</p:attrName>
+                                        </p:attrNameLst>
+                                      </p:cBhvr>
+                                      <p:to>
+                                        <p:strVal val="visible"/>
+                                      </p:to>
+                                    </p:set>
+                                    <p:animEffect transition="in" filter="fade">
+                                      <p:cBhvr>
+                                        <p:cTn id="34" dur="500"/>
+                                        <p:tgtEl>
+                                          <p:spTgt spid="3">
+                                            <p:txEl>
+                                              <p:pRg st="9" end="9"/>
+                                            </p:txEl>
+                                          </p:spTgt>
+                                        </p:tgtEl>
+                                      </p:cBhvr>
+                                    </p:animEffect>
+                                  </p:childTnLst>
+                                </p:cTn>
+                              </p:par>
+                              <p:par>
+                                <p:cTn id="35" presetID="10" presetClass="entr" presetSubtype="0" fill="hold" nodeType="withEffect">
+                                  <p:stCondLst>
+                                    <p:cond delay="0"/>
+                                  </p:stCondLst>
+                                  <p:childTnLst>
+                                    <p:set>
+                                      <p:cBhvr>
+                                        <p:cTn id="36" dur="1" fill="hold">
+                                          <p:stCondLst>
+                                            <p:cond delay="0"/>
+                                          </p:stCondLst>
+                                        </p:cTn>
+                                        <p:tgtEl>
+                                          <p:spTgt spid="3">
+                                            <p:txEl>
+                                              <p:pRg st="10" end="10"/>
+                                            </p:txEl>
+                                          </p:spTgt>
+                                        </p:tgtEl>
+                                        <p:attrNameLst>
+                                          <p:attrName>style.visibility</p:attrName>
+                                        </p:attrNameLst>
+                                      </p:cBhvr>
+                                      <p:to>
+                                        <p:strVal val="visible"/>
+                                      </p:to>
+                                    </p:set>
+                                    <p:animEffect transition="in" filter="fade">
+                                      <p:cBhvr>
+                                        <p:cTn id="37" dur="500"/>
+                                        <p:tgtEl>
+                                          <p:spTgt spid="3">
+                                            <p:txEl>
+                                              <p:pRg st="10" end="10"/>
+                                            </p:txEl>
+                                          </p:spTgt>
+                                        </p:tgtEl>
+                                      </p:cBhvr>
+                                    </p:animEffect>
+                                  </p:childTnLst>
+                                </p:cTn>
+                              </p:par>
+                              <p:par>
+                                <p:cTn id="38" presetID="10" presetClass="entr" presetSubtype="0" fill="hold" nodeType="withEffect">
+                                  <p:stCondLst>
+                                    <p:cond delay="0"/>
+                                  </p:stCondLst>
+                                  <p:childTnLst>
+                                    <p:set>
+                                      <p:cBhvr>
+                                        <p:cTn id="39" dur="1" fill="hold">
+                                          <p:stCondLst>
+                                            <p:cond delay="0"/>
+                                          </p:stCondLst>
+                                        </p:cTn>
+                                        <p:tgtEl>
+                                          <p:spTgt spid="3">
+                                            <p:txEl>
+                                              <p:pRg st="11" end="11"/>
+                                            </p:txEl>
+                                          </p:spTgt>
+                                        </p:tgtEl>
+                                        <p:attrNameLst>
+                                          <p:attrName>style.visibility</p:attrName>
+                                        </p:attrNameLst>
+                                      </p:cBhvr>
+                                      <p:to>
+                                        <p:strVal val="visible"/>
+                                      </p:to>
+                                    </p:set>
+                                    <p:animEffect transition="in" filter="fade">
+                                      <p:cBhvr>
+                                        <p:cTn id="40" dur="500"/>
+                                        <p:tgtEl>
+                                          <p:spTgt spid="3">
+                                            <p:txEl>
+                                              <p:pRg st="11" end="11"/>
+                                            </p:txEl>
+                                          </p:spTgt>
+                                        </p:tgtEl>
+                                      </p:cBhvr>
+                                    </p:animEffect>
+                                  </p:childTnLst>
+                                </p:cTn>
+                              </p:par>
+                            </p:childTnLst>
+                          </p:cTn>
+                        </p:par>
+                      </p:childTnLst>
+                    </p:cTn>
+                  </p:par>
+                  <p:par>
+                    <p:cTn id="41" fill="hold">
+                      <p:stCondLst>
+                        <p:cond delay="indefinite"/>
+                      </p:stCondLst>
+                      <p:childTnLst>
+                        <p:par>
+                          <p:cTn id="42" fill="hold">
+                            <p:stCondLst>
+                              <p:cond delay="0"/>
+                            </p:stCondLst>
+                            <p:childTnLst>
+                              <p:par>
+                                <p:cTn id="43" presetID="10" presetClass="entr" presetSubtype="0" fill="hold" nodeType="clickEffect">
+                                  <p:stCondLst>
+                                    <p:cond delay="0"/>
+                                  </p:stCondLst>
+                                  <p:childTnLst>
+                                    <p:set>
+                                      <p:cBhvr>
+                                        <p:cTn id="44" dur="1" fill="hold">
+                                          <p:stCondLst>
+                                            <p:cond delay="0"/>
+                                          </p:stCondLst>
+                                        </p:cTn>
+                                        <p:tgtEl>
+                                          <p:spTgt spid="3">
+                                            <p:txEl>
+                                              <p:pRg st="13" end="13"/>
+                                            </p:txEl>
+                                          </p:spTgt>
+                                        </p:tgtEl>
+                                        <p:attrNameLst>
+                                          <p:attrName>style.visibility</p:attrName>
+                                        </p:attrNameLst>
+                                      </p:cBhvr>
+                                      <p:to>
+                                        <p:strVal val="visible"/>
+                                      </p:to>
+                                    </p:set>
+                                    <p:animEffect transition="in" filter="fade">
+                                      <p:cBhvr>
+                                        <p:cTn id="45" dur="500"/>
+                                        <p:tgtEl>
+                                          <p:spTgt spid="3">
+                                            <p:txEl>
+                                              <p:pRg st="13" end="13"/>
+                                            </p:txEl>
+                                          </p:spTgt>
+                                        </p:tgtEl>
+                                      </p:cBhvr>
+                                    </p:animEffect>
+                                  </p:childTnLst>
+                                </p:cTn>
+                              </p:par>
+                              <p:par>
+                                <p:cTn id="46" presetID="10" presetClass="entr" presetSubtype="0" fill="hold" nodeType="withEffect">
+                                  <p:stCondLst>
+                                    <p:cond delay="0"/>
+                                  </p:stCondLst>
+                                  <p:childTnLst>
+                                    <p:set>
+                                      <p:cBhvr>
+                                        <p:cTn id="47" dur="1" fill="hold">
+                                          <p:stCondLst>
+                                            <p:cond delay="0"/>
+                                          </p:stCondLst>
+                                        </p:cTn>
+                                        <p:tgtEl>
+                                          <p:spTgt spid="3">
+                                            <p:txEl>
+                                              <p:pRg st="14" end="14"/>
+                                            </p:txEl>
+                                          </p:spTgt>
+                                        </p:tgtEl>
+                                        <p:attrNameLst>
+                                          <p:attrName>style.visibility</p:attrName>
+                                        </p:attrNameLst>
+                                      </p:cBhvr>
+                                      <p:to>
+                                        <p:strVal val="visible"/>
+                                      </p:to>
+                                    </p:set>
+                                    <p:animEffect transition="in" filter="fade">
+                                      <p:cBhvr>
+                                        <p:cTn id="48" dur="500"/>
+                                        <p:tgtEl>
+                                          <p:spTgt spid="3">
+                                            <p:txEl>
+                                              <p:pRg st="14" end="14"/>
+                                            </p:txEl>
+                                          </p:spTgt>
+                                        </p:tgtEl>
+                                      </p:cBhvr>
+                                    </p:animEffect>
+                                  </p:childTnLst>
+                                </p:cTn>
+                              </p:par>
+                              <p:par>
+                                <p:cTn id="49" presetID="10" presetClass="entr" presetSubtype="0" fill="hold" nodeType="withEffect">
+                                  <p:stCondLst>
+                                    <p:cond delay="0"/>
+                                  </p:stCondLst>
+                                  <p:childTnLst>
+                                    <p:set>
+                                      <p:cBhvr>
+                                        <p:cTn id="50" dur="1" fill="hold">
+                                          <p:stCondLst>
+                                            <p:cond delay="0"/>
+                                          </p:stCondLst>
+                                        </p:cTn>
+                                        <p:tgtEl>
+                                          <p:spTgt spid="3">
+                                            <p:txEl>
+                                              <p:pRg st="15" end="15"/>
+                                            </p:txEl>
+                                          </p:spTgt>
+                                        </p:tgtEl>
+                                        <p:attrNameLst>
+                                          <p:attrName>style.visibility</p:attrName>
+                                        </p:attrNameLst>
+                                      </p:cBhvr>
+                                      <p:to>
+                                        <p:strVal val="visible"/>
+                                      </p:to>
+                                    </p:set>
+                                    <p:animEffect transition="in" filter="fade">
+                                      <p:cBhvr>
+                                        <p:cTn id="51" dur="500"/>
+                                        <p:tgtEl>
+                                          <p:spTgt spid="3">
+                                            <p:txEl>
+                                              <p:pRg st="15" end="15"/>
+                                            </p:txEl>
+                                          </p:spTgt>
+                                        </p:tgtEl>
+                                      </p:cBhvr>
+                                    </p:animEffect>
+                                  </p:childTnLst>
+                                </p:cTn>
+                              </p:par>
+                              <p:par>
+                                <p:cTn id="52" presetID="10" presetClass="entr" presetSubtype="0" fill="hold" nodeType="withEffect">
+                                  <p:stCondLst>
+                                    <p:cond delay="0"/>
+                                  </p:stCondLst>
+                                  <p:childTnLst>
+                                    <p:set>
+                                      <p:cBhvr>
+                                        <p:cTn id="53" dur="1" fill="hold">
+                                          <p:stCondLst>
+                                            <p:cond delay="0"/>
+                                          </p:stCondLst>
+                                        </p:cTn>
+                                        <p:tgtEl>
+                                          <p:spTgt spid="3">
+                                            <p:txEl>
+                                              <p:pRg st="16" end="16"/>
+                                            </p:txEl>
+                                          </p:spTgt>
+                                        </p:tgtEl>
+                                        <p:attrNameLst>
+                                          <p:attrName>style.visibility</p:attrName>
+                                        </p:attrNameLst>
+                                      </p:cBhvr>
+                                      <p:to>
+                                        <p:strVal val="visible"/>
+                                      </p:to>
+                                    </p:set>
+                                    <p:animEffect transition="in" filter="fade">
+                                      <p:cBhvr>
+                                        <p:cTn id="54" dur="500"/>
+                                        <p:tgtEl>
+                                          <p:spTgt spid="3">
+                                            <p:txEl>
+                                              <p:pRg st="16" end="16"/>
+                                            </p:txEl>
+                                          </p:spTgt>
+                                        </p:tgtEl>
+                                      </p:cBhvr>
+                                    </p:animEffect>
+                                  </p:childTnLst>
+                                </p:cTn>
+                              </p:par>
+                              <p:par>
+                                <p:cTn id="55" presetID="10" presetClass="entr" presetSubtype="0" fill="hold" nodeType="withEffect">
+                                  <p:stCondLst>
+                                    <p:cond delay="0"/>
+                                  </p:stCondLst>
+                                  <p:childTnLst>
+                                    <p:set>
+                                      <p:cBhvr>
+                                        <p:cTn id="56" dur="1" fill="hold">
+                                          <p:stCondLst>
+                                            <p:cond delay="0"/>
+                                          </p:stCondLst>
+                                        </p:cTn>
+                                        <p:tgtEl>
+                                          <p:spTgt spid="3">
+                                            <p:txEl>
+                                              <p:pRg st="17" end="17"/>
+                                            </p:txEl>
+                                          </p:spTgt>
+                                        </p:tgtEl>
+                                        <p:attrNameLst>
+                                          <p:attrName>style.visibility</p:attrName>
+                                        </p:attrNameLst>
+                                      </p:cBhvr>
+                                      <p:to>
+                                        <p:strVal val="visible"/>
+                                      </p:to>
+                                    </p:set>
+                                    <p:animEffect transition="in" filter="fade">
+                                      <p:cBhvr>
+                                        <p:cTn id="57" dur="500"/>
+                                        <p:tgtEl>
+                                          <p:spTgt spid="3">
+                                            <p:txEl>
+                                              <p:pRg st="17" end="17"/>
+                                            </p:txEl>
+                                          </p:spTgt>
+                                        </p:tgtEl>
+                                      </p:cBhvr>
+                                    </p:animEffect>
+                                  </p:childTnLst>
+                                </p:cTn>
+                              </p:par>
+                              <p:par>
+                                <p:cTn id="58" presetID="10" presetClass="entr" presetSubtype="0" fill="hold" nodeType="withEffect">
+                                  <p:stCondLst>
+                                    <p:cond delay="0"/>
+                                  </p:stCondLst>
+                                  <p:childTnLst>
+                                    <p:set>
+                                      <p:cBhvr>
+                                        <p:cTn id="59" dur="1" fill="hold">
+                                          <p:stCondLst>
+                                            <p:cond delay="0"/>
+                                          </p:stCondLst>
+                                        </p:cTn>
+                                        <p:tgtEl>
+                                          <p:spTgt spid="3">
+                                            <p:txEl>
+                                              <p:pRg st="18" end="18"/>
+                                            </p:txEl>
+                                          </p:spTgt>
+                                        </p:tgtEl>
+                                        <p:attrNameLst>
+                                          <p:attrName>style.visibility</p:attrName>
+                                        </p:attrNameLst>
+                                      </p:cBhvr>
+                                      <p:to>
+                                        <p:strVal val="visible"/>
+                                      </p:to>
+                                    </p:set>
+                                    <p:animEffect transition="in" filter="fade">
+                                      <p:cBhvr>
+                                        <p:cTn id="60" dur="500"/>
+                                        <p:tgtEl>
+                                          <p:spTgt spid="3">
+                                            <p:txEl>
+                                              <p:pRg st="18" end="18"/>
+                                            </p:txEl>
+                                          </p:spTgt>
+                                        </p:tgtEl>
+                                      </p:cBhvr>
+                                    </p:animEffect>
+                                  </p:childTnLst>
+                                </p:cTn>
+                              </p:par>
+                              <p:par>
+                                <p:cTn id="61" presetID="10" presetClass="entr" presetSubtype="0" fill="hold" nodeType="withEffect">
+                                  <p:stCondLst>
+                                    <p:cond delay="0"/>
+                                  </p:stCondLst>
+                                  <p:childTnLst>
+                                    <p:set>
+                                      <p:cBhvr>
+                                        <p:cTn id="62" dur="1" fill="hold">
+                                          <p:stCondLst>
+                                            <p:cond delay="0"/>
+                                          </p:stCondLst>
+                                        </p:cTn>
+                                        <p:tgtEl>
+                                          <p:spTgt spid="3">
+                                            <p:txEl>
+                                              <p:pRg st="20" end="20"/>
+                                            </p:txEl>
+                                          </p:spTgt>
+                                        </p:tgtEl>
+                                        <p:attrNameLst>
+                                          <p:attrName>style.visibility</p:attrName>
+                                        </p:attrNameLst>
+                                      </p:cBhvr>
+                                      <p:to>
+                                        <p:strVal val="visible"/>
+                                      </p:to>
+                                    </p:set>
+                                    <p:animEffect transition="in" filter="fade">
+                                      <p:cBhvr>
+                                        <p:cTn id="63" dur="500"/>
+                                        <p:tgtEl>
+                                          <p:spTgt spid="3">
+                                            <p:txEl>
+                                              <p:pRg st="20" end="20"/>
+                                            </p:txEl>
+                                          </p:spTgt>
+                                        </p:tgtEl>
+                                      </p:cBhvr>
+                                    </p:animEffect>
+                                  </p:childTnLst>
+                                </p:cTn>
+                              </p:par>
+                              <p:par>
+                                <p:cTn id="64" presetID="10" presetClass="entr" presetSubtype="0" fill="hold" nodeType="withEffect">
+                                  <p:stCondLst>
+                                    <p:cond delay="0"/>
+                                  </p:stCondLst>
+                                  <p:childTnLst>
+                                    <p:set>
+                                      <p:cBhvr>
+                                        <p:cTn id="65" dur="1" fill="hold">
+                                          <p:stCondLst>
+                                            <p:cond delay="0"/>
+                                          </p:stCondLst>
+                                        </p:cTn>
+                                        <p:tgtEl>
+                                          <p:spTgt spid="3">
+                                            <p:txEl>
+                                              <p:pRg st="21" end="21"/>
+                                            </p:txEl>
+                                          </p:spTgt>
+                                        </p:tgtEl>
+                                        <p:attrNameLst>
+                                          <p:attrName>style.visibility</p:attrName>
+                                        </p:attrNameLst>
+                                      </p:cBhvr>
+                                      <p:to>
+                                        <p:strVal val="visible"/>
+                                      </p:to>
+                                    </p:set>
+                                    <p:animEffect transition="in" filter="fade">
+                                      <p:cBhvr>
+                                        <p:cTn id="66" dur="500"/>
+                                        <p:tgtEl>
+                                          <p:spTgt spid="3">
+                                            <p:txEl>
+                                              <p:pRg st="21" end="21"/>
+                                            </p:txEl>
+                                          </p:spTgt>
+                                        </p:tgtEl>
+                                      </p:cBhvr>
+                                    </p:animEffect>
+                                  </p:childTnLst>
+                                </p:cTn>
+                              </p:par>
+                            </p:childTnLst>
+                          </p:cTn>
+                        </p:par>
+                      </p:childTnLst>
+                    </p:cTn>
+                  </p:par>
+                </p:childTnLst>
+              </p:cTn>
+              <p:prevCondLst>
+                <p:cond evt="onPrev" delay="0">
+                  <p:tgtEl>
+                    <p:sldTgt/>
+                  </p:tgtEl>
+                </p:cond>
+              </p:prevCondLst>
+              <p:nextCondLst>
+                <p:cond evt="onNext" delay="0">
+                  <p:tgtEl>
+                    <p:sldTgt/>
+                  </p:tgtEl>
+                </p:cond>
+              </p:nextCondLst>
+            </p:seq>
+          </p:childTnLst>
+        </p:cTn>
       </p:par>
     </p:tnLst>
   </p:timing>
@@ -4598,7 +7985,7 @@
       </p:grpSpPr>
       <p:sp>
         <p:nvSpPr>
-          <p:cNvPr id="4" name="Title 3"/>
+          <p:cNvPr id="2" name="Title 1"/>
           <p:cNvSpPr>
             <a:spLocks noGrp="1"/>
           </p:cNvSpPr>
@@ -4612,8 +7999,8 @@
           <a:lstStyle/>
           <a:p>
             <a:r>
-              <a:rPr lang="en-US" dirty="0" smtClean="0"/>
-              <a:t>Model-View-Presenter</a:t>
+              <a:rPr lang="ru-RU" dirty="0" smtClean="0"/>
+              <a:t>Приложение</a:t>
             </a:r>
             <a:endParaRPr lang="ru-RU" dirty="0"/>
           </a:p>
@@ -4621,43 +8008,227 @@
       </p:sp>
       <p:sp>
         <p:nvSpPr>
-          <p:cNvPr id="5" name="Text Placeholder 4"/>
-          <p:cNvSpPr>
-            <a:spLocks noGrp="1"/>
-          </p:cNvSpPr>
-          <p:nvPr>
-            <p:ph type="body" idx="1"/>
-          </p:nvPr>
-        </p:nvSpPr>
-        <p:spPr/>
-        <p:txBody>
-          <a:bodyPr/>
+          <p:cNvPr id="3" name="Rectangle 2"/>
+          <p:cNvSpPr/>
+          <p:nvPr/>
+        </p:nvSpPr>
+        <p:spPr>
+          <a:xfrm>
+            <a:off x="457200" y="2060848"/>
+            <a:ext cx="6030416" cy="2862322"/>
+          </a:xfrm>
+          <a:prstGeom prst="rect">
+            <a:avLst/>
+          </a:prstGeom>
+        </p:spPr>
+        <p:txBody>
+          <a:bodyPr wrap="square">
+            <a:spAutoFit/>
+          </a:bodyPr>
           <a:lstStyle/>
           <a:p>
             <a:r>
-              <a:rPr lang="en-US" dirty="0" smtClean="0"/>
-              <a:t>MVP = </a:t>
-            </a:r>
-            <a:r>
-              <a:rPr lang="en-US" dirty="0" err="1" smtClean="0"/>
-              <a:t>SupervisingController</a:t>
-            </a:r>
-            <a:r>
-              <a:rPr lang="en-US" dirty="0" smtClean="0"/>
-              <a:t> + </a:t>
-            </a:r>
-            <a:r>
-              <a:rPr lang="en-US" dirty="0" err="1" smtClean="0"/>
-              <a:t>PassiveView</a:t>
-            </a:r>
-            <a:endParaRPr lang="ru-RU" dirty="0"/>
+              <a:rPr lang="ru-RU" dirty="0" err="1">
+                <a:latin typeface="Consolas" panose="020B0609020204030204" pitchFamily="49" charset="0"/>
+              </a:rPr>
+              <a:t>app</a:t>
+            </a:r>
+            <a:r>
+              <a:rPr lang="ru-RU" dirty="0">
+                <a:latin typeface="Consolas" panose="020B0609020204030204" pitchFamily="49" charset="0"/>
+              </a:rPr>
+              <a:t> = </a:t>
+            </a:r>
+            <a:r>
+              <a:rPr lang="ru-RU" dirty="0" err="1">
+                <a:latin typeface="Consolas" panose="020B0609020204030204" pitchFamily="49" charset="0"/>
+              </a:rPr>
+              <a:t>QtGui.QApplication</a:t>
+            </a:r>
+            <a:r>
+              <a:rPr lang="ru-RU" dirty="0">
+                <a:latin typeface="Consolas" panose="020B0609020204030204" pitchFamily="49" charset="0"/>
+              </a:rPr>
+              <a:t>(</a:t>
+            </a:r>
+            <a:r>
+              <a:rPr lang="ru-RU" dirty="0" err="1">
+                <a:latin typeface="Consolas" panose="020B0609020204030204" pitchFamily="49" charset="0"/>
+              </a:rPr>
+              <a:t>sys.argv</a:t>
+            </a:r>
+            <a:r>
+              <a:rPr lang="ru-RU" dirty="0">
+                <a:latin typeface="Consolas" panose="020B0609020204030204" pitchFamily="49" charset="0"/>
+              </a:rPr>
+              <a:t>)</a:t>
+            </a:r>
+          </a:p>
+          <a:p>
+            <a:endParaRPr lang="ru-RU" dirty="0">
+              <a:latin typeface="Consolas" panose="020B0609020204030204" pitchFamily="49" charset="0"/>
+            </a:endParaRPr>
+          </a:p>
+          <a:p>
+            <a:r>
+              <a:rPr lang="ru-RU" dirty="0" err="1">
+                <a:latin typeface="Consolas" panose="020B0609020204030204" pitchFamily="49" charset="0"/>
+              </a:rPr>
+              <a:t>document</a:t>
+            </a:r>
+            <a:r>
+              <a:rPr lang="ru-RU" dirty="0">
+                <a:latin typeface="Consolas" panose="020B0609020204030204" pitchFamily="49" charset="0"/>
+              </a:rPr>
+              <a:t> = </a:t>
+            </a:r>
+            <a:r>
+              <a:rPr lang="ru-RU" dirty="0" err="1">
+                <a:latin typeface="Consolas" panose="020B0609020204030204" pitchFamily="49" charset="0"/>
+              </a:rPr>
+              <a:t>CounterDocument</a:t>
+            </a:r>
+            <a:r>
+              <a:rPr lang="ru-RU" dirty="0">
+                <a:latin typeface="Consolas" panose="020B0609020204030204" pitchFamily="49" charset="0"/>
+              </a:rPr>
+              <a:t>()</a:t>
+            </a:r>
+          </a:p>
+          <a:p>
+            <a:r>
+              <a:rPr lang="ru-RU" dirty="0" err="1">
+                <a:latin typeface="Consolas" panose="020B0609020204030204" pitchFamily="49" charset="0"/>
+              </a:rPr>
+              <a:t>counter</a:t>
+            </a:r>
+            <a:r>
+              <a:rPr lang="ru-RU" dirty="0">
+                <a:latin typeface="Consolas" panose="020B0609020204030204" pitchFamily="49" charset="0"/>
+              </a:rPr>
+              <a:t> = </a:t>
+            </a:r>
+            <a:r>
+              <a:rPr lang="ru-RU" dirty="0" err="1">
+                <a:latin typeface="Consolas" panose="020B0609020204030204" pitchFamily="49" charset="0"/>
+              </a:rPr>
+              <a:t>CounterView</a:t>
+            </a:r>
+            <a:r>
+              <a:rPr lang="ru-RU" dirty="0">
+                <a:latin typeface="Consolas" panose="020B0609020204030204" pitchFamily="49" charset="0"/>
+              </a:rPr>
+              <a:t>(</a:t>
+            </a:r>
+            <a:r>
+              <a:rPr lang="ru-RU" dirty="0" err="1">
+                <a:latin typeface="Consolas" panose="020B0609020204030204" pitchFamily="49" charset="0"/>
+              </a:rPr>
+              <a:t>document</a:t>
+            </a:r>
+            <a:r>
+              <a:rPr lang="ru-RU" dirty="0">
+                <a:latin typeface="Consolas" panose="020B0609020204030204" pitchFamily="49" charset="0"/>
+              </a:rPr>
+              <a:t>)</a:t>
+            </a:r>
+          </a:p>
+          <a:p>
+            <a:r>
+              <a:rPr lang="ru-RU" dirty="0" err="1">
+                <a:latin typeface="Consolas" panose="020B0609020204030204" pitchFamily="49" charset="0"/>
+              </a:rPr>
+              <a:t>progress</a:t>
+            </a:r>
+            <a:r>
+              <a:rPr lang="ru-RU" dirty="0">
+                <a:latin typeface="Consolas" panose="020B0609020204030204" pitchFamily="49" charset="0"/>
+              </a:rPr>
+              <a:t> = </a:t>
+            </a:r>
+            <a:r>
+              <a:rPr lang="ru-RU" dirty="0" err="1">
+                <a:latin typeface="Consolas" panose="020B0609020204030204" pitchFamily="49" charset="0"/>
+              </a:rPr>
+              <a:t>ProgressBarView</a:t>
+            </a:r>
+            <a:r>
+              <a:rPr lang="ru-RU" dirty="0">
+                <a:latin typeface="Consolas" panose="020B0609020204030204" pitchFamily="49" charset="0"/>
+              </a:rPr>
+              <a:t>(</a:t>
+            </a:r>
+            <a:r>
+              <a:rPr lang="ru-RU" dirty="0" err="1">
+                <a:latin typeface="Consolas" panose="020B0609020204030204" pitchFamily="49" charset="0"/>
+              </a:rPr>
+              <a:t>document</a:t>
+            </a:r>
+            <a:r>
+              <a:rPr lang="ru-RU" dirty="0">
+                <a:latin typeface="Consolas" panose="020B0609020204030204" pitchFamily="49" charset="0"/>
+              </a:rPr>
+              <a:t>)</a:t>
+            </a:r>
+          </a:p>
+          <a:p>
+            <a:endParaRPr lang="ru-RU" dirty="0">
+              <a:latin typeface="Consolas" panose="020B0609020204030204" pitchFamily="49" charset="0"/>
+            </a:endParaRPr>
+          </a:p>
+          <a:p>
+            <a:r>
+              <a:rPr lang="ru-RU" dirty="0" err="1">
+                <a:latin typeface="Consolas" panose="020B0609020204030204" pitchFamily="49" charset="0"/>
+              </a:rPr>
+              <a:t>counter.show</a:t>
+            </a:r>
+            <a:r>
+              <a:rPr lang="ru-RU" dirty="0">
+                <a:latin typeface="Consolas" panose="020B0609020204030204" pitchFamily="49" charset="0"/>
+              </a:rPr>
+              <a:t>()</a:t>
+            </a:r>
+          </a:p>
+          <a:p>
+            <a:r>
+              <a:rPr lang="ru-RU" dirty="0" err="1">
+                <a:latin typeface="Consolas" panose="020B0609020204030204" pitchFamily="49" charset="0"/>
+              </a:rPr>
+              <a:t>progress.show</a:t>
+            </a:r>
+            <a:r>
+              <a:rPr lang="ru-RU" dirty="0">
+                <a:latin typeface="Consolas" panose="020B0609020204030204" pitchFamily="49" charset="0"/>
+              </a:rPr>
+              <a:t>()</a:t>
+            </a:r>
+          </a:p>
+          <a:p>
+            <a:endParaRPr lang="ru-RU" dirty="0">
+              <a:latin typeface="Consolas" panose="020B0609020204030204" pitchFamily="49" charset="0"/>
+            </a:endParaRPr>
+          </a:p>
+          <a:p>
+            <a:r>
+              <a:rPr lang="ru-RU" dirty="0" err="1">
+                <a:latin typeface="Consolas" panose="020B0609020204030204" pitchFamily="49" charset="0"/>
+              </a:rPr>
+              <a:t>app.exec</a:t>
+            </a:r>
+            <a:r>
+              <a:rPr lang="ru-RU" dirty="0">
+                <a:latin typeface="Consolas" panose="020B0609020204030204" pitchFamily="49" charset="0"/>
+              </a:rPr>
+              <a:t>_()</a:t>
+            </a:r>
           </a:p>
         </p:txBody>
       </p:sp>
     </p:spTree>
     <p:extLst>
       <p:ext uri="{BB962C8B-B14F-4D97-AF65-F5344CB8AC3E}">
-        <p14:creationId xmlns:p14="http://schemas.microsoft.com/office/powerpoint/2010/main" val="222091884"/>
+        <p14:creationId xmlns:p14="http://schemas.microsoft.com/office/powerpoint/2010/main" val="1360266261"/>
       </p:ext>
     </p:extLst>
   </p:cSld>
@@ -4693,7 +8264,7 @@
       </p:grpSpPr>
       <p:sp>
         <p:nvSpPr>
-          <p:cNvPr id="2" name="Title 1"/>
+          <p:cNvPr id="3" name="Title 2"/>
           <p:cNvSpPr>
             <a:spLocks noGrp="1"/>
           </p:cNvSpPr>
@@ -4707,51 +8278,40 @@
           <a:lstStyle/>
           <a:p>
             <a:r>
-              <a:rPr lang="en-US" dirty="0" smtClean="0">
-                <a:hlinkClick r:id="rId2"/>
-              </a:rPr>
-              <a:t>Model-View-Presenter</a:t>
+              <a:rPr lang="ru-RU" dirty="0" smtClean="0"/>
+              <a:t>Традиционный </a:t>
             </a:r>
             <a:r>
               <a:rPr lang="en-US" dirty="0" smtClean="0"/>
-              <a:t> vs MVC</a:t>
+              <a:t>MVC</a:t>
             </a:r>
             <a:endParaRPr lang="ru-RU" dirty="0"/>
           </a:p>
         </p:txBody>
       </p:sp>
-      <p:pic>
-        <p:nvPicPr>
-          <p:cNvPr id="4" name="Content Placeholder 3"/>
-          <p:cNvPicPr>
-            <a:picLocks noGrp="1" noChangeAspect="1"/>
-          </p:cNvPicPr>
+      <p:sp>
+        <p:nvSpPr>
+          <p:cNvPr id="4" name="Text Placeholder 3"/>
+          <p:cNvSpPr>
+            <a:spLocks noGrp="1"/>
+          </p:cNvSpPr>
           <p:nvPr>
-            <p:ph idx="1"/>
+            <p:ph type="body" idx="1"/>
           </p:nvPr>
-        </p:nvPicPr>
-        <p:blipFill rotWithShape="1">
-          <a:blip r:embed="rId3">
-            <a:extLst>
-              <a:ext uri="{28A0092B-C50C-407E-A947-70E740481C1C}">
-                <a14:useLocalDpi xmlns:a14="http://schemas.microsoft.com/office/drawing/2010/main" val="0"/>
-              </a:ext>
-            </a:extLst>
-          </a:blip>
-          <a:srcRect l="4052" t="4626" r="19368" b="40894"/>
-          <a:stretch/>
-        </p:blipFill>
-        <p:spPr>
-          <a:xfrm>
-            <a:off x="179512" y="1844824"/>
-            <a:ext cx="8280920" cy="3622903"/>
-          </a:xfrm>
-        </p:spPr>
-      </p:pic>
+        </p:nvSpPr>
+        <p:spPr/>
+        <p:txBody>
+          <a:bodyPr/>
+          <a:lstStyle/>
+          <a:p>
+            <a:endParaRPr lang="ru-RU"/>
+          </a:p>
+        </p:txBody>
+      </p:sp>
     </p:spTree>
     <p:extLst>
       <p:ext uri="{BB962C8B-B14F-4D97-AF65-F5344CB8AC3E}">
-        <p14:creationId xmlns:p14="http://schemas.microsoft.com/office/powerpoint/2010/main" val="2117684116"/>
+        <p14:creationId xmlns:p14="http://schemas.microsoft.com/office/powerpoint/2010/main" val="1228689913"/>
       </p:ext>
     </p:extLst>
   </p:cSld>
@@ -4787,7 +8347,7 @@
       </p:grpSpPr>
       <p:sp>
         <p:nvSpPr>
-          <p:cNvPr id="2" name="Title 1"/>
+          <p:cNvPr id="4" name="Title 3"/>
           <p:cNvSpPr>
             <a:spLocks noGrp="1"/>
           </p:cNvSpPr>
@@ -4800,80 +8360,44 @@
           <a:bodyPr/>
           <a:lstStyle/>
           <a:p>
-            <a:r>
-              <a:rPr lang="en-US" dirty="0" smtClean="0"/>
-              <a:t>Presenter</a:t>
-            </a:r>
-            <a:endParaRPr lang="ru-RU" dirty="0"/>
-          </a:p>
-        </p:txBody>
-      </p:sp>
-      <p:sp>
-        <p:nvSpPr>
-          <p:cNvPr id="3" name="Content Placeholder 2"/>
-          <p:cNvSpPr>
-            <a:spLocks noGrp="1"/>
-          </p:cNvSpPr>
-          <p:nvPr>
-            <p:ph idx="1"/>
-          </p:nvPr>
-        </p:nvSpPr>
-        <p:spPr/>
-        <p:txBody>
-          <a:bodyPr/>
-          <a:lstStyle/>
-          <a:p>
-            <a:r>
-              <a:rPr lang="ru-RU" dirty="0" smtClean="0"/>
-              <a:t>Хранит визуальное состояние и обновляет его при изменении </a:t>
-            </a:r>
-            <a:r>
-              <a:rPr lang="en-US" dirty="0" smtClean="0"/>
-              <a:t>Domain Model</a:t>
-            </a:r>
-            <a:endParaRPr lang="ru-RU" dirty="0" smtClean="0"/>
-          </a:p>
-          <a:p>
-            <a:r>
-              <a:rPr lang="ru-RU" dirty="0" smtClean="0"/>
-              <a:t>Конвертирует бизнес-правила в визуальное представление</a:t>
-            </a:r>
-          </a:p>
-          <a:p>
-            <a:r>
-              <a:rPr lang="ru-RU" dirty="0" smtClean="0"/>
-              <a:t>Обрабатывает состояние </a:t>
-            </a:r>
-            <a:r>
-              <a:rPr lang="en-US" dirty="0" smtClean="0"/>
-              <a:t>Selection </a:t>
-            </a:r>
-            <a:r>
-              <a:rPr lang="ru-RU" dirty="0" smtClean="0"/>
-              <a:t>и применяет действия к выделенной части модели</a:t>
-            </a:r>
-          </a:p>
-          <a:p>
-            <a:r>
-              <a:rPr lang="ru-RU" dirty="0" smtClean="0"/>
-              <a:t>Обрабатывает события от </a:t>
-            </a:r>
-            <a:r>
-              <a:rPr lang="en-US" dirty="0" smtClean="0"/>
-              <a:t>View </a:t>
-            </a:r>
-            <a:r>
-              <a:rPr lang="ru-RU" dirty="0" smtClean="0"/>
-              <a:t>и модифицирует модель</a:t>
-            </a:r>
-            <a:endParaRPr lang="ru-RU" dirty="0"/>
-          </a:p>
-        </p:txBody>
-      </p:sp>
+            <a:endParaRPr lang="ru-RU"/>
+          </a:p>
+        </p:txBody>
+      </p:sp>
+      <p:pic>
+        <p:nvPicPr>
+          <p:cNvPr id="5" name="Picture 4"/>
+          <p:cNvPicPr>
+            <a:picLocks noChangeAspect="1"/>
+          </p:cNvPicPr>
+          <p:nvPr/>
+        </p:nvPicPr>
+        <p:blipFill>
+          <a:blip r:embed="rId2" cstate="print">
+            <a:extLst>
+              <a:ext uri="{28A0092B-C50C-407E-A947-70E740481C1C}">
+                <a14:useLocalDpi xmlns:a14="http://schemas.microsoft.com/office/drawing/2010/main" val="0"/>
+              </a:ext>
+            </a:extLst>
+          </a:blip>
+          <a:stretch>
+            <a:fillRect/>
+          </a:stretch>
+        </p:blipFill>
+        <p:spPr>
+          <a:xfrm>
+            <a:off x="1804410" y="1628800"/>
+            <a:ext cx="5535179" cy="5026162"/>
+          </a:xfrm>
+          <a:prstGeom prst="rect">
+            <a:avLst/>
+          </a:prstGeom>
+        </p:spPr>
+      </p:pic>
     </p:spTree>
     <p:extLst>
       <p:ext uri="{BB962C8B-B14F-4D97-AF65-F5344CB8AC3E}">
-        <p14:creationId xmlns:p14="http://schemas.microsoft.com/office/powerpoint/2010/main" val="1639033082"/>
+        <p14:creationId xmlns:p14="http://schemas.microsoft.com/office/powerpoint/2010/main" val="3191883379"/>
       </p:ext>
     </p:extLst>
   </p:cSld>
@@ -4909,7 +8433,7 @@
       </p:grpSpPr>
       <p:sp>
         <p:nvSpPr>
-          <p:cNvPr id="2" name="Title 1"/>
+          <p:cNvPr id="2" name="Заголовок 1"/>
           <p:cNvSpPr>
             <a:spLocks noGrp="1"/>
           </p:cNvSpPr>
@@ -4923,12 +8447,12 @@
           <a:lstStyle/>
           <a:p>
             <a:r>
-              <a:rPr lang="ru-RU" dirty="0" smtClean="0"/>
-              <a:t>Подход </a:t>
-            </a:r>
-            <a:r>
-              <a:rPr lang="en-US" dirty="0" err="1" smtClean="0"/>
-              <a:t>PresenterFirst</a:t>
+              <a:rPr lang="ru-RU" dirty="0"/>
+              <a:t>Модель </a:t>
+            </a:r>
+            <a:r>
+              <a:rPr lang="en-US" dirty="0"/>
+              <a:t>(Model)</a:t>
             </a:r>
             <a:endParaRPr lang="ru-RU" dirty="0"/>
           </a:p>
@@ -4936,7 +8460,7 @@
       </p:sp>
       <p:sp>
         <p:nvSpPr>
-          <p:cNvPr id="3" name="Content Placeholder 2"/>
+          <p:cNvPr id="3" name="Объект 2"/>
           <p:cNvSpPr>
             <a:spLocks noGrp="1"/>
           </p:cNvSpPr>
@@ -4946,121 +8470,64 @@
         </p:nvSpPr>
         <p:spPr/>
         <p:txBody>
-          <a:bodyPr>
-            <a:normAutofit fontScale="92500" lnSpcReduction="20000"/>
-          </a:bodyPr>
+          <a:bodyPr/>
           <a:lstStyle/>
           <a:p>
             <a:r>
-              <a:rPr lang="ru-RU" dirty="0" smtClean="0"/>
-              <a:t>Подход к реализации </a:t>
-            </a:r>
-            <a:r>
-              <a:rPr lang="en-US" dirty="0" smtClean="0"/>
-              <a:t>MVP</a:t>
-            </a:r>
-            <a:r>
-              <a:rPr lang="ru-RU" dirty="0" smtClean="0"/>
-              <a:t>, при котором программист изначально фокусируется на разработке </a:t>
-            </a:r>
-            <a:r>
-              <a:rPr lang="en-US" dirty="0" smtClean="0"/>
-              <a:t>Presenter</a:t>
+              <a:rPr lang="ru-RU" dirty="0"/>
+              <a:t>Управляет данными, логикой приложения</a:t>
+            </a:r>
+          </a:p>
+          <a:p>
+            <a:r>
+              <a:rPr lang="ru-RU" dirty="0"/>
+              <a:t>Виды</a:t>
             </a:r>
           </a:p>
           <a:p>
             <a:pPr lvl="1"/>
             <a:r>
-              <a:rPr lang="en-US" dirty="0" smtClean="0"/>
-              <a:t>Presenter</a:t>
-            </a:r>
-            <a:r>
-              <a:rPr lang="ru-RU" dirty="0" smtClean="0"/>
-              <a:t> не имеет состояния (использует</a:t>
-            </a:r>
-            <a:r>
-              <a:rPr lang="en-US" dirty="0" smtClean="0"/>
-              <a:t> View </a:t>
-            </a:r>
-            <a:r>
-              <a:rPr lang="ru-RU" dirty="0" smtClean="0"/>
-              <a:t>и </a:t>
-            </a:r>
-            <a:r>
-              <a:rPr lang="en-US" dirty="0" smtClean="0"/>
-              <a:t>Model)</a:t>
+              <a:rPr lang="ru-RU" dirty="0"/>
+              <a:t>Пассивная модель</a:t>
             </a:r>
           </a:p>
           <a:p>
             <a:pPr lvl="2"/>
             <a:r>
-              <a:rPr lang="ru-RU" dirty="0" smtClean="0"/>
-              <a:t>В этом случае </a:t>
-            </a:r>
-            <a:r>
-              <a:rPr lang="en-US" dirty="0" smtClean="0"/>
-              <a:t>Presenter </a:t>
-            </a:r>
-            <a:r>
-              <a:rPr lang="ru-RU" dirty="0" smtClean="0"/>
-              <a:t>может вообще не иметь публичных методов</a:t>
+              <a:rPr lang="ru-RU" dirty="0"/>
+              <a:t>Лишь хранит данные</a:t>
+            </a:r>
+          </a:p>
+          <a:p>
+            <a:pPr lvl="2"/>
+            <a:r>
+              <a:rPr lang="ru-RU" dirty="0"/>
+              <a:t>Не имеет способов воздействия на контроллер/представление</a:t>
             </a:r>
           </a:p>
           <a:p>
             <a:pPr lvl="1"/>
             <a:r>
-              <a:rPr lang="ru-RU" dirty="0" smtClean="0"/>
-              <a:t>Учитываются пожелания пользователей</a:t>
-            </a:r>
-            <a:endParaRPr lang="en-US" dirty="0" smtClean="0"/>
-          </a:p>
-          <a:p>
-            <a:pPr lvl="1"/>
-            <a:r>
-              <a:rPr lang="ru-RU" dirty="0" smtClean="0"/>
-              <a:t>В процессе разработки формируются интерфейсы модели и </a:t>
-            </a:r>
-            <a:r>
-              <a:rPr lang="en-US" dirty="0" smtClean="0"/>
-              <a:t>View</a:t>
-            </a:r>
-          </a:p>
-          <a:p>
-            <a:pPr lvl="1"/>
-            <a:r>
-              <a:rPr lang="ru-RU" dirty="0" smtClean="0"/>
-              <a:t>Требуется тщательное тестирование</a:t>
+              <a:rPr lang="ru-RU" dirty="0"/>
+              <a:t>Активная модель</a:t>
             </a:r>
           </a:p>
           <a:p>
             <a:pPr lvl="2"/>
             <a:r>
-              <a:rPr lang="ru-RU" dirty="0" smtClean="0"/>
-              <a:t>При тестировании вместо </a:t>
-            </a:r>
-            <a:r>
-              <a:rPr lang="en-US" dirty="0" smtClean="0"/>
-              <a:t>model </a:t>
-            </a:r>
-            <a:r>
-              <a:rPr lang="ru-RU" dirty="0" smtClean="0"/>
-              <a:t>и </a:t>
-            </a:r>
-            <a:r>
-              <a:rPr lang="en-US" dirty="0" smtClean="0"/>
-              <a:t>view </a:t>
-            </a:r>
-            <a:r>
-              <a:rPr lang="ru-RU" dirty="0" smtClean="0"/>
-              <a:t>передаются </a:t>
-            </a:r>
-            <a:r>
-              <a:rPr lang="en-US" dirty="0" smtClean="0"/>
-              <a:t>mock-</a:t>
-            </a:r>
-            <a:r>
-              <a:rPr lang="ru-RU" dirty="0" smtClean="0"/>
-              <a:t>и</a:t>
+              <a:rPr lang="ru-RU" dirty="0"/>
+              <a:t>Оповещает представления о произошедших в ней изменениях</a:t>
+            </a:r>
+          </a:p>
+          <a:p>
+            <a:pPr lvl="2"/>
+            <a:r>
+              <a:rPr lang="ru-RU" dirty="0"/>
+              <a:t>Классическое понимание модели в </a:t>
+            </a:r>
+            <a:r>
+              <a:rPr lang="en-US" dirty="0"/>
+              <a:t>MVC</a:t>
             </a:r>
             <a:endParaRPr lang="ru-RU" dirty="0"/>
           </a:p>
@@ -5069,7 +8536,7 @@
     </p:spTree>
     <p:extLst>
       <p:ext uri="{BB962C8B-B14F-4D97-AF65-F5344CB8AC3E}">
-        <p14:creationId xmlns:p14="http://schemas.microsoft.com/office/powerpoint/2010/main" val="3054116969"/>
+        <p14:creationId xmlns:p14="http://schemas.microsoft.com/office/powerpoint/2010/main" val="3851214635"/>
       </p:ext>
     </p:extLst>
   </p:cSld>
@@ -5105,7 +8572,7 @@
       </p:grpSpPr>
       <p:sp>
         <p:nvSpPr>
-          <p:cNvPr id="4" name="Title 3"/>
+          <p:cNvPr id="2" name="Title 1"/>
           <p:cNvSpPr>
             <a:spLocks noGrp="1"/>
           </p:cNvSpPr>
@@ -5115,12 +8582,14 @@
         </p:nvSpPr>
         <p:spPr/>
         <p:txBody>
-          <a:bodyPr/>
+          <a:bodyPr>
+            <a:normAutofit/>
+          </a:bodyPr>
           <a:lstStyle/>
           <a:p>
             <a:r>
-              <a:rPr lang="en-US" dirty="0" smtClean="0"/>
-              <a:t>MVVM</a:t>
+              <a:rPr lang="ru-RU" dirty="0" smtClean="0"/>
+              <a:t>Виды модели</a:t>
             </a:r>
             <a:endParaRPr lang="ru-RU" dirty="0"/>
           </a:p>
@@ -5128,12 +8597,12 @@
       </p:sp>
       <p:sp>
         <p:nvSpPr>
-          <p:cNvPr id="5" name="Text Placeholder 4"/>
+          <p:cNvPr id="3" name="Content Placeholder 2"/>
           <p:cNvSpPr>
             <a:spLocks noGrp="1"/>
           </p:cNvSpPr>
           <p:nvPr>
-            <p:ph type="body" idx="1"/>
+            <p:ph idx="1"/>
           </p:nvPr>
         </p:nvSpPr>
         <p:spPr/>
@@ -5141,14 +8610,59 @@
           <a:bodyPr/>
           <a:lstStyle/>
           <a:p>
-            <a:endParaRPr lang="ru-RU"/>
+            <a:r>
+              <a:rPr lang="ru-RU" dirty="0" smtClean="0"/>
+              <a:t>Пассивная модель</a:t>
+            </a:r>
+          </a:p>
+          <a:p>
+            <a:pPr lvl="1"/>
+            <a:r>
+              <a:rPr lang="ru-RU" dirty="0" smtClean="0"/>
+              <a:t>Не имеет механизмов уведомления о своём изменении</a:t>
+            </a:r>
+          </a:p>
+          <a:p>
+            <a:pPr lvl="2"/>
+            <a:r>
+              <a:rPr lang="ru-RU" dirty="0" smtClean="0"/>
+              <a:t>Эту задачу выполняет Контроллер</a:t>
+            </a:r>
+          </a:p>
+          <a:p>
+            <a:pPr lvl="1"/>
+            <a:r>
+              <a:rPr lang="ru-RU" dirty="0" smtClean="0"/>
+              <a:t>Хранит лишь данные</a:t>
+            </a:r>
+          </a:p>
+          <a:p>
+            <a:r>
+              <a:rPr lang="ru-RU" dirty="0" smtClean="0"/>
+              <a:t>Активная модель</a:t>
+            </a:r>
+          </a:p>
+          <a:p>
+            <a:pPr lvl="1"/>
+            <a:r>
+              <a:rPr lang="ru-RU" dirty="0" smtClean="0"/>
+              <a:t>Имеет возможности для уведомления слушателей об изменении</a:t>
+            </a:r>
+          </a:p>
+          <a:p>
+            <a:pPr lvl="1"/>
+            <a:r>
+              <a:rPr lang="ru-RU" dirty="0" smtClean="0"/>
+              <a:t>Традиционный подход к построению модели</a:t>
+            </a:r>
+            <a:endParaRPr lang="ru-RU" dirty="0"/>
           </a:p>
         </p:txBody>
       </p:sp>
     </p:spTree>
     <p:extLst>
       <p:ext uri="{BB962C8B-B14F-4D97-AF65-F5344CB8AC3E}">
-        <p14:creationId xmlns:p14="http://schemas.microsoft.com/office/powerpoint/2010/main" val="3904773133"/>
+        <p14:creationId xmlns:p14="http://schemas.microsoft.com/office/powerpoint/2010/main" val="826270337"/>
       </p:ext>
     </p:extLst>
   </p:cSld>
@@ -5184,7 +8698,7 @@
       </p:grpSpPr>
       <p:sp>
         <p:nvSpPr>
-          <p:cNvPr id="4" name="Title 3"/>
+          <p:cNvPr id="2" name="Title 1"/>
           <p:cNvSpPr>
             <a:spLocks noGrp="1"/>
           </p:cNvSpPr>
@@ -5198,112 +8712,46 @@
           <a:lstStyle/>
           <a:p>
             <a:r>
-              <a:rPr lang="en-US" dirty="0" smtClean="0">
-                <a:hlinkClick r:id="rId2"/>
-              </a:rPr>
-              <a:t>Model-View-</a:t>
-            </a:r>
-            <a:r>
-              <a:rPr lang="en-US" dirty="0" err="1" smtClean="0">
-                <a:hlinkClick r:id="rId2"/>
-              </a:rPr>
-              <a:t>ViewModel</a:t>
+              <a:rPr lang="en-US" dirty="0" smtClean="0"/>
+              <a:t>Passive Model</a:t>
             </a:r>
             <a:endParaRPr lang="ru-RU" dirty="0"/>
           </a:p>
         </p:txBody>
       </p:sp>
-      <p:sp>
-        <p:nvSpPr>
-          <p:cNvPr id="5" name="Content Placeholder 4"/>
-          <p:cNvSpPr>
-            <a:spLocks noGrp="1"/>
-          </p:cNvSpPr>
+      <p:pic>
+        <p:nvPicPr>
+          <p:cNvPr id="4" name="Content Placeholder 3"/>
+          <p:cNvPicPr>
+            <a:picLocks noGrp="1" noChangeAspect="1"/>
+          </p:cNvPicPr>
           <p:nvPr>
             <p:ph idx="1"/>
           </p:nvPr>
-        </p:nvSpPr>
-        <p:spPr/>
-        <p:txBody>
-          <a:bodyPr>
-            <a:normAutofit fontScale="92500" lnSpcReduction="20000"/>
-          </a:bodyPr>
-          <a:lstStyle/>
-          <a:p>
-            <a:r>
-              <a:rPr lang="ru-RU" b="1" dirty="0" smtClean="0"/>
-              <a:t>Модель</a:t>
-            </a:r>
-            <a:endParaRPr lang="ru-RU" dirty="0"/>
-          </a:p>
-          <a:p>
-            <a:pPr lvl="1"/>
-            <a:r>
-              <a:rPr lang="ru-RU" dirty="0" smtClean="0"/>
-              <a:t>Отвечает за бизнес-сущности, не зависящие от визуального представления, шлет события о своем изменении</a:t>
-            </a:r>
-          </a:p>
-          <a:p>
-            <a:r>
-              <a:rPr lang="ru-RU" dirty="0" smtClean="0"/>
-              <a:t>Представление</a:t>
-            </a:r>
-          </a:p>
-          <a:p>
-            <a:pPr lvl="1"/>
-            <a:r>
-              <a:rPr lang="ru-RU" dirty="0" smtClean="0"/>
-              <a:t>Формирует </a:t>
-            </a:r>
-            <a:r>
-              <a:rPr lang="en-US" dirty="0" smtClean="0"/>
-              <a:t>UI</a:t>
-            </a:r>
-            <a:r>
-              <a:rPr lang="ru-RU" dirty="0" smtClean="0"/>
-              <a:t>, шлет события в ответ на действия пользователя</a:t>
-            </a:r>
-          </a:p>
-          <a:p>
-            <a:r>
-              <a:rPr lang="ru-RU" dirty="0" smtClean="0"/>
-              <a:t>Модель представления</a:t>
-            </a:r>
-          </a:p>
-          <a:p>
-            <a:pPr lvl="1"/>
-            <a:r>
-              <a:rPr lang="ru-RU" dirty="0" smtClean="0"/>
-              <a:t>Извлекает данные из модели и превращает в формат, требуемый </a:t>
-            </a:r>
-            <a:r>
-              <a:rPr lang="en-US" dirty="0" smtClean="0"/>
-              <a:t>View</a:t>
-            </a:r>
-            <a:r>
-              <a:rPr lang="ru-RU" dirty="0" smtClean="0"/>
-              <a:t>, уведомляет </a:t>
-            </a:r>
-            <a:r>
-              <a:rPr lang="en-US" dirty="0" smtClean="0"/>
-              <a:t>View </a:t>
-            </a:r>
-            <a:r>
-              <a:rPr lang="ru-RU" dirty="0" smtClean="0"/>
-              <a:t>об изменения в модели, обновляет модель в ответ на события от </a:t>
-            </a:r>
-            <a:r>
-              <a:rPr lang="en-US" dirty="0" smtClean="0"/>
-              <a:t>View</a:t>
-            </a:r>
-            <a:endParaRPr lang="ru-RU" dirty="0"/>
-          </a:p>
-        </p:txBody>
-      </p:sp>
+        </p:nvPicPr>
+        <p:blipFill>
+          <a:blip r:embed="rId2" cstate="print">
+            <a:extLst>
+              <a:ext uri="{28A0092B-C50C-407E-A947-70E740481C1C}">
+                <a14:useLocalDpi xmlns:a14="http://schemas.microsoft.com/office/drawing/2010/main" val="0"/>
+              </a:ext>
+            </a:extLst>
+          </a:blip>
+          <a:stretch>
+            <a:fillRect/>
+          </a:stretch>
+        </p:blipFill>
+        <p:spPr>
+          <a:xfrm>
+            <a:off x="1915175" y="1774825"/>
+            <a:ext cx="5313650" cy="4625975"/>
+          </a:xfrm>
+        </p:spPr>
+      </p:pic>
     </p:spTree>
     <p:extLst>
       <p:ext uri="{BB962C8B-B14F-4D97-AF65-F5344CB8AC3E}">
-        <p14:creationId xmlns:p14="http://schemas.microsoft.com/office/powerpoint/2010/main" val="2108277257"/>
+        <p14:creationId xmlns:p14="http://schemas.microsoft.com/office/powerpoint/2010/main" val="3665973958"/>
       </p:ext>
     </p:extLst>
   </p:cSld>
@@ -5349,50 +8797,85 @@
         </p:nvSpPr>
         <p:spPr/>
         <p:txBody>
-          <a:bodyPr/>
+          <a:bodyPr>
+            <a:normAutofit fontScale="90000"/>
+          </a:bodyPr>
           <a:lstStyle/>
           <a:p>
             <a:r>
               <a:rPr lang="ru-RU" dirty="0" smtClean="0"/>
-              <a:t>Структура паттерна</a:t>
+              <a:t>Достоинства и недостатки пассивной модели</a:t>
             </a:r>
             <a:endParaRPr lang="ru-RU" dirty="0"/>
           </a:p>
         </p:txBody>
       </p:sp>
-      <p:pic>
-        <p:nvPicPr>
-          <p:cNvPr id="4" name="Content Placeholder 3"/>
-          <p:cNvPicPr>
-            <a:picLocks noGrp="1" noChangeAspect="1"/>
-          </p:cNvPicPr>
+      <p:sp>
+        <p:nvSpPr>
+          <p:cNvPr id="3" name="Content Placeholder 2"/>
+          <p:cNvSpPr>
+            <a:spLocks noGrp="1"/>
+          </p:cNvSpPr>
           <p:nvPr>
             <p:ph idx="1"/>
           </p:nvPr>
-        </p:nvPicPr>
-        <p:blipFill>
-          <a:blip r:embed="rId2">
-            <a:extLst>
-              <a:ext uri="{28A0092B-C50C-407E-A947-70E740481C1C}">
-                <a14:useLocalDpi xmlns:a14="http://schemas.microsoft.com/office/drawing/2010/main" val="0"/>
-              </a:ext>
-            </a:extLst>
-          </a:blip>
-          <a:stretch>
-            <a:fillRect/>
-          </a:stretch>
-        </p:blipFill>
-        <p:spPr>
-          <a:xfrm>
-            <a:off x="457200" y="2564904"/>
-            <a:ext cx="8240432" cy="3168351"/>
-          </a:xfrm>
-        </p:spPr>
-      </p:pic>
+        </p:nvSpPr>
+        <p:spPr/>
+        <p:txBody>
+          <a:bodyPr/>
+          <a:lstStyle/>
+          <a:p>
+            <a:r>
+              <a:rPr lang="ru-RU" dirty="0" smtClean="0"/>
+              <a:t>Недостатки</a:t>
+            </a:r>
+          </a:p>
+          <a:p>
+            <a:pPr lvl="1"/>
+            <a:r>
+              <a:rPr lang="ru-RU" dirty="0" smtClean="0"/>
+              <a:t>Трудности с синхронизацией нескольких </a:t>
+            </a:r>
+            <a:r>
+              <a:rPr lang="en-US" dirty="0" smtClean="0"/>
+              <a:t>View</a:t>
+            </a:r>
+            <a:r>
+              <a:rPr lang="ru-RU" dirty="0" smtClean="0"/>
+              <a:t>, когда изменении модели со стороны разных контроллеров</a:t>
+            </a:r>
+          </a:p>
+          <a:p>
+            <a:r>
+              <a:rPr lang="ru-RU" dirty="0" smtClean="0"/>
+              <a:t>Достоинства</a:t>
+            </a:r>
+          </a:p>
+          <a:p>
+            <a:pPr lvl="1"/>
+            <a:r>
+              <a:rPr lang="ru-RU" dirty="0" smtClean="0"/>
+              <a:t>Любой объект может играть выступать в роли пассивной модели без внесения изменений</a:t>
+            </a:r>
+          </a:p>
+          <a:p>
+            <a:pPr lvl="1"/>
+            <a:r>
+              <a:rPr lang="ru-RU" dirty="0" smtClean="0"/>
+              <a:t>Лучший контроль над обновлением </a:t>
+            </a:r>
+            <a:r>
+              <a:rPr lang="en-US" dirty="0" smtClean="0"/>
+              <a:t>View</a:t>
+            </a:r>
+            <a:endParaRPr lang="ru-RU" dirty="0" smtClean="0"/>
+          </a:p>
+        </p:txBody>
+      </p:sp>
     </p:spTree>
     <p:extLst>
       <p:ext uri="{BB962C8B-B14F-4D97-AF65-F5344CB8AC3E}">
-        <p14:creationId xmlns:p14="http://schemas.microsoft.com/office/powerpoint/2010/main" val="3907468237"/>
+        <p14:creationId xmlns:p14="http://schemas.microsoft.com/office/powerpoint/2010/main" val="4161308538"/>
       </p:ext>
     </p:extLst>
   </p:cSld>
@@ -5442,80 +8925,49 @@
           <a:lstStyle/>
           <a:p>
             <a:r>
-              <a:rPr lang="ru-RU" smtClean="0"/>
-              <a:t>Ссылки</a:t>
+              <a:rPr lang="ru-RU" dirty="0" smtClean="0"/>
+              <a:t>Активная модель</a:t>
             </a:r>
             <a:endParaRPr lang="ru-RU" dirty="0"/>
           </a:p>
         </p:txBody>
       </p:sp>
-      <p:sp>
-        <p:nvSpPr>
-          <p:cNvPr id="3" name="Content Placeholder 2"/>
-          <p:cNvSpPr>
-            <a:spLocks noGrp="1"/>
-          </p:cNvSpPr>
+      <p:pic>
+        <p:nvPicPr>
+          <p:cNvPr id="6" name="Content Placeholder 5"/>
+          <p:cNvPicPr>
+            <a:picLocks noGrp="1" noChangeAspect="1"/>
+          </p:cNvPicPr>
           <p:nvPr>
             <p:ph idx="1"/>
           </p:nvPr>
-        </p:nvSpPr>
-        <p:spPr/>
-        <p:txBody>
-          <a:bodyPr/>
-          <a:lstStyle/>
-          <a:p>
-            <a:r>
-              <a:rPr lang="en-US" dirty="0" smtClean="0">
-                <a:hlinkClick r:id="rId2"/>
-              </a:rPr>
-              <a:t>Understanding Model-View-Controller</a:t>
-            </a:r>
-            <a:endParaRPr lang="en-US" dirty="0" smtClean="0">
-              <a:hlinkClick r:id="rId3"/>
-            </a:endParaRPr>
-          </a:p>
-          <a:p>
-            <a:r>
-              <a:rPr lang="en-US" dirty="0" smtClean="0">
-                <a:hlinkClick r:id="rId3"/>
-              </a:rPr>
-              <a:t>Everything you wanted to know about MVC and MVP but were afraid to ask</a:t>
-            </a:r>
-            <a:endParaRPr lang="en-US" dirty="0" smtClean="0"/>
-          </a:p>
-          <a:p>
-            <a:r>
-              <a:rPr lang="en-US" dirty="0" smtClean="0">
-                <a:hlinkClick r:id="rId4"/>
-              </a:rPr>
-              <a:t>Supervising Controller</a:t>
-            </a:r>
-            <a:endParaRPr lang="en-US" dirty="0" smtClean="0"/>
-          </a:p>
-          <a:p>
-            <a:r>
-              <a:rPr lang="en-US" dirty="0" smtClean="0">
-                <a:hlinkClick r:id="rId5"/>
-              </a:rPr>
-              <a:t>Passive View</a:t>
-            </a:r>
-            <a:endParaRPr lang="en-US" dirty="0" smtClean="0"/>
-          </a:p>
-          <a:p>
-            <a:r>
-              <a:rPr lang="en-US" dirty="0" smtClean="0">
-                <a:hlinkClick r:id="rId6"/>
-              </a:rPr>
-              <a:t>Retirement note for MVP pattern</a:t>
-            </a:r>
-            <a:endParaRPr lang="ru-RU" dirty="0"/>
-          </a:p>
-        </p:txBody>
-      </p:sp>
+        </p:nvPicPr>
+        <p:blipFill>
+          <a:blip r:embed="rId2" cstate="print">
+            <a:extLst>
+              <a:ext uri="{28A0092B-C50C-407E-A947-70E740481C1C}">
+                <a14:useLocalDpi xmlns:a14="http://schemas.microsoft.com/office/drawing/2010/main" val="0"/>
+              </a:ext>
+            </a:extLst>
+          </a:blip>
+          <a:stretch>
+            <a:fillRect/>
+          </a:stretch>
+        </p:blipFill>
+        <p:spPr>
+          <a:xfrm>
+            <a:off x="1728798" y="1774825"/>
+            <a:ext cx="5686404" cy="4625975"/>
+          </a:xfrm>
+          <a:prstGeom prst="rect">
+            <a:avLst/>
+          </a:prstGeom>
+        </p:spPr>
+      </p:pic>
     </p:spTree>
     <p:extLst>
       <p:ext uri="{BB962C8B-B14F-4D97-AF65-F5344CB8AC3E}">
-        <p14:creationId xmlns:p14="http://schemas.microsoft.com/office/powerpoint/2010/main" val="1321495464"/>
+        <p14:creationId xmlns:p14="http://schemas.microsoft.com/office/powerpoint/2010/main" val="3752438798"/>
       </p:ext>
     </p:extLst>
   </p:cSld>
@@ -5551,7 +9003,7 @@
       </p:grpSpPr>
       <p:sp>
         <p:nvSpPr>
-          <p:cNvPr id="2" name="Заголовок 1"/>
+          <p:cNvPr id="4" name="Title 3"/>
           <p:cNvSpPr>
             <a:spLocks noGrp="1"/>
           </p:cNvSpPr>
@@ -5565,12 +9017,8 @@
           <a:lstStyle/>
           <a:p>
             <a:r>
-              <a:rPr lang="ru-RU" dirty="0"/>
-              <a:t>Модель </a:t>
-            </a:r>
-            <a:r>
-              <a:rPr lang="en-US" dirty="0"/>
-              <a:t>(Model)</a:t>
+              <a:rPr lang="en-US" dirty="0" smtClean="0"/>
+              <a:t>Smart UI</a:t>
             </a:r>
             <a:endParaRPr lang="ru-RU" dirty="0"/>
           </a:p>
@@ -5578,12 +9026,12 @@
       </p:sp>
       <p:sp>
         <p:nvSpPr>
-          <p:cNvPr id="3" name="Объект 2"/>
+          <p:cNvPr id="5" name="Text Placeholder 4"/>
           <p:cNvSpPr>
             <a:spLocks noGrp="1"/>
           </p:cNvSpPr>
           <p:nvPr>
-            <p:ph idx="1"/>
+            <p:ph type="body" idx="1"/>
           </p:nvPr>
         </p:nvSpPr>
         <p:spPr/>
@@ -5591,70 +9039,14 @@
           <a:bodyPr/>
           <a:lstStyle/>
           <a:p>
-            <a:r>
-              <a:rPr lang="ru-RU" dirty="0"/>
-              <a:t>Управляет данными, логикой приложения</a:t>
-            </a:r>
-          </a:p>
-          <a:p>
-            <a:r>
-              <a:rPr lang="ru-RU" dirty="0"/>
-              <a:t>Виды</a:t>
-            </a:r>
-          </a:p>
-          <a:p>
-            <a:pPr lvl="1"/>
-            <a:r>
-              <a:rPr lang="ru-RU" dirty="0"/>
-              <a:t>Пассивная модель</a:t>
-            </a:r>
-          </a:p>
-          <a:p>
-            <a:pPr lvl="2"/>
-            <a:r>
-              <a:rPr lang="ru-RU" dirty="0"/>
-              <a:t>Лишь хранит данные</a:t>
-            </a:r>
-          </a:p>
-          <a:p>
-            <a:pPr lvl="2"/>
-            <a:r>
-              <a:rPr lang="ru-RU" dirty="0"/>
-              <a:t>Не имеет способов воздействия на контроллер/представление</a:t>
-            </a:r>
-          </a:p>
-          <a:p>
-            <a:pPr lvl="1"/>
-            <a:r>
-              <a:rPr lang="ru-RU" dirty="0"/>
-              <a:t>Активная модель</a:t>
-            </a:r>
-          </a:p>
-          <a:p>
-            <a:pPr lvl="2"/>
-            <a:r>
-              <a:rPr lang="ru-RU" dirty="0"/>
-              <a:t>Оповещает представления о произошедших в ней изменениях</a:t>
-            </a:r>
-          </a:p>
-          <a:p>
-            <a:pPr lvl="2"/>
-            <a:r>
-              <a:rPr lang="ru-RU" dirty="0"/>
-              <a:t>Классическое понимание модели в </a:t>
-            </a:r>
-            <a:r>
-              <a:rPr lang="en-US" dirty="0"/>
-              <a:t>MVC</a:t>
-            </a:r>
-            <a:endParaRPr lang="ru-RU" dirty="0"/>
+            <a:endParaRPr lang="ru-RU"/>
           </a:p>
         </p:txBody>
       </p:sp>
     </p:spTree>
     <p:extLst>
       <p:ext uri="{BB962C8B-B14F-4D97-AF65-F5344CB8AC3E}">
-        <p14:creationId xmlns:p14="http://schemas.microsoft.com/office/powerpoint/2010/main" val="3851214635"/>
+        <p14:creationId xmlns:p14="http://schemas.microsoft.com/office/powerpoint/2010/main" val="3917071607"/>
       </p:ext>
     </p:extLst>
   </p:cSld>
@@ -5671,7 +9063,7 @@
 </p:sld>
 </file>
 
-<file path=ppt/slides/slide3.xml><?xml version="1.0" encoding="utf-8"?>
+<file path=ppt/slides/slide20.xml><?xml version="1.0" encoding="utf-8"?>
 <p:sld xmlns:a="http://schemas.openxmlformats.org/drawingml/2006/main" xmlns:r="http://schemas.openxmlformats.org/officeDocument/2006/relationships" xmlns:p="http://schemas.openxmlformats.org/presentationml/2006/main">
   <p:cSld>
     <p:spTree>
@@ -5784,7 +9176,7 @@
 </p:sld>
 </file>
 
-<file path=ppt/slides/slide4.xml><?xml version="1.0" encoding="utf-8"?>
+<file path=ppt/slides/slide21.xml><?xml version="1.0" encoding="utf-8"?>
 <p:sld xmlns:a="http://schemas.openxmlformats.org/drawingml/2006/main" xmlns:r="http://schemas.openxmlformats.org/officeDocument/2006/relationships" xmlns:p="http://schemas.openxmlformats.org/presentationml/2006/main">
   <p:cSld>
     <p:spTree>
@@ -5863,7 +9255,7 @@
 </p:sld>
 </file>
 
-<file path=ppt/slides/slide5.xml><?xml version="1.0" encoding="utf-8"?>
+<file path=ppt/slides/slide22.xml><?xml version="1.0" encoding="utf-8"?>
 <p:sld xmlns:a="http://schemas.openxmlformats.org/drawingml/2006/main" xmlns:r="http://schemas.openxmlformats.org/officeDocument/2006/relationships" xmlns:p="http://schemas.openxmlformats.org/presentationml/2006/main">
   <p:cSld>
     <p:spTree>
@@ -5951,74 +9343,7 @@
 </p:sld>
 </file>
 
-<file path=ppt/slides/slide6.xml><?xml version="1.0" encoding="utf-8"?>
-<p:sld xmlns:a="http://schemas.openxmlformats.org/drawingml/2006/main" xmlns:r="http://schemas.openxmlformats.org/officeDocument/2006/relationships" xmlns:p="http://schemas.openxmlformats.org/presentationml/2006/main">
-  <p:cSld>
-    <p:spTree>
-      <p:nvGrpSpPr>
-        <p:cNvPr id="1" name=""/>
-        <p:cNvGrpSpPr/>
-        <p:nvPr/>
-      </p:nvGrpSpPr>
-      <p:grpSpPr>
-        <a:xfrm>
-          <a:off x="0" y="0"/>
-          <a:ext cx="0" cy="0"/>
-          <a:chOff x="0" y="0"/>
-          <a:chExt cx="0" cy="0"/>
-        </a:xfrm>
-      </p:grpSpPr>
-      <p:pic>
-        <p:nvPicPr>
-          <p:cNvPr id="5" name="Picture 4"/>
-          <p:cNvPicPr>
-            <a:picLocks noChangeAspect="1"/>
-          </p:cNvPicPr>
-          <p:nvPr/>
-        </p:nvPicPr>
-        <p:blipFill>
-          <a:blip r:embed="rId2" cstate="print">
-            <a:extLst>
-              <a:ext uri="{28A0092B-C50C-407E-A947-70E740481C1C}">
-                <a14:useLocalDpi xmlns:a14="http://schemas.microsoft.com/office/drawing/2010/main" val="0"/>
-              </a:ext>
-            </a:extLst>
-          </a:blip>
-          <a:stretch>
-            <a:fillRect/>
-          </a:stretch>
-        </p:blipFill>
-        <p:spPr>
-          <a:xfrm>
-            <a:off x="611560" y="116632"/>
-            <a:ext cx="7920880" cy="6443185"/>
-          </a:xfrm>
-          <a:prstGeom prst="rect">
-            <a:avLst/>
-          </a:prstGeom>
-        </p:spPr>
-      </p:pic>
-    </p:spTree>
-    <p:extLst>
-      <p:ext uri="{BB962C8B-B14F-4D97-AF65-F5344CB8AC3E}">
-        <p14:creationId xmlns:p14="http://schemas.microsoft.com/office/powerpoint/2010/main" val="3752438798"/>
-      </p:ext>
-    </p:extLst>
-  </p:cSld>
-  <p:clrMapOvr>
-    <a:masterClrMapping/>
-  </p:clrMapOvr>
-  <p:timing>
-    <p:tnLst>
-      <p:par>
-        <p:cTn id="1" dur="indefinite" restart="never" nodeType="tmRoot"/>
-      </p:par>
-    </p:tnLst>
-  </p:timing>
-</p:sld>
-</file>
-
-<file path=ppt/slides/slide7.xml><?xml version="1.0" encoding="utf-8"?>
+<file path=ppt/slides/slide23.xml><?xml version="1.0" encoding="utf-8"?>
 <p:sld xmlns:a="http://schemas.openxmlformats.org/drawingml/2006/main" xmlns:r="http://schemas.openxmlformats.org/officeDocument/2006/relationships" xmlns:p="http://schemas.openxmlformats.org/presentationml/2006/main">
   <p:cSld>
     <p:spTree>
@@ -6097,7 +9422,7 @@
 </p:sld>
 </file>
 
-<file path=ppt/slides/slide8.xml><?xml version="1.0" encoding="utf-8"?>
+<file path=ppt/slides/slide24.xml><?xml version="1.0" encoding="utf-8"?>
 <p:sld xmlns:a="http://schemas.openxmlformats.org/drawingml/2006/main" xmlns:r="http://schemas.openxmlformats.org/officeDocument/2006/relationships" xmlns:p="http://schemas.openxmlformats.org/presentationml/2006/main">
   <p:cSld>
     <p:spTree>
@@ -6201,7 +9526,7 @@
 </p:sld>
 </file>
 
-<file path=ppt/slides/slide9.xml><?xml version="1.0" encoding="utf-8"?>
+<file path=ppt/slides/slide25.xml><?xml version="1.0" encoding="utf-8"?>
 <p:sld xmlns:a="http://schemas.openxmlformats.org/drawingml/2006/main" xmlns:r="http://schemas.openxmlformats.org/officeDocument/2006/relationships" xmlns:p="http://schemas.openxmlformats.org/presentationml/2006/main">
   <p:cSld>
     <p:spTree>
@@ -6297,6 +9622,4021 @@
         <p:cTn id="1" dur="indefinite" restart="never" nodeType="tmRoot"/>
       </p:par>
     </p:tnLst>
+  </p:timing>
+</p:sld>
+</file>
+
+<file path=ppt/slides/slide26.xml><?xml version="1.0" encoding="utf-8"?>
+<p:sld xmlns:a="http://schemas.openxmlformats.org/drawingml/2006/main" xmlns:r="http://schemas.openxmlformats.org/officeDocument/2006/relationships" xmlns:p="http://schemas.openxmlformats.org/presentationml/2006/main">
+  <p:cSld>
+    <p:spTree>
+      <p:nvGrpSpPr>
+        <p:cNvPr id="1" name=""/>
+        <p:cNvGrpSpPr/>
+        <p:nvPr/>
+      </p:nvGrpSpPr>
+      <p:grpSpPr>
+        <a:xfrm>
+          <a:off x="0" y="0"/>
+          <a:ext cx="0" cy="0"/>
+          <a:chOff x="0" y="0"/>
+          <a:chExt cx="0" cy="0"/>
+        </a:xfrm>
+      </p:grpSpPr>
+      <p:sp>
+        <p:nvSpPr>
+          <p:cNvPr id="2" name="Заголовок 1"/>
+          <p:cNvSpPr>
+            <a:spLocks noGrp="1"/>
+          </p:cNvSpPr>
+          <p:nvPr>
+            <p:ph type="title"/>
+          </p:nvPr>
+        </p:nvSpPr>
+        <p:spPr/>
+        <p:txBody>
+          <a:bodyPr/>
+          <a:lstStyle/>
+          <a:p>
+            <a:r>
+              <a:rPr lang="ru-RU" dirty="0"/>
+              <a:t>Применение</a:t>
+            </a:r>
+          </a:p>
+        </p:txBody>
+      </p:sp>
+      <p:sp>
+        <p:nvSpPr>
+          <p:cNvPr id="3" name="Объект 2"/>
+          <p:cNvSpPr>
+            <a:spLocks noGrp="1"/>
+          </p:cNvSpPr>
+          <p:nvPr>
+            <p:ph idx="1"/>
+          </p:nvPr>
+        </p:nvSpPr>
+        <p:spPr/>
+        <p:txBody>
+          <a:bodyPr/>
+          <a:lstStyle/>
+          <a:p>
+            <a:r>
+              <a:rPr lang="ru-RU" dirty="0"/>
+              <a:t>Важно обеспечить хорошее покрытие кода тестами</a:t>
+            </a:r>
+          </a:p>
+          <a:p>
+            <a:r>
+              <a:rPr lang="ru-RU" dirty="0"/>
+              <a:t>Контроллер может функционировать и быть протестирован вне </a:t>
+            </a:r>
+            <a:r>
+              <a:rPr lang="en-US" dirty="0"/>
+              <a:t>UI</a:t>
+            </a:r>
+            <a:r>
+              <a:rPr lang="ru-RU" dirty="0"/>
+              <a:t>-окружения</a:t>
+            </a:r>
+          </a:p>
+          <a:p>
+            <a:pPr lvl="1"/>
+            <a:r>
+              <a:rPr lang="ru-RU" dirty="0"/>
+              <a:t>В качестве </a:t>
+            </a:r>
+            <a:r>
+              <a:rPr lang="en-US" dirty="0"/>
+              <a:t>View </a:t>
+            </a:r>
+            <a:r>
+              <a:rPr lang="ru-RU" dirty="0"/>
+              <a:t>может быть использован тестовый дублер</a:t>
+            </a:r>
+          </a:p>
+        </p:txBody>
+      </p:sp>
+    </p:spTree>
+    <p:extLst>
+      <p:ext uri="{BB962C8B-B14F-4D97-AF65-F5344CB8AC3E}">
+        <p14:creationId xmlns:p14="http://schemas.microsoft.com/office/powerpoint/2010/main" val="1423434087"/>
+      </p:ext>
+    </p:extLst>
+  </p:cSld>
+  <p:clrMapOvr>
+    <a:masterClrMapping/>
+  </p:clrMapOvr>
+  <p:timing>
+    <p:tnLst>
+      <p:par>
+        <p:cTn id="1" dur="indefinite" restart="never" nodeType="tmRoot"/>
+      </p:par>
+    </p:tnLst>
+  </p:timing>
+</p:sld>
+</file>
+
+<file path=ppt/slides/slide27.xml><?xml version="1.0" encoding="utf-8"?>
+<p:sld xmlns:a="http://schemas.openxmlformats.org/drawingml/2006/main" xmlns:r="http://schemas.openxmlformats.org/officeDocument/2006/relationships" xmlns:p="http://schemas.openxmlformats.org/presentationml/2006/main">
+  <p:cSld>
+    <p:spTree>
+      <p:nvGrpSpPr>
+        <p:cNvPr id="1" name=""/>
+        <p:cNvGrpSpPr/>
+        <p:nvPr/>
+      </p:nvGrpSpPr>
+      <p:grpSpPr>
+        <a:xfrm>
+          <a:off x="0" y="0"/>
+          <a:ext cx="0" cy="0"/>
+          <a:chOff x="0" y="0"/>
+          <a:chExt cx="0" cy="0"/>
+        </a:xfrm>
+      </p:grpSpPr>
+      <p:sp>
+        <p:nvSpPr>
+          <p:cNvPr id="2" name="Заголовок 1"/>
+          <p:cNvSpPr>
+            <a:spLocks noGrp="1"/>
+          </p:cNvSpPr>
+          <p:nvPr>
+            <p:ph type="title"/>
+          </p:nvPr>
+        </p:nvSpPr>
+        <p:spPr/>
+        <p:txBody>
+          <a:bodyPr/>
+          <a:lstStyle/>
+          <a:p>
+            <a:r>
+              <a:rPr lang="ru-RU" dirty="0"/>
+              <a:t>Тестовые дублеры (</a:t>
+            </a:r>
+            <a:r>
+              <a:rPr lang="en-US" dirty="0"/>
+              <a:t>Test Double)</a:t>
+            </a:r>
+            <a:endParaRPr lang="ru-RU" dirty="0"/>
+          </a:p>
+        </p:txBody>
+      </p:sp>
+      <p:sp>
+        <p:nvSpPr>
+          <p:cNvPr id="3" name="Объект 2"/>
+          <p:cNvSpPr>
+            <a:spLocks noGrp="1"/>
+          </p:cNvSpPr>
+          <p:nvPr>
+            <p:ph idx="1"/>
+          </p:nvPr>
+        </p:nvSpPr>
+        <p:spPr/>
+        <p:txBody>
+          <a:bodyPr>
+            <a:normAutofit fontScale="77500" lnSpcReduction="20000"/>
+          </a:bodyPr>
+          <a:lstStyle/>
+          <a:p>
+            <a:r>
+              <a:rPr lang="en-US" dirty="0"/>
+              <a:t>Test stub (</a:t>
+            </a:r>
+            <a:r>
+              <a:rPr lang="ru-RU" dirty="0"/>
+              <a:t>заглушка)</a:t>
+            </a:r>
+            <a:endParaRPr lang="en-US" dirty="0"/>
+          </a:p>
+          <a:p>
+            <a:pPr lvl="1"/>
+            <a:r>
+              <a:rPr lang="ru-RU" dirty="0"/>
+              <a:t>Предоставляет фиксированный набор результатов вызова</a:t>
+            </a:r>
+          </a:p>
+          <a:p>
+            <a:pPr lvl="1"/>
+            <a:r>
+              <a:rPr lang="ru-RU" dirty="0"/>
+              <a:t>Может протоколировать информацию о вызовах методов</a:t>
+            </a:r>
+          </a:p>
+          <a:p>
+            <a:r>
+              <a:rPr lang="en-US" dirty="0"/>
+              <a:t>Mock object </a:t>
+            </a:r>
+            <a:r>
+              <a:rPr lang="ru-RU" dirty="0"/>
+              <a:t>(фиктивный объект)</a:t>
+            </a:r>
+          </a:p>
+          <a:p>
+            <a:r>
+              <a:rPr lang="en-US" dirty="0"/>
+              <a:t>Test spy</a:t>
+            </a:r>
+            <a:endParaRPr lang="ru-RU" dirty="0"/>
+          </a:p>
+          <a:p>
+            <a:r>
+              <a:rPr lang="en-US" dirty="0"/>
+              <a:t>Fake Object</a:t>
+            </a:r>
+          </a:p>
+          <a:p>
+            <a:pPr lvl="1"/>
+            <a:r>
+              <a:rPr lang="ru-RU" dirty="0"/>
+              <a:t>Имеет рабочую реализацию, но</a:t>
+            </a:r>
+            <a:r>
+              <a:rPr lang="en-US" dirty="0"/>
+              <a:t> </a:t>
+            </a:r>
+            <a:r>
+              <a:rPr lang="ru-RU" dirty="0"/>
+              <a:t>«срезает углы», что делает малопригодным в</a:t>
+            </a:r>
+            <a:r>
+              <a:rPr lang="en-US" dirty="0"/>
+              <a:t> production</a:t>
+            </a:r>
+          </a:p>
+          <a:p>
+            <a:pPr lvl="2"/>
+            <a:r>
+              <a:rPr lang="ru-RU" dirty="0"/>
+              <a:t>БД, находящаяся в памяти</a:t>
+            </a:r>
+            <a:endParaRPr lang="en-US" dirty="0"/>
+          </a:p>
+          <a:p>
+            <a:r>
+              <a:rPr lang="en-US" dirty="0"/>
+              <a:t>Dummy object</a:t>
+            </a:r>
+          </a:p>
+          <a:p>
+            <a:pPr lvl="1"/>
+            <a:r>
+              <a:rPr lang="ru-RU" dirty="0"/>
+              <a:t>Передается в метод/функцию, но никогда не используется. Как правило, используется как заполнитель параметров</a:t>
+            </a:r>
+          </a:p>
+        </p:txBody>
+      </p:sp>
+    </p:spTree>
+    <p:extLst>
+      <p:ext uri="{BB962C8B-B14F-4D97-AF65-F5344CB8AC3E}">
+        <p14:creationId xmlns:p14="http://schemas.microsoft.com/office/powerpoint/2010/main" val="2258732444"/>
+      </p:ext>
+    </p:extLst>
+  </p:cSld>
+  <p:clrMapOvr>
+    <a:masterClrMapping/>
+  </p:clrMapOvr>
+  <p:timing>
+    <p:tnLst>
+      <p:par>
+        <p:cTn id="1" dur="indefinite" restart="never" nodeType="tmRoot"/>
+      </p:par>
+    </p:tnLst>
+  </p:timing>
+</p:sld>
+</file>
+
+<file path=ppt/slides/slide28.xml><?xml version="1.0" encoding="utf-8"?>
+<p:sld xmlns:a="http://schemas.openxmlformats.org/drawingml/2006/main" xmlns:r="http://schemas.openxmlformats.org/officeDocument/2006/relationships" xmlns:p="http://schemas.openxmlformats.org/presentationml/2006/main">
+  <p:cSld>
+    <p:spTree>
+      <p:nvGrpSpPr>
+        <p:cNvPr id="1" name=""/>
+        <p:cNvGrpSpPr/>
+        <p:nvPr/>
+      </p:nvGrpSpPr>
+      <p:grpSpPr>
+        <a:xfrm>
+          <a:off x="0" y="0"/>
+          <a:ext cx="0" cy="0"/>
+          <a:chOff x="0" y="0"/>
+          <a:chExt cx="0" cy="0"/>
+        </a:xfrm>
+      </p:grpSpPr>
+      <p:sp>
+        <p:nvSpPr>
+          <p:cNvPr id="4" name="Title 3"/>
+          <p:cNvSpPr>
+            <a:spLocks noGrp="1"/>
+          </p:cNvSpPr>
+          <p:nvPr>
+            <p:ph type="title"/>
+          </p:nvPr>
+        </p:nvSpPr>
+        <p:spPr/>
+        <p:txBody>
+          <a:bodyPr/>
+          <a:lstStyle/>
+          <a:p>
+            <a:r>
+              <a:rPr lang="en-US" dirty="0" smtClean="0"/>
+              <a:t>Model-View-Presenter</a:t>
+            </a:r>
+            <a:endParaRPr lang="ru-RU" dirty="0"/>
+          </a:p>
+        </p:txBody>
+      </p:sp>
+      <p:sp>
+        <p:nvSpPr>
+          <p:cNvPr id="5" name="Text Placeholder 4"/>
+          <p:cNvSpPr>
+            <a:spLocks noGrp="1"/>
+          </p:cNvSpPr>
+          <p:nvPr>
+            <p:ph type="body" idx="1"/>
+          </p:nvPr>
+        </p:nvSpPr>
+        <p:spPr/>
+        <p:txBody>
+          <a:bodyPr/>
+          <a:lstStyle/>
+          <a:p>
+            <a:r>
+              <a:rPr lang="en-US" dirty="0" smtClean="0"/>
+              <a:t>MVP = </a:t>
+            </a:r>
+            <a:r>
+              <a:rPr lang="en-US" dirty="0" err="1" smtClean="0"/>
+              <a:t>SupervisingController</a:t>
+            </a:r>
+            <a:r>
+              <a:rPr lang="en-US" dirty="0" smtClean="0"/>
+              <a:t> + </a:t>
+            </a:r>
+            <a:r>
+              <a:rPr lang="en-US" dirty="0" err="1" smtClean="0"/>
+              <a:t>PassiveView</a:t>
+            </a:r>
+            <a:endParaRPr lang="ru-RU" dirty="0"/>
+          </a:p>
+        </p:txBody>
+      </p:sp>
+    </p:spTree>
+    <p:extLst>
+      <p:ext uri="{BB962C8B-B14F-4D97-AF65-F5344CB8AC3E}">
+        <p14:creationId xmlns:p14="http://schemas.microsoft.com/office/powerpoint/2010/main" val="222091884"/>
+      </p:ext>
+    </p:extLst>
+  </p:cSld>
+  <p:clrMapOvr>
+    <a:masterClrMapping/>
+  </p:clrMapOvr>
+  <p:timing>
+    <p:tnLst>
+      <p:par>
+        <p:cTn id="1" dur="indefinite" restart="never" nodeType="tmRoot"/>
+      </p:par>
+    </p:tnLst>
+  </p:timing>
+</p:sld>
+</file>
+
+<file path=ppt/slides/slide29.xml><?xml version="1.0" encoding="utf-8"?>
+<p:sld xmlns:a="http://schemas.openxmlformats.org/drawingml/2006/main" xmlns:r="http://schemas.openxmlformats.org/officeDocument/2006/relationships" xmlns:p="http://schemas.openxmlformats.org/presentationml/2006/main">
+  <p:cSld>
+    <p:spTree>
+      <p:nvGrpSpPr>
+        <p:cNvPr id="1" name=""/>
+        <p:cNvGrpSpPr/>
+        <p:nvPr/>
+      </p:nvGrpSpPr>
+      <p:grpSpPr>
+        <a:xfrm>
+          <a:off x="0" y="0"/>
+          <a:ext cx="0" cy="0"/>
+          <a:chOff x="0" y="0"/>
+          <a:chExt cx="0" cy="0"/>
+        </a:xfrm>
+      </p:grpSpPr>
+      <p:sp>
+        <p:nvSpPr>
+          <p:cNvPr id="2" name="Title 1"/>
+          <p:cNvSpPr>
+            <a:spLocks noGrp="1"/>
+          </p:cNvSpPr>
+          <p:nvPr>
+            <p:ph type="title"/>
+          </p:nvPr>
+        </p:nvSpPr>
+        <p:spPr/>
+        <p:txBody>
+          <a:bodyPr/>
+          <a:lstStyle/>
+          <a:p>
+            <a:r>
+              <a:rPr lang="en-US" dirty="0" smtClean="0">
+                <a:hlinkClick r:id="rId2"/>
+              </a:rPr>
+              <a:t>Model-View-Presenter</a:t>
+            </a:r>
+            <a:r>
+              <a:rPr lang="en-US" dirty="0" smtClean="0"/>
+              <a:t> vs MVC</a:t>
+            </a:r>
+            <a:endParaRPr lang="ru-RU" dirty="0"/>
+          </a:p>
+        </p:txBody>
+      </p:sp>
+      <p:pic>
+        <p:nvPicPr>
+          <p:cNvPr id="4" name="Content Placeholder 3"/>
+          <p:cNvPicPr>
+            <a:picLocks noGrp="1" noChangeAspect="1"/>
+          </p:cNvPicPr>
+          <p:nvPr>
+            <p:ph idx="1"/>
+          </p:nvPr>
+        </p:nvPicPr>
+        <p:blipFill rotWithShape="1">
+          <a:blip r:embed="rId3">
+            <a:extLst>
+              <a:ext uri="{28A0092B-C50C-407E-A947-70E740481C1C}">
+                <a14:useLocalDpi xmlns:a14="http://schemas.microsoft.com/office/drawing/2010/main" val="0"/>
+              </a:ext>
+            </a:extLst>
+          </a:blip>
+          <a:srcRect l="4052" t="4626" r="19368" b="40894"/>
+          <a:stretch/>
+        </p:blipFill>
+        <p:spPr>
+          <a:xfrm>
+            <a:off x="179512" y="1844824"/>
+            <a:ext cx="8280920" cy="3622903"/>
+          </a:xfrm>
+        </p:spPr>
+      </p:pic>
+    </p:spTree>
+    <p:extLst>
+      <p:ext uri="{BB962C8B-B14F-4D97-AF65-F5344CB8AC3E}">
+        <p14:creationId xmlns:p14="http://schemas.microsoft.com/office/powerpoint/2010/main" val="2117684116"/>
+      </p:ext>
+    </p:extLst>
+  </p:cSld>
+  <p:clrMapOvr>
+    <a:masterClrMapping/>
+  </p:clrMapOvr>
+  <p:timing>
+    <p:tnLst>
+      <p:par>
+        <p:cTn id="1" dur="indefinite" restart="never" nodeType="tmRoot"/>
+      </p:par>
+    </p:tnLst>
+  </p:timing>
+</p:sld>
+</file>
+
+<file path=ppt/slides/slide3.xml><?xml version="1.0" encoding="utf-8"?>
+<p:sld xmlns:a="http://schemas.openxmlformats.org/drawingml/2006/main" xmlns:r="http://schemas.openxmlformats.org/officeDocument/2006/relationships" xmlns:p="http://schemas.openxmlformats.org/presentationml/2006/main">
+  <p:cSld>
+    <p:spTree>
+      <p:nvGrpSpPr>
+        <p:cNvPr id="1" name=""/>
+        <p:cNvGrpSpPr/>
+        <p:nvPr/>
+      </p:nvGrpSpPr>
+      <p:grpSpPr>
+        <a:xfrm>
+          <a:off x="0" y="0"/>
+          <a:ext cx="0" cy="0"/>
+          <a:chOff x="0" y="0"/>
+          <a:chExt cx="0" cy="0"/>
+        </a:xfrm>
+      </p:grpSpPr>
+      <p:sp>
+        <p:nvSpPr>
+          <p:cNvPr id="2" name="Title 1"/>
+          <p:cNvSpPr>
+            <a:spLocks noGrp="1"/>
+          </p:cNvSpPr>
+          <p:nvPr>
+            <p:ph type="title"/>
+          </p:nvPr>
+        </p:nvSpPr>
+        <p:spPr/>
+        <p:txBody>
+          <a:bodyPr/>
+          <a:lstStyle/>
+          <a:p>
+            <a:r>
+              <a:rPr lang="en-US" dirty="0" err="1" smtClean="0"/>
+              <a:t>SmartUI</a:t>
+            </a:r>
+            <a:r>
+              <a:rPr lang="en-US" dirty="0" smtClean="0"/>
+              <a:t> (</a:t>
+            </a:r>
+            <a:r>
+              <a:rPr lang="ru-RU" dirty="0" err="1" smtClean="0"/>
+              <a:t>автоновный</a:t>
+            </a:r>
+            <a:r>
+              <a:rPr lang="ru-RU" dirty="0" smtClean="0"/>
+              <a:t> </a:t>
+            </a:r>
+            <a:r>
+              <a:rPr lang="en-US" dirty="0" smtClean="0"/>
+              <a:t>View)</a:t>
+            </a:r>
+            <a:endParaRPr lang="ru-RU" dirty="0"/>
+          </a:p>
+        </p:txBody>
+      </p:sp>
+      <p:sp>
+        <p:nvSpPr>
+          <p:cNvPr id="3" name="Content Placeholder 2"/>
+          <p:cNvSpPr>
+            <a:spLocks noGrp="1"/>
+          </p:cNvSpPr>
+          <p:nvPr>
+            <p:ph idx="1"/>
+          </p:nvPr>
+        </p:nvSpPr>
+        <p:spPr/>
+        <p:txBody>
+          <a:bodyPr/>
+          <a:lstStyle/>
+          <a:p>
+            <a:r>
+              <a:rPr lang="ru-RU" dirty="0" smtClean="0"/>
+              <a:t>Единственный класс несёт ответственность за всё, что ожидается от </a:t>
+            </a:r>
+            <a:r>
+              <a:rPr lang="en-US" dirty="0" smtClean="0"/>
+              <a:t>GUI-</a:t>
+            </a:r>
+            <a:r>
+              <a:rPr lang="ru-RU" dirty="0" smtClean="0"/>
+              <a:t>приложения</a:t>
+            </a:r>
+          </a:p>
+          <a:p>
+            <a:pPr lvl="1"/>
+            <a:r>
+              <a:rPr lang="ru-RU" dirty="0" smtClean="0"/>
+              <a:t>Получает события о действиях пользователя</a:t>
+            </a:r>
+          </a:p>
+          <a:p>
+            <a:pPr lvl="1"/>
+            <a:r>
+              <a:rPr lang="ru-RU" dirty="0" smtClean="0"/>
+              <a:t>Изменяет состояние приложения в зависимости от действий пользователя</a:t>
+            </a:r>
+          </a:p>
+          <a:p>
+            <a:pPr lvl="1"/>
+            <a:r>
+              <a:rPr lang="ru-RU" dirty="0" smtClean="0"/>
+              <a:t>Хранит состояние приложения</a:t>
+            </a:r>
+          </a:p>
+          <a:p>
+            <a:pPr lvl="1"/>
+            <a:r>
+              <a:rPr lang="ru-RU" dirty="0" smtClean="0"/>
+              <a:t>Отвечает за визуальное представление состояния приложения</a:t>
+            </a:r>
+          </a:p>
+        </p:txBody>
+      </p:sp>
+    </p:spTree>
+    <p:extLst>
+      <p:ext uri="{BB962C8B-B14F-4D97-AF65-F5344CB8AC3E}">
+        <p14:creationId xmlns:p14="http://schemas.microsoft.com/office/powerpoint/2010/main" val="2080803839"/>
+      </p:ext>
+    </p:extLst>
+  </p:cSld>
+  <p:clrMapOvr>
+    <a:masterClrMapping/>
+  </p:clrMapOvr>
+  <p:timing>
+    <p:tnLst>
+      <p:par>
+        <p:cTn id="1" dur="indefinite" restart="never" nodeType="tmRoot"/>
+      </p:par>
+    </p:tnLst>
+  </p:timing>
+</p:sld>
+</file>
+
+<file path=ppt/slides/slide30.xml><?xml version="1.0" encoding="utf-8"?>
+<p:sld xmlns:a="http://schemas.openxmlformats.org/drawingml/2006/main" xmlns:r="http://schemas.openxmlformats.org/officeDocument/2006/relationships" xmlns:p="http://schemas.openxmlformats.org/presentationml/2006/main">
+  <p:cSld>
+    <p:spTree>
+      <p:nvGrpSpPr>
+        <p:cNvPr id="1" name=""/>
+        <p:cNvGrpSpPr/>
+        <p:nvPr/>
+      </p:nvGrpSpPr>
+      <p:grpSpPr>
+        <a:xfrm>
+          <a:off x="0" y="0"/>
+          <a:ext cx="0" cy="0"/>
+          <a:chOff x="0" y="0"/>
+          <a:chExt cx="0" cy="0"/>
+        </a:xfrm>
+      </p:grpSpPr>
+      <p:sp>
+        <p:nvSpPr>
+          <p:cNvPr id="2" name="Title 1"/>
+          <p:cNvSpPr>
+            <a:spLocks noGrp="1"/>
+          </p:cNvSpPr>
+          <p:nvPr>
+            <p:ph type="title"/>
+          </p:nvPr>
+        </p:nvSpPr>
+        <p:spPr/>
+        <p:txBody>
+          <a:bodyPr/>
+          <a:lstStyle/>
+          <a:p>
+            <a:r>
+              <a:rPr lang="en-US" dirty="0" smtClean="0"/>
+              <a:t>Presenter</a:t>
+            </a:r>
+            <a:endParaRPr lang="ru-RU" dirty="0"/>
+          </a:p>
+        </p:txBody>
+      </p:sp>
+      <p:sp>
+        <p:nvSpPr>
+          <p:cNvPr id="3" name="Content Placeholder 2"/>
+          <p:cNvSpPr>
+            <a:spLocks noGrp="1"/>
+          </p:cNvSpPr>
+          <p:nvPr>
+            <p:ph idx="1"/>
+          </p:nvPr>
+        </p:nvSpPr>
+        <p:spPr/>
+        <p:txBody>
+          <a:bodyPr/>
+          <a:lstStyle/>
+          <a:p>
+            <a:r>
+              <a:rPr lang="ru-RU" dirty="0" smtClean="0"/>
+              <a:t>Хранит визуальное состояние и обновляет его при изменении </a:t>
+            </a:r>
+            <a:r>
+              <a:rPr lang="en-US" dirty="0" smtClean="0"/>
+              <a:t>Domain Model</a:t>
+            </a:r>
+            <a:endParaRPr lang="ru-RU" dirty="0" smtClean="0"/>
+          </a:p>
+          <a:p>
+            <a:r>
+              <a:rPr lang="ru-RU" dirty="0" smtClean="0"/>
+              <a:t>Конвертирует бизнес-правила в визуальное представление</a:t>
+            </a:r>
+          </a:p>
+          <a:p>
+            <a:r>
+              <a:rPr lang="ru-RU" dirty="0" smtClean="0"/>
+              <a:t>Обрабатывает состояние </a:t>
+            </a:r>
+            <a:r>
+              <a:rPr lang="en-US" dirty="0" smtClean="0"/>
+              <a:t>Selection </a:t>
+            </a:r>
+            <a:r>
+              <a:rPr lang="ru-RU" dirty="0" smtClean="0"/>
+              <a:t>и применяет действия к выделенной части модели</a:t>
+            </a:r>
+          </a:p>
+          <a:p>
+            <a:r>
+              <a:rPr lang="ru-RU" dirty="0" smtClean="0"/>
+              <a:t>Обрабатывает события от </a:t>
+            </a:r>
+            <a:r>
+              <a:rPr lang="en-US" dirty="0" smtClean="0"/>
+              <a:t>View </a:t>
+            </a:r>
+            <a:r>
+              <a:rPr lang="ru-RU" dirty="0" smtClean="0"/>
+              <a:t>и модифицирует модель</a:t>
+            </a:r>
+            <a:endParaRPr lang="ru-RU" dirty="0"/>
+          </a:p>
+        </p:txBody>
+      </p:sp>
+    </p:spTree>
+    <p:extLst>
+      <p:ext uri="{BB962C8B-B14F-4D97-AF65-F5344CB8AC3E}">
+        <p14:creationId xmlns:p14="http://schemas.microsoft.com/office/powerpoint/2010/main" val="1639033082"/>
+      </p:ext>
+    </p:extLst>
+  </p:cSld>
+  <p:clrMapOvr>
+    <a:masterClrMapping/>
+  </p:clrMapOvr>
+  <p:timing>
+    <p:tnLst>
+      <p:par>
+        <p:cTn id="1" dur="indefinite" restart="never" nodeType="tmRoot"/>
+      </p:par>
+    </p:tnLst>
+  </p:timing>
+</p:sld>
+</file>
+
+<file path=ppt/slides/slide31.xml><?xml version="1.0" encoding="utf-8"?>
+<p:sld xmlns:a="http://schemas.openxmlformats.org/drawingml/2006/main" xmlns:r="http://schemas.openxmlformats.org/officeDocument/2006/relationships" xmlns:p="http://schemas.openxmlformats.org/presentationml/2006/main">
+  <p:cSld>
+    <p:spTree>
+      <p:nvGrpSpPr>
+        <p:cNvPr id="1" name=""/>
+        <p:cNvGrpSpPr/>
+        <p:nvPr/>
+      </p:nvGrpSpPr>
+      <p:grpSpPr>
+        <a:xfrm>
+          <a:off x="0" y="0"/>
+          <a:ext cx="0" cy="0"/>
+          <a:chOff x="0" y="0"/>
+          <a:chExt cx="0" cy="0"/>
+        </a:xfrm>
+      </p:grpSpPr>
+      <p:sp>
+        <p:nvSpPr>
+          <p:cNvPr id="2" name="Title 1"/>
+          <p:cNvSpPr>
+            <a:spLocks noGrp="1"/>
+          </p:cNvSpPr>
+          <p:nvPr>
+            <p:ph type="title"/>
+          </p:nvPr>
+        </p:nvSpPr>
+        <p:spPr/>
+        <p:txBody>
+          <a:bodyPr/>
+          <a:lstStyle/>
+          <a:p>
+            <a:r>
+              <a:rPr lang="ru-RU" dirty="0" smtClean="0"/>
+              <a:t>Подход </a:t>
+            </a:r>
+            <a:r>
+              <a:rPr lang="en-US" dirty="0" err="1" smtClean="0"/>
+              <a:t>PresenterFirst</a:t>
+            </a:r>
+            <a:endParaRPr lang="ru-RU" dirty="0"/>
+          </a:p>
+        </p:txBody>
+      </p:sp>
+      <p:sp>
+        <p:nvSpPr>
+          <p:cNvPr id="3" name="Content Placeholder 2"/>
+          <p:cNvSpPr>
+            <a:spLocks noGrp="1"/>
+          </p:cNvSpPr>
+          <p:nvPr>
+            <p:ph idx="1"/>
+          </p:nvPr>
+        </p:nvSpPr>
+        <p:spPr/>
+        <p:txBody>
+          <a:bodyPr>
+            <a:normAutofit fontScale="92500" lnSpcReduction="20000"/>
+          </a:bodyPr>
+          <a:lstStyle/>
+          <a:p>
+            <a:r>
+              <a:rPr lang="ru-RU" dirty="0" smtClean="0"/>
+              <a:t>Подход к реализации </a:t>
+            </a:r>
+            <a:r>
+              <a:rPr lang="en-US" dirty="0" smtClean="0"/>
+              <a:t>MVP</a:t>
+            </a:r>
+            <a:r>
+              <a:rPr lang="ru-RU" dirty="0" smtClean="0"/>
+              <a:t>, при котором программист изначально фокусируется на разработке </a:t>
+            </a:r>
+            <a:r>
+              <a:rPr lang="en-US" dirty="0" smtClean="0"/>
+              <a:t>Presenter</a:t>
+            </a:r>
+          </a:p>
+          <a:p>
+            <a:pPr lvl="1"/>
+            <a:r>
+              <a:rPr lang="en-US" dirty="0" smtClean="0"/>
+              <a:t>Presenter</a:t>
+            </a:r>
+            <a:r>
+              <a:rPr lang="ru-RU" dirty="0" smtClean="0"/>
+              <a:t> не имеет состояния (использует</a:t>
+            </a:r>
+            <a:r>
+              <a:rPr lang="en-US" dirty="0" smtClean="0"/>
+              <a:t> View </a:t>
+            </a:r>
+            <a:r>
+              <a:rPr lang="ru-RU" dirty="0" smtClean="0"/>
+              <a:t>и </a:t>
+            </a:r>
+            <a:r>
+              <a:rPr lang="en-US" dirty="0" smtClean="0"/>
+              <a:t>Model)</a:t>
+            </a:r>
+          </a:p>
+          <a:p>
+            <a:pPr lvl="2"/>
+            <a:r>
+              <a:rPr lang="ru-RU" dirty="0" smtClean="0"/>
+              <a:t>В этом случае </a:t>
+            </a:r>
+            <a:r>
+              <a:rPr lang="en-US" dirty="0" smtClean="0"/>
+              <a:t>Presenter </a:t>
+            </a:r>
+            <a:r>
+              <a:rPr lang="ru-RU" dirty="0" smtClean="0"/>
+              <a:t>может вообще не иметь публичных методов</a:t>
+            </a:r>
+          </a:p>
+          <a:p>
+            <a:pPr lvl="1"/>
+            <a:r>
+              <a:rPr lang="ru-RU" dirty="0" smtClean="0"/>
+              <a:t>Учитываются пожелания пользователей</a:t>
+            </a:r>
+            <a:endParaRPr lang="en-US" dirty="0" smtClean="0"/>
+          </a:p>
+          <a:p>
+            <a:pPr lvl="1"/>
+            <a:r>
+              <a:rPr lang="ru-RU" dirty="0" smtClean="0"/>
+              <a:t>В процессе разработки формируются интерфейсы модели и </a:t>
+            </a:r>
+            <a:r>
+              <a:rPr lang="en-US" dirty="0" smtClean="0"/>
+              <a:t>View</a:t>
+            </a:r>
+          </a:p>
+          <a:p>
+            <a:pPr lvl="1"/>
+            <a:r>
+              <a:rPr lang="ru-RU" dirty="0" smtClean="0"/>
+              <a:t>Требуется тщательное тестирование</a:t>
+            </a:r>
+          </a:p>
+          <a:p>
+            <a:pPr lvl="2"/>
+            <a:r>
+              <a:rPr lang="ru-RU" dirty="0" smtClean="0"/>
+              <a:t>При тестировании вместо </a:t>
+            </a:r>
+            <a:r>
+              <a:rPr lang="en-US" dirty="0" smtClean="0"/>
+              <a:t>model </a:t>
+            </a:r>
+            <a:r>
+              <a:rPr lang="ru-RU" dirty="0" smtClean="0"/>
+              <a:t>и </a:t>
+            </a:r>
+            <a:r>
+              <a:rPr lang="en-US" dirty="0" smtClean="0"/>
+              <a:t>view </a:t>
+            </a:r>
+            <a:r>
+              <a:rPr lang="ru-RU" dirty="0" smtClean="0"/>
+              <a:t>передаются </a:t>
+            </a:r>
+            <a:r>
+              <a:rPr lang="en-US" dirty="0" smtClean="0"/>
+              <a:t>mock-</a:t>
+            </a:r>
+            <a:r>
+              <a:rPr lang="ru-RU" dirty="0" smtClean="0"/>
+              <a:t>и</a:t>
+            </a:r>
+            <a:endParaRPr lang="ru-RU" dirty="0"/>
+          </a:p>
+        </p:txBody>
+      </p:sp>
+    </p:spTree>
+    <p:extLst>
+      <p:ext uri="{BB962C8B-B14F-4D97-AF65-F5344CB8AC3E}">
+        <p14:creationId xmlns:p14="http://schemas.microsoft.com/office/powerpoint/2010/main" val="3054116969"/>
+      </p:ext>
+    </p:extLst>
+  </p:cSld>
+  <p:clrMapOvr>
+    <a:masterClrMapping/>
+  </p:clrMapOvr>
+  <p:timing>
+    <p:tnLst>
+      <p:par>
+        <p:cTn id="1" dur="indefinite" restart="never" nodeType="tmRoot"/>
+      </p:par>
+    </p:tnLst>
+  </p:timing>
+</p:sld>
+</file>
+
+<file path=ppt/slides/slide32.xml><?xml version="1.0" encoding="utf-8"?>
+<p:sld xmlns:a="http://schemas.openxmlformats.org/drawingml/2006/main" xmlns:r="http://schemas.openxmlformats.org/officeDocument/2006/relationships" xmlns:p="http://schemas.openxmlformats.org/presentationml/2006/main">
+  <p:cSld>
+    <p:spTree>
+      <p:nvGrpSpPr>
+        <p:cNvPr id="1" name=""/>
+        <p:cNvGrpSpPr/>
+        <p:nvPr/>
+      </p:nvGrpSpPr>
+      <p:grpSpPr>
+        <a:xfrm>
+          <a:off x="0" y="0"/>
+          <a:ext cx="0" cy="0"/>
+          <a:chOff x="0" y="0"/>
+          <a:chExt cx="0" cy="0"/>
+        </a:xfrm>
+      </p:grpSpPr>
+      <p:sp>
+        <p:nvSpPr>
+          <p:cNvPr id="4" name="Title 3"/>
+          <p:cNvSpPr>
+            <a:spLocks noGrp="1"/>
+          </p:cNvSpPr>
+          <p:nvPr>
+            <p:ph type="title"/>
+          </p:nvPr>
+        </p:nvSpPr>
+        <p:spPr/>
+        <p:txBody>
+          <a:bodyPr/>
+          <a:lstStyle/>
+          <a:p>
+            <a:r>
+              <a:rPr lang="en-US" dirty="0" smtClean="0"/>
+              <a:t>MVVM</a:t>
+            </a:r>
+            <a:endParaRPr lang="ru-RU" dirty="0"/>
+          </a:p>
+        </p:txBody>
+      </p:sp>
+      <p:sp>
+        <p:nvSpPr>
+          <p:cNvPr id="5" name="Text Placeholder 4"/>
+          <p:cNvSpPr>
+            <a:spLocks noGrp="1"/>
+          </p:cNvSpPr>
+          <p:nvPr>
+            <p:ph type="body" idx="1"/>
+          </p:nvPr>
+        </p:nvSpPr>
+        <p:spPr/>
+        <p:txBody>
+          <a:bodyPr/>
+          <a:lstStyle/>
+          <a:p>
+            <a:endParaRPr lang="ru-RU"/>
+          </a:p>
+        </p:txBody>
+      </p:sp>
+    </p:spTree>
+    <p:extLst>
+      <p:ext uri="{BB962C8B-B14F-4D97-AF65-F5344CB8AC3E}">
+        <p14:creationId xmlns:p14="http://schemas.microsoft.com/office/powerpoint/2010/main" val="3904773133"/>
+      </p:ext>
+    </p:extLst>
+  </p:cSld>
+  <p:clrMapOvr>
+    <a:masterClrMapping/>
+  </p:clrMapOvr>
+  <p:timing>
+    <p:tnLst>
+      <p:par>
+        <p:cTn id="1" dur="indefinite" restart="never" nodeType="tmRoot"/>
+      </p:par>
+    </p:tnLst>
+  </p:timing>
+</p:sld>
+</file>
+
+<file path=ppt/slides/slide33.xml><?xml version="1.0" encoding="utf-8"?>
+<p:sld xmlns:a="http://schemas.openxmlformats.org/drawingml/2006/main" xmlns:r="http://schemas.openxmlformats.org/officeDocument/2006/relationships" xmlns:p="http://schemas.openxmlformats.org/presentationml/2006/main">
+  <p:cSld>
+    <p:spTree>
+      <p:nvGrpSpPr>
+        <p:cNvPr id="1" name=""/>
+        <p:cNvGrpSpPr/>
+        <p:nvPr/>
+      </p:nvGrpSpPr>
+      <p:grpSpPr>
+        <a:xfrm>
+          <a:off x="0" y="0"/>
+          <a:ext cx="0" cy="0"/>
+          <a:chOff x="0" y="0"/>
+          <a:chExt cx="0" cy="0"/>
+        </a:xfrm>
+      </p:grpSpPr>
+      <p:sp>
+        <p:nvSpPr>
+          <p:cNvPr id="4" name="Title 3"/>
+          <p:cNvSpPr>
+            <a:spLocks noGrp="1"/>
+          </p:cNvSpPr>
+          <p:nvPr>
+            <p:ph type="title"/>
+          </p:nvPr>
+        </p:nvSpPr>
+        <p:spPr/>
+        <p:txBody>
+          <a:bodyPr/>
+          <a:lstStyle/>
+          <a:p>
+            <a:r>
+              <a:rPr lang="en-US" dirty="0" smtClean="0">
+                <a:hlinkClick r:id="rId2"/>
+              </a:rPr>
+              <a:t>Model-View-</a:t>
+            </a:r>
+            <a:r>
+              <a:rPr lang="en-US" dirty="0" err="1" smtClean="0">
+                <a:hlinkClick r:id="rId2"/>
+              </a:rPr>
+              <a:t>ViewModel</a:t>
+            </a:r>
+            <a:endParaRPr lang="ru-RU" dirty="0"/>
+          </a:p>
+        </p:txBody>
+      </p:sp>
+      <p:sp>
+        <p:nvSpPr>
+          <p:cNvPr id="5" name="Content Placeholder 4"/>
+          <p:cNvSpPr>
+            <a:spLocks noGrp="1"/>
+          </p:cNvSpPr>
+          <p:nvPr>
+            <p:ph idx="1"/>
+          </p:nvPr>
+        </p:nvSpPr>
+        <p:spPr/>
+        <p:txBody>
+          <a:bodyPr>
+            <a:normAutofit fontScale="92500" lnSpcReduction="20000"/>
+          </a:bodyPr>
+          <a:lstStyle/>
+          <a:p>
+            <a:r>
+              <a:rPr lang="ru-RU" b="1" dirty="0" smtClean="0"/>
+              <a:t>Модель</a:t>
+            </a:r>
+            <a:endParaRPr lang="ru-RU" dirty="0"/>
+          </a:p>
+          <a:p>
+            <a:pPr lvl="1"/>
+            <a:r>
+              <a:rPr lang="ru-RU" dirty="0" smtClean="0"/>
+              <a:t>Отвечает за бизнес-сущности, не зависящие от визуального представления, шлет события о своем изменении</a:t>
+            </a:r>
+          </a:p>
+          <a:p>
+            <a:r>
+              <a:rPr lang="ru-RU" dirty="0" smtClean="0"/>
+              <a:t>Представление</a:t>
+            </a:r>
+          </a:p>
+          <a:p>
+            <a:pPr lvl="1"/>
+            <a:r>
+              <a:rPr lang="ru-RU" dirty="0" smtClean="0"/>
+              <a:t>Формирует </a:t>
+            </a:r>
+            <a:r>
+              <a:rPr lang="en-US" dirty="0" smtClean="0"/>
+              <a:t>UI</a:t>
+            </a:r>
+            <a:r>
+              <a:rPr lang="ru-RU" dirty="0" smtClean="0"/>
+              <a:t>, шлет события в ответ на действия пользователя</a:t>
+            </a:r>
+          </a:p>
+          <a:p>
+            <a:r>
+              <a:rPr lang="ru-RU" dirty="0" smtClean="0"/>
+              <a:t>Модель представления</a:t>
+            </a:r>
+          </a:p>
+          <a:p>
+            <a:pPr lvl="1"/>
+            <a:r>
+              <a:rPr lang="ru-RU" dirty="0" smtClean="0"/>
+              <a:t>Извлекает данные из модели и превращает в формат, требуемый </a:t>
+            </a:r>
+            <a:r>
+              <a:rPr lang="en-US" dirty="0" smtClean="0"/>
+              <a:t>View</a:t>
+            </a:r>
+            <a:r>
+              <a:rPr lang="ru-RU" dirty="0" smtClean="0"/>
+              <a:t>, уведомляет </a:t>
+            </a:r>
+            <a:r>
+              <a:rPr lang="en-US" dirty="0" smtClean="0"/>
+              <a:t>View </a:t>
+            </a:r>
+            <a:r>
+              <a:rPr lang="ru-RU" dirty="0" smtClean="0"/>
+              <a:t>об изменения в модели, обновляет модель в ответ на события от </a:t>
+            </a:r>
+            <a:r>
+              <a:rPr lang="en-US" dirty="0" smtClean="0"/>
+              <a:t>View</a:t>
+            </a:r>
+            <a:endParaRPr lang="ru-RU" dirty="0"/>
+          </a:p>
+        </p:txBody>
+      </p:sp>
+    </p:spTree>
+    <p:extLst>
+      <p:ext uri="{BB962C8B-B14F-4D97-AF65-F5344CB8AC3E}">
+        <p14:creationId xmlns:p14="http://schemas.microsoft.com/office/powerpoint/2010/main" val="2108277257"/>
+      </p:ext>
+    </p:extLst>
+  </p:cSld>
+  <p:clrMapOvr>
+    <a:masterClrMapping/>
+  </p:clrMapOvr>
+  <p:timing>
+    <p:tnLst>
+      <p:par>
+        <p:cTn id="1" dur="indefinite" restart="never" nodeType="tmRoot"/>
+      </p:par>
+    </p:tnLst>
+  </p:timing>
+</p:sld>
+</file>
+
+<file path=ppt/slides/slide34.xml><?xml version="1.0" encoding="utf-8"?>
+<p:sld xmlns:a="http://schemas.openxmlformats.org/drawingml/2006/main" xmlns:r="http://schemas.openxmlformats.org/officeDocument/2006/relationships" xmlns:p="http://schemas.openxmlformats.org/presentationml/2006/main">
+  <p:cSld>
+    <p:spTree>
+      <p:nvGrpSpPr>
+        <p:cNvPr id="1" name=""/>
+        <p:cNvGrpSpPr/>
+        <p:nvPr/>
+      </p:nvGrpSpPr>
+      <p:grpSpPr>
+        <a:xfrm>
+          <a:off x="0" y="0"/>
+          <a:ext cx="0" cy="0"/>
+          <a:chOff x="0" y="0"/>
+          <a:chExt cx="0" cy="0"/>
+        </a:xfrm>
+      </p:grpSpPr>
+      <p:sp>
+        <p:nvSpPr>
+          <p:cNvPr id="2" name="Title 1"/>
+          <p:cNvSpPr>
+            <a:spLocks noGrp="1"/>
+          </p:cNvSpPr>
+          <p:nvPr>
+            <p:ph type="title"/>
+          </p:nvPr>
+        </p:nvSpPr>
+        <p:spPr/>
+        <p:txBody>
+          <a:bodyPr/>
+          <a:lstStyle/>
+          <a:p>
+            <a:r>
+              <a:rPr lang="ru-RU" dirty="0" smtClean="0"/>
+              <a:t>Структура паттерна</a:t>
+            </a:r>
+            <a:endParaRPr lang="ru-RU" dirty="0"/>
+          </a:p>
+        </p:txBody>
+      </p:sp>
+      <p:pic>
+        <p:nvPicPr>
+          <p:cNvPr id="4" name="Content Placeholder 3"/>
+          <p:cNvPicPr>
+            <a:picLocks noGrp="1" noChangeAspect="1"/>
+          </p:cNvPicPr>
+          <p:nvPr>
+            <p:ph idx="1"/>
+          </p:nvPr>
+        </p:nvPicPr>
+        <p:blipFill>
+          <a:blip r:embed="rId2">
+            <a:extLst>
+              <a:ext uri="{28A0092B-C50C-407E-A947-70E740481C1C}">
+                <a14:useLocalDpi xmlns:a14="http://schemas.microsoft.com/office/drawing/2010/main" val="0"/>
+              </a:ext>
+            </a:extLst>
+          </a:blip>
+          <a:stretch>
+            <a:fillRect/>
+          </a:stretch>
+        </p:blipFill>
+        <p:spPr>
+          <a:xfrm>
+            <a:off x="457200" y="2564904"/>
+            <a:ext cx="8240432" cy="3168351"/>
+          </a:xfrm>
+        </p:spPr>
+      </p:pic>
+    </p:spTree>
+    <p:extLst>
+      <p:ext uri="{BB962C8B-B14F-4D97-AF65-F5344CB8AC3E}">
+        <p14:creationId xmlns:p14="http://schemas.microsoft.com/office/powerpoint/2010/main" val="3907468237"/>
+      </p:ext>
+    </p:extLst>
+  </p:cSld>
+  <p:clrMapOvr>
+    <a:masterClrMapping/>
+  </p:clrMapOvr>
+  <p:timing>
+    <p:tnLst>
+      <p:par>
+        <p:cTn id="1" dur="indefinite" restart="never" nodeType="tmRoot"/>
+      </p:par>
+    </p:tnLst>
+  </p:timing>
+</p:sld>
+</file>
+
+<file path=ppt/slides/slide35.xml><?xml version="1.0" encoding="utf-8"?>
+<p:sld xmlns:a="http://schemas.openxmlformats.org/drawingml/2006/main" xmlns:r="http://schemas.openxmlformats.org/officeDocument/2006/relationships" xmlns:p="http://schemas.openxmlformats.org/presentationml/2006/main">
+  <p:cSld>
+    <p:spTree>
+      <p:nvGrpSpPr>
+        <p:cNvPr id="1" name=""/>
+        <p:cNvGrpSpPr/>
+        <p:nvPr/>
+      </p:nvGrpSpPr>
+      <p:grpSpPr>
+        <a:xfrm>
+          <a:off x="0" y="0"/>
+          <a:ext cx="0" cy="0"/>
+          <a:chOff x="0" y="0"/>
+          <a:chExt cx="0" cy="0"/>
+        </a:xfrm>
+      </p:grpSpPr>
+      <p:sp>
+        <p:nvSpPr>
+          <p:cNvPr id="2" name="Title 1"/>
+          <p:cNvSpPr>
+            <a:spLocks noGrp="1"/>
+          </p:cNvSpPr>
+          <p:nvPr>
+            <p:ph type="title"/>
+          </p:nvPr>
+        </p:nvSpPr>
+        <p:spPr/>
+        <p:txBody>
+          <a:bodyPr/>
+          <a:lstStyle/>
+          <a:p>
+            <a:r>
+              <a:rPr lang="ru-RU" smtClean="0"/>
+              <a:t>Ссылки</a:t>
+            </a:r>
+            <a:endParaRPr lang="ru-RU" dirty="0"/>
+          </a:p>
+        </p:txBody>
+      </p:sp>
+      <p:sp>
+        <p:nvSpPr>
+          <p:cNvPr id="3" name="Content Placeholder 2"/>
+          <p:cNvSpPr>
+            <a:spLocks noGrp="1"/>
+          </p:cNvSpPr>
+          <p:nvPr>
+            <p:ph idx="1"/>
+          </p:nvPr>
+        </p:nvSpPr>
+        <p:spPr/>
+        <p:txBody>
+          <a:bodyPr/>
+          <a:lstStyle/>
+          <a:p>
+            <a:r>
+              <a:rPr lang="en-US" dirty="0" smtClean="0">
+                <a:hlinkClick r:id="rId2"/>
+              </a:rPr>
+              <a:t>Model-View-Controller</a:t>
+            </a:r>
+            <a:endParaRPr lang="en-US" dirty="0" smtClean="0">
+              <a:hlinkClick r:id="rId3"/>
+            </a:endParaRPr>
+          </a:p>
+          <a:p>
+            <a:r>
+              <a:rPr lang="en-US" dirty="0" smtClean="0">
+                <a:hlinkClick r:id="rId3"/>
+              </a:rPr>
+              <a:t>Everything you wanted to know about MVC and MVP but were afraid to ask</a:t>
+            </a:r>
+            <a:endParaRPr lang="en-US" dirty="0" smtClean="0"/>
+          </a:p>
+          <a:p>
+            <a:r>
+              <a:rPr lang="en-US" dirty="0" smtClean="0">
+                <a:hlinkClick r:id="rId4"/>
+              </a:rPr>
+              <a:t>Supervising Controller</a:t>
+            </a:r>
+            <a:endParaRPr lang="en-US" dirty="0" smtClean="0"/>
+          </a:p>
+          <a:p>
+            <a:r>
+              <a:rPr lang="en-US" dirty="0" smtClean="0">
+                <a:hlinkClick r:id="rId5"/>
+              </a:rPr>
+              <a:t>Passive View</a:t>
+            </a:r>
+            <a:endParaRPr lang="en-US" dirty="0" smtClean="0"/>
+          </a:p>
+          <a:p>
+            <a:r>
+              <a:rPr lang="en-US" dirty="0" smtClean="0">
+                <a:hlinkClick r:id="rId6"/>
+              </a:rPr>
+              <a:t>Retirement note for MVP pattern</a:t>
+            </a:r>
+            <a:endParaRPr lang="ru-RU" dirty="0"/>
+          </a:p>
+        </p:txBody>
+      </p:sp>
+    </p:spTree>
+    <p:extLst>
+      <p:ext uri="{BB962C8B-B14F-4D97-AF65-F5344CB8AC3E}">
+        <p14:creationId xmlns:p14="http://schemas.microsoft.com/office/powerpoint/2010/main" val="1321495464"/>
+      </p:ext>
+    </p:extLst>
+  </p:cSld>
+  <p:clrMapOvr>
+    <a:masterClrMapping/>
+  </p:clrMapOvr>
+  <p:timing>
+    <p:tnLst>
+      <p:par>
+        <p:cTn id="1" dur="indefinite" restart="never" nodeType="tmRoot"/>
+      </p:par>
+    </p:tnLst>
+  </p:timing>
+</p:sld>
+</file>
+
+<file path=ppt/slides/slide4.xml><?xml version="1.0" encoding="utf-8"?>
+<p:sld xmlns:a="http://schemas.openxmlformats.org/drawingml/2006/main" xmlns:r="http://schemas.openxmlformats.org/officeDocument/2006/relationships" xmlns:p="http://schemas.openxmlformats.org/presentationml/2006/main">
+  <p:cSld>
+    <p:spTree>
+      <p:nvGrpSpPr>
+        <p:cNvPr id="1" name=""/>
+        <p:cNvGrpSpPr/>
+        <p:nvPr/>
+      </p:nvGrpSpPr>
+      <p:grpSpPr>
+        <a:xfrm>
+          <a:off x="0" y="0"/>
+          <a:ext cx="0" cy="0"/>
+          <a:chOff x="0" y="0"/>
+          <a:chExt cx="0" cy="0"/>
+        </a:xfrm>
+      </p:grpSpPr>
+      <p:sp>
+        <p:nvSpPr>
+          <p:cNvPr id="2" name="Title 1"/>
+          <p:cNvSpPr>
+            <a:spLocks noGrp="1"/>
+          </p:cNvSpPr>
+          <p:nvPr>
+            <p:ph type="title"/>
+          </p:nvPr>
+        </p:nvSpPr>
+        <p:spPr/>
+        <p:txBody>
+          <a:bodyPr/>
+          <a:lstStyle/>
+          <a:p>
+            <a:r>
+              <a:rPr lang="ru-RU" dirty="0" smtClean="0"/>
+              <a:t>Пример</a:t>
+            </a:r>
+            <a:endParaRPr lang="ru-RU" dirty="0"/>
+          </a:p>
+        </p:txBody>
+      </p:sp>
+      <p:pic>
+        <p:nvPicPr>
+          <p:cNvPr id="5" name="Picture 4"/>
+          <p:cNvPicPr>
+            <a:picLocks noChangeAspect="1"/>
+          </p:cNvPicPr>
+          <p:nvPr/>
+        </p:nvPicPr>
+        <p:blipFill>
+          <a:blip r:embed="rId2">
+            <a:extLst>
+              <a:ext uri="{28A0092B-C50C-407E-A947-70E740481C1C}">
+                <a14:useLocalDpi xmlns:a14="http://schemas.microsoft.com/office/drawing/2010/main" val="0"/>
+              </a:ext>
+            </a:extLst>
+          </a:blip>
+          <a:stretch>
+            <a:fillRect/>
+          </a:stretch>
+        </p:blipFill>
+        <p:spPr>
+          <a:xfrm>
+            <a:off x="7215505" y="3212976"/>
+            <a:ext cx="1612979" cy="1440160"/>
+          </a:xfrm>
+          <a:prstGeom prst="rect">
+            <a:avLst/>
+          </a:prstGeom>
+        </p:spPr>
+      </p:pic>
+      <p:sp>
+        <p:nvSpPr>
+          <p:cNvPr id="6" name="TextBox 5"/>
+          <p:cNvSpPr txBox="1"/>
+          <p:nvPr/>
+        </p:nvSpPr>
+        <p:spPr>
+          <a:xfrm>
+            <a:off x="95186" y="1484784"/>
+            <a:ext cx="6781070" cy="5262979"/>
+          </a:xfrm>
+          <a:prstGeom prst="rect">
+            <a:avLst/>
+          </a:prstGeom>
+          <a:noFill/>
+        </p:spPr>
+        <p:txBody>
+          <a:bodyPr wrap="square" rtlCol="0">
+            <a:spAutoFit/>
+          </a:bodyPr>
+          <a:lstStyle/>
+          <a:p>
+            <a:pPr>
+              <a:spcAft>
+                <a:spcPts val="0"/>
+              </a:spcAft>
+              <a:tabLst>
+                <a:tab pos="581660" algn="l"/>
+                <a:tab pos="1163320" algn="l"/>
+                <a:tab pos="1744980" algn="l"/>
+                <a:tab pos="2326640" algn="l"/>
+                <a:tab pos="2908300" algn="l"/>
+                <a:tab pos="3489960" algn="l"/>
+                <a:tab pos="4071620" algn="l"/>
+                <a:tab pos="4653280" algn="l"/>
+                <a:tab pos="5234940" algn="l"/>
+                <a:tab pos="5816600" algn="l"/>
+                <a:tab pos="6398260" algn="l"/>
+                <a:tab pos="6979920" algn="l"/>
+                <a:tab pos="7561580" algn="l"/>
+                <a:tab pos="8143240" algn="l"/>
+                <a:tab pos="8724900" algn="l"/>
+                <a:tab pos="9306560" algn="l"/>
+              </a:tabLst>
+            </a:pPr>
+            <a:r>
+              <a:rPr lang="en-US" sz="1600" dirty="0">
+                <a:latin typeface="Consolas" panose="020B0609020204030204" pitchFamily="49" charset="0"/>
+                <a:ea typeface="Times New Roman" panose="02020603050405020304" pitchFamily="18" charset="0"/>
+                <a:cs typeface="Times New Roman" panose="02020603050405020304" pitchFamily="18" charset="0"/>
+              </a:rPr>
+              <a:t>import sys</a:t>
+            </a:r>
+            <a:endParaRPr lang="ru-RU" sz="1600" dirty="0">
+              <a:latin typeface="Consolas" panose="020B0609020204030204" pitchFamily="49" charset="0"/>
+              <a:ea typeface="Calibri" panose="020F0502020204030204" pitchFamily="34" charset="0"/>
+              <a:cs typeface="Times New Roman" panose="02020603050405020304" pitchFamily="18" charset="0"/>
+            </a:endParaRPr>
+          </a:p>
+          <a:p>
+            <a:pPr>
+              <a:spcAft>
+                <a:spcPts val="0"/>
+              </a:spcAft>
+              <a:tabLst>
+                <a:tab pos="581660" algn="l"/>
+                <a:tab pos="1163320" algn="l"/>
+                <a:tab pos="1744980" algn="l"/>
+                <a:tab pos="2326640" algn="l"/>
+                <a:tab pos="2908300" algn="l"/>
+                <a:tab pos="3489960" algn="l"/>
+                <a:tab pos="4071620" algn="l"/>
+                <a:tab pos="4653280" algn="l"/>
+                <a:tab pos="5234940" algn="l"/>
+                <a:tab pos="5816600" algn="l"/>
+                <a:tab pos="6398260" algn="l"/>
+                <a:tab pos="6979920" algn="l"/>
+                <a:tab pos="7561580" algn="l"/>
+                <a:tab pos="8143240" algn="l"/>
+                <a:tab pos="8724900" algn="l"/>
+                <a:tab pos="9306560" algn="l"/>
+              </a:tabLst>
+            </a:pPr>
+            <a:r>
+              <a:rPr lang="en-US" sz="1600" dirty="0">
+                <a:latin typeface="Consolas" panose="020B0609020204030204" pitchFamily="49" charset="0"/>
+                <a:ea typeface="Times New Roman" panose="02020603050405020304" pitchFamily="18" charset="0"/>
+                <a:cs typeface="Times New Roman" panose="02020603050405020304" pitchFamily="18" charset="0"/>
+              </a:rPr>
+              <a:t>from PyQt4 import </a:t>
+            </a:r>
+            <a:r>
+              <a:rPr lang="en-US" sz="1600" dirty="0" err="1">
+                <a:latin typeface="Consolas" panose="020B0609020204030204" pitchFamily="49" charset="0"/>
+                <a:ea typeface="Times New Roman" panose="02020603050405020304" pitchFamily="18" charset="0"/>
+                <a:cs typeface="Times New Roman" panose="02020603050405020304" pitchFamily="18" charset="0"/>
+              </a:rPr>
+              <a:t>QtCore</a:t>
+            </a:r>
+            <a:r>
+              <a:rPr lang="en-US" sz="1600" dirty="0">
+                <a:latin typeface="Consolas" panose="020B0609020204030204" pitchFamily="49" charset="0"/>
+                <a:ea typeface="Times New Roman" panose="02020603050405020304" pitchFamily="18" charset="0"/>
+                <a:cs typeface="Times New Roman" panose="02020603050405020304" pitchFamily="18" charset="0"/>
+              </a:rPr>
+              <a:t>, </a:t>
+            </a:r>
+            <a:r>
+              <a:rPr lang="en-US" sz="1600" dirty="0" err="1">
+                <a:latin typeface="Consolas" panose="020B0609020204030204" pitchFamily="49" charset="0"/>
+                <a:ea typeface="Times New Roman" panose="02020603050405020304" pitchFamily="18" charset="0"/>
+                <a:cs typeface="Times New Roman" panose="02020603050405020304" pitchFamily="18" charset="0"/>
+              </a:rPr>
+              <a:t>QtGui</a:t>
+            </a:r>
+            <a:endParaRPr lang="ru-RU" sz="1600" dirty="0">
+              <a:latin typeface="Consolas" panose="020B0609020204030204" pitchFamily="49" charset="0"/>
+              <a:ea typeface="Calibri" panose="020F0502020204030204" pitchFamily="34" charset="0"/>
+              <a:cs typeface="Times New Roman" panose="02020603050405020304" pitchFamily="18" charset="0"/>
+            </a:endParaRPr>
+          </a:p>
+          <a:p>
+            <a:pPr>
+              <a:spcAft>
+                <a:spcPts val="0"/>
+              </a:spcAft>
+              <a:tabLst>
+                <a:tab pos="581660" algn="l"/>
+                <a:tab pos="1163320" algn="l"/>
+                <a:tab pos="1744980" algn="l"/>
+                <a:tab pos="2326640" algn="l"/>
+                <a:tab pos="2908300" algn="l"/>
+                <a:tab pos="3489960" algn="l"/>
+                <a:tab pos="4071620" algn="l"/>
+                <a:tab pos="4653280" algn="l"/>
+                <a:tab pos="5234940" algn="l"/>
+                <a:tab pos="5816600" algn="l"/>
+                <a:tab pos="6398260" algn="l"/>
+                <a:tab pos="6979920" algn="l"/>
+                <a:tab pos="7561580" algn="l"/>
+                <a:tab pos="8143240" algn="l"/>
+                <a:tab pos="8724900" algn="l"/>
+                <a:tab pos="9306560" algn="l"/>
+              </a:tabLst>
+            </a:pPr>
+            <a:r>
+              <a:rPr lang="en-US" sz="1600" dirty="0">
+                <a:latin typeface="Consolas" panose="020B0609020204030204" pitchFamily="49" charset="0"/>
+                <a:ea typeface="Times New Roman" panose="02020603050405020304" pitchFamily="18" charset="0"/>
+                <a:cs typeface="Times New Roman" panose="02020603050405020304" pitchFamily="18" charset="0"/>
+              </a:rPr>
+              <a:t> </a:t>
+            </a:r>
+            <a:endParaRPr lang="ru-RU" sz="1600" dirty="0">
+              <a:latin typeface="Consolas" panose="020B0609020204030204" pitchFamily="49" charset="0"/>
+              <a:ea typeface="Calibri" panose="020F0502020204030204" pitchFamily="34" charset="0"/>
+              <a:cs typeface="Times New Roman" panose="02020603050405020304" pitchFamily="18" charset="0"/>
+            </a:endParaRPr>
+          </a:p>
+          <a:p>
+            <a:pPr>
+              <a:spcAft>
+                <a:spcPts val="0"/>
+              </a:spcAft>
+              <a:tabLst>
+                <a:tab pos="581660" algn="l"/>
+                <a:tab pos="1163320" algn="l"/>
+                <a:tab pos="1744980" algn="l"/>
+                <a:tab pos="2326640" algn="l"/>
+                <a:tab pos="2908300" algn="l"/>
+                <a:tab pos="3489960" algn="l"/>
+                <a:tab pos="4071620" algn="l"/>
+                <a:tab pos="4653280" algn="l"/>
+                <a:tab pos="5234940" algn="l"/>
+                <a:tab pos="5816600" algn="l"/>
+                <a:tab pos="6398260" algn="l"/>
+                <a:tab pos="6979920" algn="l"/>
+                <a:tab pos="7561580" algn="l"/>
+                <a:tab pos="8143240" algn="l"/>
+                <a:tab pos="8724900" algn="l"/>
+                <a:tab pos="9306560" algn="l"/>
+              </a:tabLst>
+            </a:pPr>
+            <a:r>
+              <a:rPr lang="en-US" sz="1600" dirty="0">
+                <a:latin typeface="Consolas" panose="020B0609020204030204" pitchFamily="49" charset="0"/>
+                <a:ea typeface="Times New Roman" panose="02020603050405020304" pitchFamily="18" charset="0"/>
+                <a:cs typeface="Times New Roman" panose="02020603050405020304" pitchFamily="18" charset="0"/>
+              </a:rPr>
+              <a:t>class Counter(</a:t>
+            </a:r>
+            <a:r>
+              <a:rPr lang="en-US" sz="1600" dirty="0" err="1">
+                <a:latin typeface="Consolas" panose="020B0609020204030204" pitchFamily="49" charset="0"/>
+                <a:ea typeface="Times New Roman" panose="02020603050405020304" pitchFamily="18" charset="0"/>
+                <a:cs typeface="Times New Roman" panose="02020603050405020304" pitchFamily="18" charset="0"/>
+              </a:rPr>
+              <a:t>QtGui.QPushButton</a:t>
+            </a:r>
+            <a:r>
+              <a:rPr lang="en-US" sz="1600" dirty="0">
+                <a:latin typeface="Consolas" panose="020B0609020204030204" pitchFamily="49" charset="0"/>
+                <a:ea typeface="Times New Roman" panose="02020603050405020304" pitchFamily="18" charset="0"/>
+                <a:cs typeface="Times New Roman" panose="02020603050405020304" pitchFamily="18" charset="0"/>
+              </a:rPr>
+              <a:t>):</a:t>
+            </a:r>
+            <a:endParaRPr lang="ru-RU" sz="1600" dirty="0">
+              <a:latin typeface="Consolas" panose="020B0609020204030204" pitchFamily="49" charset="0"/>
+              <a:ea typeface="Calibri" panose="020F0502020204030204" pitchFamily="34" charset="0"/>
+              <a:cs typeface="Times New Roman" panose="02020603050405020304" pitchFamily="18" charset="0"/>
+            </a:endParaRPr>
+          </a:p>
+          <a:p>
+            <a:pPr>
+              <a:spcAft>
+                <a:spcPts val="0"/>
+              </a:spcAft>
+              <a:tabLst>
+                <a:tab pos="581660" algn="l"/>
+                <a:tab pos="1163320" algn="l"/>
+                <a:tab pos="1744980" algn="l"/>
+                <a:tab pos="2326640" algn="l"/>
+                <a:tab pos="2908300" algn="l"/>
+                <a:tab pos="3489960" algn="l"/>
+                <a:tab pos="4071620" algn="l"/>
+                <a:tab pos="4653280" algn="l"/>
+                <a:tab pos="5234940" algn="l"/>
+                <a:tab pos="5816600" algn="l"/>
+                <a:tab pos="6398260" algn="l"/>
+                <a:tab pos="6979920" algn="l"/>
+                <a:tab pos="7561580" algn="l"/>
+                <a:tab pos="8143240" algn="l"/>
+                <a:tab pos="8724900" algn="l"/>
+                <a:tab pos="9306560" algn="l"/>
+              </a:tabLst>
+            </a:pPr>
+            <a:r>
+              <a:rPr lang="en-US" sz="1600" dirty="0">
+                <a:latin typeface="Consolas" panose="020B0609020204030204" pitchFamily="49" charset="0"/>
+                <a:ea typeface="Times New Roman" panose="02020603050405020304" pitchFamily="18" charset="0"/>
+                <a:cs typeface="Times New Roman" panose="02020603050405020304" pitchFamily="18" charset="0"/>
+              </a:rPr>
+              <a:t>    </a:t>
+            </a:r>
+            <a:r>
+              <a:rPr lang="en-US" sz="1600" dirty="0" err="1">
+                <a:latin typeface="Consolas" panose="020B0609020204030204" pitchFamily="49" charset="0"/>
+                <a:ea typeface="Times New Roman" panose="02020603050405020304" pitchFamily="18" charset="0"/>
+                <a:cs typeface="Times New Roman" panose="02020603050405020304" pitchFamily="18" charset="0"/>
+              </a:rPr>
+              <a:t>def</a:t>
+            </a:r>
+            <a:r>
+              <a:rPr lang="en-US" sz="1600" dirty="0">
+                <a:latin typeface="Consolas" panose="020B0609020204030204" pitchFamily="49" charset="0"/>
+                <a:ea typeface="Times New Roman" panose="02020603050405020304" pitchFamily="18" charset="0"/>
+                <a:cs typeface="Times New Roman" panose="02020603050405020304" pitchFamily="18" charset="0"/>
+              </a:rPr>
+              <a:t> __</a:t>
+            </a:r>
+            <a:r>
+              <a:rPr lang="en-US" sz="1600" dirty="0" err="1">
+                <a:latin typeface="Consolas" panose="020B0609020204030204" pitchFamily="49" charset="0"/>
+                <a:ea typeface="Times New Roman" panose="02020603050405020304" pitchFamily="18" charset="0"/>
+                <a:cs typeface="Times New Roman" panose="02020603050405020304" pitchFamily="18" charset="0"/>
+              </a:rPr>
+              <a:t>init</a:t>
+            </a:r>
+            <a:r>
+              <a:rPr lang="en-US" sz="1600" dirty="0">
+                <a:latin typeface="Consolas" panose="020B0609020204030204" pitchFamily="49" charset="0"/>
+                <a:ea typeface="Times New Roman" panose="02020603050405020304" pitchFamily="18" charset="0"/>
+                <a:cs typeface="Times New Roman" panose="02020603050405020304" pitchFamily="18" charset="0"/>
+              </a:rPr>
+              <a:t>__(self, *</a:t>
+            </a:r>
+            <a:r>
+              <a:rPr lang="en-US" sz="1600" dirty="0" err="1">
+                <a:latin typeface="Consolas" panose="020B0609020204030204" pitchFamily="49" charset="0"/>
+                <a:ea typeface="Times New Roman" panose="02020603050405020304" pitchFamily="18" charset="0"/>
+                <a:cs typeface="Times New Roman" panose="02020603050405020304" pitchFamily="18" charset="0"/>
+              </a:rPr>
+              <a:t>args</a:t>
+            </a:r>
+            <a:r>
+              <a:rPr lang="en-US" sz="1600" dirty="0">
+                <a:latin typeface="Consolas" panose="020B0609020204030204" pitchFamily="49" charset="0"/>
+                <a:ea typeface="Times New Roman" panose="02020603050405020304" pitchFamily="18" charset="0"/>
+                <a:cs typeface="Times New Roman" panose="02020603050405020304" pitchFamily="18" charset="0"/>
+              </a:rPr>
+              <a:t>, **</a:t>
+            </a:r>
+            <a:r>
+              <a:rPr lang="en-US" sz="1600" dirty="0" err="1">
+                <a:latin typeface="Consolas" panose="020B0609020204030204" pitchFamily="49" charset="0"/>
+                <a:ea typeface="Times New Roman" panose="02020603050405020304" pitchFamily="18" charset="0"/>
+                <a:cs typeface="Times New Roman" panose="02020603050405020304" pitchFamily="18" charset="0"/>
+              </a:rPr>
+              <a:t>kwargs</a:t>
+            </a:r>
+            <a:r>
+              <a:rPr lang="en-US" sz="1600" dirty="0">
+                <a:latin typeface="Consolas" panose="020B0609020204030204" pitchFamily="49" charset="0"/>
+                <a:ea typeface="Times New Roman" panose="02020603050405020304" pitchFamily="18" charset="0"/>
+                <a:cs typeface="Times New Roman" panose="02020603050405020304" pitchFamily="18" charset="0"/>
+              </a:rPr>
+              <a:t>):</a:t>
+            </a:r>
+            <a:endParaRPr lang="ru-RU" sz="1600" dirty="0">
+              <a:latin typeface="Consolas" panose="020B0609020204030204" pitchFamily="49" charset="0"/>
+              <a:ea typeface="Calibri" panose="020F0502020204030204" pitchFamily="34" charset="0"/>
+              <a:cs typeface="Times New Roman" panose="02020603050405020304" pitchFamily="18" charset="0"/>
+            </a:endParaRPr>
+          </a:p>
+          <a:p>
+            <a:pPr>
+              <a:spcAft>
+                <a:spcPts val="0"/>
+              </a:spcAft>
+              <a:tabLst>
+                <a:tab pos="581660" algn="l"/>
+                <a:tab pos="1163320" algn="l"/>
+                <a:tab pos="1744980" algn="l"/>
+                <a:tab pos="2326640" algn="l"/>
+                <a:tab pos="2908300" algn="l"/>
+                <a:tab pos="3489960" algn="l"/>
+                <a:tab pos="4071620" algn="l"/>
+                <a:tab pos="4653280" algn="l"/>
+                <a:tab pos="5234940" algn="l"/>
+                <a:tab pos="5816600" algn="l"/>
+                <a:tab pos="6398260" algn="l"/>
+                <a:tab pos="6979920" algn="l"/>
+                <a:tab pos="7561580" algn="l"/>
+                <a:tab pos="8143240" algn="l"/>
+                <a:tab pos="8724900" algn="l"/>
+                <a:tab pos="9306560" algn="l"/>
+              </a:tabLst>
+            </a:pPr>
+            <a:r>
+              <a:rPr lang="en-US" sz="1600" dirty="0">
+                <a:latin typeface="Consolas" panose="020B0609020204030204" pitchFamily="49" charset="0"/>
+                <a:ea typeface="Times New Roman" panose="02020603050405020304" pitchFamily="18" charset="0"/>
+                <a:cs typeface="Times New Roman" panose="02020603050405020304" pitchFamily="18" charset="0"/>
+              </a:rPr>
+              <a:t>        super(Counter, self).__</a:t>
+            </a:r>
+            <a:r>
+              <a:rPr lang="en-US" sz="1600" dirty="0" err="1">
+                <a:latin typeface="Consolas" panose="020B0609020204030204" pitchFamily="49" charset="0"/>
+                <a:ea typeface="Times New Roman" panose="02020603050405020304" pitchFamily="18" charset="0"/>
+                <a:cs typeface="Times New Roman" panose="02020603050405020304" pitchFamily="18" charset="0"/>
+              </a:rPr>
+              <a:t>init</a:t>
+            </a:r>
+            <a:r>
+              <a:rPr lang="en-US" sz="1600" dirty="0">
+                <a:latin typeface="Consolas" panose="020B0609020204030204" pitchFamily="49" charset="0"/>
+                <a:ea typeface="Times New Roman" panose="02020603050405020304" pitchFamily="18" charset="0"/>
+                <a:cs typeface="Times New Roman" panose="02020603050405020304" pitchFamily="18" charset="0"/>
+              </a:rPr>
+              <a:t>__(*</a:t>
+            </a:r>
+            <a:r>
+              <a:rPr lang="en-US" sz="1600" dirty="0" err="1">
+                <a:latin typeface="Consolas" panose="020B0609020204030204" pitchFamily="49" charset="0"/>
+                <a:ea typeface="Times New Roman" panose="02020603050405020304" pitchFamily="18" charset="0"/>
+                <a:cs typeface="Times New Roman" panose="02020603050405020304" pitchFamily="18" charset="0"/>
+              </a:rPr>
+              <a:t>args</a:t>
+            </a:r>
+            <a:r>
+              <a:rPr lang="en-US" sz="1600" dirty="0">
+                <a:latin typeface="Consolas" panose="020B0609020204030204" pitchFamily="49" charset="0"/>
+                <a:ea typeface="Times New Roman" panose="02020603050405020304" pitchFamily="18" charset="0"/>
+                <a:cs typeface="Times New Roman" panose="02020603050405020304" pitchFamily="18" charset="0"/>
+              </a:rPr>
+              <a:t>, **</a:t>
+            </a:r>
+            <a:r>
+              <a:rPr lang="en-US" sz="1600" dirty="0" err="1">
+                <a:latin typeface="Consolas" panose="020B0609020204030204" pitchFamily="49" charset="0"/>
+                <a:ea typeface="Times New Roman" panose="02020603050405020304" pitchFamily="18" charset="0"/>
+                <a:cs typeface="Times New Roman" panose="02020603050405020304" pitchFamily="18" charset="0"/>
+              </a:rPr>
+              <a:t>kwargs</a:t>
+            </a:r>
+            <a:r>
+              <a:rPr lang="en-US" sz="1600" dirty="0">
+                <a:latin typeface="Consolas" panose="020B0609020204030204" pitchFamily="49" charset="0"/>
+                <a:ea typeface="Times New Roman" panose="02020603050405020304" pitchFamily="18" charset="0"/>
+                <a:cs typeface="Times New Roman" panose="02020603050405020304" pitchFamily="18" charset="0"/>
+              </a:rPr>
+              <a:t>)</a:t>
+            </a:r>
+            <a:endParaRPr lang="ru-RU" sz="1600" dirty="0">
+              <a:latin typeface="Consolas" panose="020B0609020204030204" pitchFamily="49" charset="0"/>
+              <a:ea typeface="Calibri" panose="020F0502020204030204" pitchFamily="34" charset="0"/>
+              <a:cs typeface="Times New Roman" panose="02020603050405020304" pitchFamily="18" charset="0"/>
+            </a:endParaRPr>
+          </a:p>
+          <a:p>
+            <a:pPr>
+              <a:spcAft>
+                <a:spcPts val="0"/>
+              </a:spcAft>
+              <a:tabLst>
+                <a:tab pos="581660" algn="l"/>
+                <a:tab pos="1163320" algn="l"/>
+                <a:tab pos="1744980" algn="l"/>
+                <a:tab pos="2326640" algn="l"/>
+                <a:tab pos="2908300" algn="l"/>
+                <a:tab pos="3489960" algn="l"/>
+                <a:tab pos="4071620" algn="l"/>
+                <a:tab pos="4653280" algn="l"/>
+                <a:tab pos="5234940" algn="l"/>
+                <a:tab pos="5816600" algn="l"/>
+                <a:tab pos="6398260" algn="l"/>
+                <a:tab pos="6979920" algn="l"/>
+                <a:tab pos="7561580" algn="l"/>
+                <a:tab pos="8143240" algn="l"/>
+                <a:tab pos="8724900" algn="l"/>
+                <a:tab pos="9306560" algn="l"/>
+              </a:tabLst>
+            </a:pPr>
+            <a:r>
+              <a:rPr lang="en-US" sz="1600" dirty="0">
+                <a:latin typeface="Consolas" panose="020B0609020204030204" pitchFamily="49" charset="0"/>
+                <a:ea typeface="Times New Roman" panose="02020603050405020304" pitchFamily="18" charset="0"/>
+                <a:cs typeface="Times New Roman" panose="02020603050405020304" pitchFamily="18" charset="0"/>
+              </a:rPr>
+              <a:t>        </a:t>
+            </a:r>
+            <a:r>
+              <a:rPr lang="en-US" sz="1600" dirty="0" err="1">
+                <a:latin typeface="Consolas" panose="020B0609020204030204" pitchFamily="49" charset="0"/>
+                <a:ea typeface="Times New Roman" panose="02020603050405020304" pitchFamily="18" charset="0"/>
+                <a:cs typeface="Times New Roman" panose="02020603050405020304" pitchFamily="18" charset="0"/>
+              </a:rPr>
+              <a:t>self._value</a:t>
+            </a:r>
+            <a:r>
+              <a:rPr lang="en-US" sz="1600" dirty="0">
+                <a:latin typeface="Consolas" panose="020B0609020204030204" pitchFamily="49" charset="0"/>
+                <a:ea typeface="Times New Roman" panose="02020603050405020304" pitchFamily="18" charset="0"/>
+                <a:cs typeface="Times New Roman" panose="02020603050405020304" pitchFamily="18" charset="0"/>
+              </a:rPr>
+              <a:t> = 0</a:t>
+            </a:r>
+            <a:endParaRPr lang="ru-RU" sz="1600" dirty="0">
+              <a:latin typeface="Consolas" panose="020B0609020204030204" pitchFamily="49" charset="0"/>
+              <a:ea typeface="Calibri" panose="020F0502020204030204" pitchFamily="34" charset="0"/>
+              <a:cs typeface="Times New Roman" panose="02020603050405020304" pitchFamily="18" charset="0"/>
+            </a:endParaRPr>
+          </a:p>
+          <a:p>
+            <a:pPr>
+              <a:spcAft>
+                <a:spcPts val="0"/>
+              </a:spcAft>
+              <a:tabLst>
+                <a:tab pos="581660" algn="l"/>
+                <a:tab pos="1163320" algn="l"/>
+                <a:tab pos="1744980" algn="l"/>
+                <a:tab pos="2326640" algn="l"/>
+                <a:tab pos="2908300" algn="l"/>
+                <a:tab pos="3489960" algn="l"/>
+                <a:tab pos="4071620" algn="l"/>
+                <a:tab pos="4653280" algn="l"/>
+                <a:tab pos="5234940" algn="l"/>
+                <a:tab pos="5816600" algn="l"/>
+                <a:tab pos="6398260" algn="l"/>
+                <a:tab pos="6979920" algn="l"/>
+                <a:tab pos="7561580" algn="l"/>
+                <a:tab pos="8143240" algn="l"/>
+                <a:tab pos="8724900" algn="l"/>
+                <a:tab pos="9306560" algn="l"/>
+              </a:tabLst>
+            </a:pPr>
+            <a:r>
+              <a:rPr lang="en-US" sz="1600" dirty="0">
+                <a:latin typeface="Consolas" panose="020B0609020204030204" pitchFamily="49" charset="0"/>
+                <a:ea typeface="Times New Roman" panose="02020603050405020304" pitchFamily="18" charset="0"/>
+                <a:cs typeface="Times New Roman" panose="02020603050405020304" pitchFamily="18" charset="0"/>
+              </a:rPr>
+              <a:t>        </a:t>
+            </a:r>
+            <a:r>
+              <a:rPr lang="en-US" sz="1600" dirty="0" err="1">
+                <a:latin typeface="Consolas" panose="020B0609020204030204" pitchFamily="49" charset="0"/>
+                <a:ea typeface="Times New Roman" panose="02020603050405020304" pitchFamily="18" charset="0"/>
+                <a:cs typeface="Times New Roman" panose="02020603050405020304" pitchFamily="18" charset="0"/>
+              </a:rPr>
+              <a:t>self._update</a:t>
+            </a:r>
+            <a:r>
+              <a:rPr lang="en-US" sz="1600" dirty="0">
+                <a:latin typeface="Consolas" panose="020B0609020204030204" pitchFamily="49" charset="0"/>
+                <a:ea typeface="Times New Roman" panose="02020603050405020304" pitchFamily="18" charset="0"/>
+                <a:cs typeface="Times New Roman" panose="02020603050405020304" pitchFamily="18" charset="0"/>
+              </a:rPr>
+              <a:t>()</a:t>
+            </a:r>
+            <a:endParaRPr lang="ru-RU" sz="1600" dirty="0">
+              <a:latin typeface="Consolas" panose="020B0609020204030204" pitchFamily="49" charset="0"/>
+              <a:ea typeface="Calibri" panose="020F0502020204030204" pitchFamily="34" charset="0"/>
+              <a:cs typeface="Times New Roman" panose="02020603050405020304" pitchFamily="18" charset="0"/>
+            </a:endParaRPr>
+          </a:p>
+          <a:p>
+            <a:pPr>
+              <a:spcAft>
+                <a:spcPts val="0"/>
+              </a:spcAft>
+              <a:tabLst>
+                <a:tab pos="581660" algn="l"/>
+                <a:tab pos="1163320" algn="l"/>
+                <a:tab pos="1744980" algn="l"/>
+                <a:tab pos="2326640" algn="l"/>
+                <a:tab pos="2908300" algn="l"/>
+                <a:tab pos="3489960" algn="l"/>
+                <a:tab pos="4071620" algn="l"/>
+                <a:tab pos="4653280" algn="l"/>
+                <a:tab pos="5234940" algn="l"/>
+                <a:tab pos="5816600" algn="l"/>
+                <a:tab pos="6398260" algn="l"/>
+                <a:tab pos="6979920" algn="l"/>
+                <a:tab pos="7561580" algn="l"/>
+                <a:tab pos="8143240" algn="l"/>
+                <a:tab pos="8724900" algn="l"/>
+                <a:tab pos="9306560" algn="l"/>
+              </a:tabLst>
+            </a:pPr>
+            <a:r>
+              <a:rPr lang="en-US" sz="1600" dirty="0">
+                <a:latin typeface="Consolas" panose="020B0609020204030204" pitchFamily="49" charset="0"/>
+                <a:ea typeface="Times New Roman" panose="02020603050405020304" pitchFamily="18" charset="0"/>
+                <a:cs typeface="Times New Roman" panose="02020603050405020304" pitchFamily="18" charset="0"/>
+              </a:rPr>
+              <a:t> </a:t>
+            </a:r>
+            <a:endParaRPr lang="ru-RU" sz="1600" dirty="0">
+              <a:latin typeface="Consolas" panose="020B0609020204030204" pitchFamily="49" charset="0"/>
+              <a:ea typeface="Calibri" panose="020F0502020204030204" pitchFamily="34" charset="0"/>
+              <a:cs typeface="Times New Roman" panose="02020603050405020304" pitchFamily="18" charset="0"/>
+            </a:endParaRPr>
+          </a:p>
+          <a:p>
+            <a:pPr>
+              <a:spcAft>
+                <a:spcPts val="0"/>
+              </a:spcAft>
+              <a:tabLst>
+                <a:tab pos="581660" algn="l"/>
+                <a:tab pos="1163320" algn="l"/>
+                <a:tab pos="1744980" algn="l"/>
+                <a:tab pos="2326640" algn="l"/>
+                <a:tab pos="2908300" algn="l"/>
+                <a:tab pos="3489960" algn="l"/>
+                <a:tab pos="4071620" algn="l"/>
+                <a:tab pos="4653280" algn="l"/>
+                <a:tab pos="5234940" algn="l"/>
+                <a:tab pos="5816600" algn="l"/>
+                <a:tab pos="6398260" algn="l"/>
+                <a:tab pos="6979920" algn="l"/>
+                <a:tab pos="7561580" algn="l"/>
+                <a:tab pos="8143240" algn="l"/>
+                <a:tab pos="8724900" algn="l"/>
+                <a:tab pos="9306560" algn="l"/>
+              </a:tabLst>
+            </a:pPr>
+            <a:r>
+              <a:rPr lang="en-US" sz="1600" dirty="0">
+                <a:latin typeface="Consolas" panose="020B0609020204030204" pitchFamily="49" charset="0"/>
+                <a:ea typeface="Times New Roman" panose="02020603050405020304" pitchFamily="18" charset="0"/>
+                <a:cs typeface="Times New Roman" panose="02020603050405020304" pitchFamily="18" charset="0"/>
+              </a:rPr>
+              <a:t>    </a:t>
+            </a:r>
+            <a:r>
+              <a:rPr lang="en-US" sz="1600" dirty="0" err="1">
+                <a:latin typeface="Consolas" panose="020B0609020204030204" pitchFamily="49" charset="0"/>
+                <a:ea typeface="Times New Roman" panose="02020603050405020304" pitchFamily="18" charset="0"/>
+                <a:cs typeface="Times New Roman" panose="02020603050405020304" pitchFamily="18" charset="0"/>
+              </a:rPr>
+              <a:t>def</a:t>
+            </a:r>
+            <a:r>
+              <a:rPr lang="en-US" sz="1600" dirty="0">
+                <a:latin typeface="Consolas" panose="020B0609020204030204" pitchFamily="49" charset="0"/>
+                <a:ea typeface="Times New Roman" panose="02020603050405020304" pitchFamily="18" charset="0"/>
+                <a:cs typeface="Times New Roman" panose="02020603050405020304" pitchFamily="18" charset="0"/>
+              </a:rPr>
+              <a:t> </a:t>
+            </a:r>
+            <a:r>
+              <a:rPr lang="en-US" sz="1600" dirty="0" err="1">
+                <a:latin typeface="Consolas" panose="020B0609020204030204" pitchFamily="49" charset="0"/>
+                <a:ea typeface="Times New Roman" panose="02020603050405020304" pitchFamily="18" charset="0"/>
+                <a:cs typeface="Times New Roman" panose="02020603050405020304" pitchFamily="18" charset="0"/>
+              </a:rPr>
+              <a:t>mouseReleaseEvent</a:t>
+            </a:r>
+            <a:r>
+              <a:rPr lang="en-US" sz="1600" dirty="0">
+                <a:latin typeface="Consolas" panose="020B0609020204030204" pitchFamily="49" charset="0"/>
+                <a:ea typeface="Times New Roman" panose="02020603050405020304" pitchFamily="18" charset="0"/>
+                <a:cs typeface="Times New Roman" panose="02020603050405020304" pitchFamily="18" charset="0"/>
+              </a:rPr>
+              <a:t>(self, event):</a:t>
+            </a:r>
+            <a:endParaRPr lang="ru-RU" sz="1600" dirty="0">
+              <a:latin typeface="Consolas" panose="020B0609020204030204" pitchFamily="49" charset="0"/>
+              <a:ea typeface="Calibri" panose="020F0502020204030204" pitchFamily="34" charset="0"/>
+              <a:cs typeface="Times New Roman" panose="02020603050405020304" pitchFamily="18" charset="0"/>
+            </a:endParaRPr>
+          </a:p>
+          <a:p>
+            <a:pPr>
+              <a:spcAft>
+                <a:spcPts val="0"/>
+              </a:spcAft>
+              <a:tabLst>
+                <a:tab pos="581660" algn="l"/>
+                <a:tab pos="1163320" algn="l"/>
+                <a:tab pos="1744980" algn="l"/>
+                <a:tab pos="2326640" algn="l"/>
+                <a:tab pos="2908300" algn="l"/>
+                <a:tab pos="3489960" algn="l"/>
+                <a:tab pos="4071620" algn="l"/>
+                <a:tab pos="4653280" algn="l"/>
+                <a:tab pos="5234940" algn="l"/>
+                <a:tab pos="5816600" algn="l"/>
+                <a:tab pos="6398260" algn="l"/>
+                <a:tab pos="6979920" algn="l"/>
+                <a:tab pos="7561580" algn="l"/>
+                <a:tab pos="8143240" algn="l"/>
+                <a:tab pos="8724900" algn="l"/>
+                <a:tab pos="9306560" algn="l"/>
+              </a:tabLst>
+            </a:pPr>
+            <a:r>
+              <a:rPr lang="en-US" sz="1600" dirty="0">
+                <a:latin typeface="Consolas" panose="020B0609020204030204" pitchFamily="49" charset="0"/>
+                <a:ea typeface="Times New Roman" panose="02020603050405020304" pitchFamily="18" charset="0"/>
+                <a:cs typeface="Times New Roman" panose="02020603050405020304" pitchFamily="18" charset="0"/>
+              </a:rPr>
+              <a:t>        super(Counter, self).</a:t>
+            </a:r>
+            <a:r>
+              <a:rPr lang="en-US" sz="1600" dirty="0" err="1">
+                <a:latin typeface="Consolas" panose="020B0609020204030204" pitchFamily="49" charset="0"/>
+                <a:ea typeface="Times New Roman" panose="02020603050405020304" pitchFamily="18" charset="0"/>
+                <a:cs typeface="Times New Roman" panose="02020603050405020304" pitchFamily="18" charset="0"/>
+              </a:rPr>
+              <a:t>mouseReleaseEvent</a:t>
+            </a:r>
+            <a:r>
+              <a:rPr lang="en-US" sz="1600" dirty="0">
+                <a:latin typeface="Consolas" panose="020B0609020204030204" pitchFamily="49" charset="0"/>
+                <a:ea typeface="Times New Roman" panose="02020603050405020304" pitchFamily="18" charset="0"/>
+                <a:cs typeface="Times New Roman" panose="02020603050405020304" pitchFamily="18" charset="0"/>
+              </a:rPr>
+              <a:t>(event)</a:t>
+            </a:r>
+            <a:endParaRPr lang="ru-RU" sz="1600" dirty="0">
+              <a:latin typeface="Consolas" panose="020B0609020204030204" pitchFamily="49" charset="0"/>
+              <a:ea typeface="Calibri" panose="020F0502020204030204" pitchFamily="34" charset="0"/>
+              <a:cs typeface="Times New Roman" panose="02020603050405020304" pitchFamily="18" charset="0"/>
+            </a:endParaRPr>
+          </a:p>
+          <a:p>
+            <a:pPr>
+              <a:spcAft>
+                <a:spcPts val="0"/>
+              </a:spcAft>
+              <a:tabLst>
+                <a:tab pos="581660" algn="l"/>
+                <a:tab pos="1163320" algn="l"/>
+                <a:tab pos="1744980" algn="l"/>
+                <a:tab pos="2326640" algn="l"/>
+                <a:tab pos="2908300" algn="l"/>
+                <a:tab pos="3489960" algn="l"/>
+                <a:tab pos="4071620" algn="l"/>
+                <a:tab pos="4653280" algn="l"/>
+                <a:tab pos="5234940" algn="l"/>
+                <a:tab pos="5816600" algn="l"/>
+                <a:tab pos="6398260" algn="l"/>
+                <a:tab pos="6979920" algn="l"/>
+                <a:tab pos="7561580" algn="l"/>
+                <a:tab pos="8143240" algn="l"/>
+                <a:tab pos="8724900" algn="l"/>
+                <a:tab pos="9306560" algn="l"/>
+              </a:tabLst>
+            </a:pPr>
+            <a:r>
+              <a:rPr lang="en-US" sz="1600" dirty="0">
+                <a:latin typeface="Consolas" panose="020B0609020204030204" pitchFamily="49" charset="0"/>
+                <a:ea typeface="Times New Roman" panose="02020603050405020304" pitchFamily="18" charset="0"/>
+                <a:cs typeface="Times New Roman" panose="02020603050405020304" pitchFamily="18" charset="0"/>
+              </a:rPr>
+              <a:t>        </a:t>
+            </a:r>
+            <a:r>
+              <a:rPr lang="en-US" sz="1600" dirty="0" err="1">
+                <a:latin typeface="Consolas" panose="020B0609020204030204" pitchFamily="49" charset="0"/>
+                <a:ea typeface="Times New Roman" panose="02020603050405020304" pitchFamily="18" charset="0"/>
+                <a:cs typeface="Times New Roman" panose="02020603050405020304" pitchFamily="18" charset="0"/>
+              </a:rPr>
+              <a:t>self._value</a:t>
+            </a:r>
+            <a:r>
+              <a:rPr lang="en-US" sz="1600" dirty="0">
+                <a:latin typeface="Consolas" panose="020B0609020204030204" pitchFamily="49" charset="0"/>
+                <a:ea typeface="Times New Roman" panose="02020603050405020304" pitchFamily="18" charset="0"/>
+                <a:cs typeface="Times New Roman" panose="02020603050405020304" pitchFamily="18" charset="0"/>
+              </a:rPr>
+              <a:t> += 1</a:t>
+            </a:r>
+            <a:endParaRPr lang="ru-RU" sz="1600" dirty="0">
+              <a:latin typeface="Consolas" panose="020B0609020204030204" pitchFamily="49" charset="0"/>
+              <a:ea typeface="Calibri" panose="020F0502020204030204" pitchFamily="34" charset="0"/>
+              <a:cs typeface="Times New Roman" panose="02020603050405020304" pitchFamily="18" charset="0"/>
+            </a:endParaRPr>
+          </a:p>
+          <a:p>
+            <a:pPr>
+              <a:spcAft>
+                <a:spcPts val="0"/>
+              </a:spcAft>
+              <a:tabLst>
+                <a:tab pos="581660" algn="l"/>
+                <a:tab pos="1163320" algn="l"/>
+                <a:tab pos="1744980" algn="l"/>
+                <a:tab pos="2326640" algn="l"/>
+                <a:tab pos="2908300" algn="l"/>
+                <a:tab pos="3489960" algn="l"/>
+                <a:tab pos="4071620" algn="l"/>
+                <a:tab pos="4653280" algn="l"/>
+                <a:tab pos="5234940" algn="l"/>
+                <a:tab pos="5816600" algn="l"/>
+                <a:tab pos="6398260" algn="l"/>
+                <a:tab pos="6979920" algn="l"/>
+                <a:tab pos="7561580" algn="l"/>
+                <a:tab pos="8143240" algn="l"/>
+                <a:tab pos="8724900" algn="l"/>
+                <a:tab pos="9306560" algn="l"/>
+              </a:tabLst>
+            </a:pPr>
+            <a:r>
+              <a:rPr lang="en-US" sz="1600" dirty="0">
+                <a:latin typeface="Consolas" panose="020B0609020204030204" pitchFamily="49" charset="0"/>
+                <a:ea typeface="Times New Roman" panose="02020603050405020304" pitchFamily="18" charset="0"/>
+                <a:cs typeface="Times New Roman" panose="02020603050405020304" pitchFamily="18" charset="0"/>
+              </a:rPr>
+              <a:t>        </a:t>
+            </a:r>
+            <a:r>
+              <a:rPr lang="en-US" sz="1600" dirty="0" err="1">
+                <a:latin typeface="Consolas" panose="020B0609020204030204" pitchFamily="49" charset="0"/>
+                <a:ea typeface="Times New Roman" panose="02020603050405020304" pitchFamily="18" charset="0"/>
+                <a:cs typeface="Times New Roman" panose="02020603050405020304" pitchFamily="18" charset="0"/>
+              </a:rPr>
+              <a:t>self._update</a:t>
+            </a:r>
+            <a:r>
+              <a:rPr lang="en-US" sz="1600" dirty="0">
+                <a:latin typeface="Consolas" panose="020B0609020204030204" pitchFamily="49" charset="0"/>
+                <a:ea typeface="Times New Roman" panose="02020603050405020304" pitchFamily="18" charset="0"/>
+                <a:cs typeface="Times New Roman" panose="02020603050405020304" pitchFamily="18" charset="0"/>
+              </a:rPr>
+              <a:t>()</a:t>
+            </a:r>
+            <a:endParaRPr lang="ru-RU" sz="1600" dirty="0">
+              <a:latin typeface="Consolas" panose="020B0609020204030204" pitchFamily="49" charset="0"/>
+              <a:ea typeface="Calibri" panose="020F0502020204030204" pitchFamily="34" charset="0"/>
+              <a:cs typeface="Times New Roman" panose="02020603050405020304" pitchFamily="18" charset="0"/>
+            </a:endParaRPr>
+          </a:p>
+          <a:p>
+            <a:pPr>
+              <a:spcAft>
+                <a:spcPts val="0"/>
+              </a:spcAft>
+              <a:tabLst>
+                <a:tab pos="581660" algn="l"/>
+                <a:tab pos="1163320" algn="l"/>
+                <a:tab pos="1744980" algn="l"/>
+                <a:tab pos="2326640" algn="l"/>
+                <a:tab pos="2908300" algn="l"/>
+                <a:tab pos="3489960" algn="l"/>
+                <a:tab pos="4071620" algn="l"/>
+                <a:tab pos="4653280" algn="l"/>
+                <a:tab pos="5234940" algn="l"/>
+                <a:tab pos="5816600" algn="l"/>
+                <a:tab pos="6398260" algn="l"/>
+                <a:tab pos="6979920" algn="l"/>
+                <a:tab pos="7561580" algn="l"/>
+                <a:tab pos="8143240" algn="l"/>
+                <a:tab pos="8724900" algn="l"/>
+                <a:tab pos="9306560" algn="l"/>
+              </a:tabLst>
+            </a:pPr>
+            <a:r>
+              <a:rPr lang="en-US" sz="1600" dirty="0">
+                <a:latin typeface="Consolas" panose="020B0609020204030204" pitchFamily="49" charset="0"/>
+                <a:ea typeface="Times New Roman" panose="02020603050405020304" pitchFamily="18" charset="0"/>
+                <a:cs typeface="Times New Roman" panose="02020603050405020304" pitchFamily="18" charset="0"/>
+              </a:rPr>
+              <a:t> </a:t>
+            </a:r>
+            <a:endParaRPr lang="ru-RU" sz="1600" dirty="0">
+              <a:latin typeface="Consolas" panose="020B0609020204030204" pitchFamily="49" charset="0"/>
+              <a:ea typeface="Calibri" panose="020F0502020204030204" pitchFamily="34" charset="0"/>
+              <a:cs typeface="Times New Roman" panose="02020603050405020304" pitchFamily="18" charset="0"/>
+            </a:endParaRPr>
+          </a:p>
+          <a:p>
+            <a:pPr>
+              <a:spcAft>
+                <a:spcPts val="0"/>
+              </a:spcAft>
+              <a:tabLst>
+                <a:tab pos="581660" algn="l"/>
+                <a:tab pos="1163320" algn="l"/>
+                <a:tab pos="1744980" algn="l"/>
+                <a:tab pos="2326640" algn="l"/>
+                <a:tab pos="2908300" algn="l"/>
+                <a:tab pos="3489960" algn="l"/>
+                <a:tab pos="4071620" algn="l"/>
+                <a:tab pos="4653280" algn="l"/>
+                <a:tab pos="5234940" algn="l"/>
+                <a:tab pos="5816600" algn="l"/>
+                <a:tab pos="6398260" algn="l"/>
+                <a:tab pos="6979920" algn="l"/>
+                <a:tab pos="7561580" algn="l"/>
+                <a:tab pos="8143240" algn="l"/>
+                <a:tab pos="8724900" algn="l"/>
+                <a:tab pos="9306560" algn="l"/>
+              </a:tabLst>
+            </a:pPr>
+            <a:r>
+              <a:rPr lang="en-US" sz="1600" dirty="0">
+                <a:latin typeface="Consolas" panose="020B0609020204030204" pitchFamily="49" charset="0"/>
+                <a:ea typeface="Times New Roman" panose="02020603050405020304" pitchFamily="18" charset="0"/>
+                <a:cs typeface="Times New Roman" panose="02020603050405020304" pitchFamily="18" charset="0"/>
+              </a:rPr>
+              <a:t>    </a:t>
+            </a:r>
+            <a:r>
+              <a:rPr lang="en-US" sz="1600" dirty="0" err="1">
+                <a:latin typeface="Consolas" panose="020B0609020204030204" pitchFamily="49" charset="0"/>
+                <a:ea typeface="Times New Roman" panose="02020603050405020304" pitchFamily="18" charset="0"/>
+                <a:cs typeface="Times New Roman" panose="02020603050405020304" pitchFamily="18" charset="0"/>
+              </a:rPr>
+              <a:t>def</a:t>
+            </a:r>
+            <a:r>
+              <a:rPr lang="en-US" sz="1600" dirty="0">
+                <a:latin typeface="Consolas" panose="020B0609020204030204" pitchFamily="49" charset="0"/>
+                <a:ea typeface="Times New Roman" panose="02020603050405020304" pitchFamily="18" charset="0"/>
+                <a:cs typeface="Times New Roman" panose="02020603050405020304" pitchFamily="18" charset="0"/>
+              </a:rPr>
+              <a:t> _update(self):</a:t>
+            </a:r>
+            <a:endParaRPr lang="ru-RU" sz="1600" dirty="0">
+              <a:latin typeface="Consolas" panose="020B0609020204030204" pitchFamily="49" charset="0"/>
+              <a:ea typeface="Calibri" panose="020F0502020204030204" pitchFamily="34" charset="0"/>
+              <a:cs typeface="Times New Roman" panose="02020603050405020304" pitchFamily="18" charset="0"/>
+            </a:endParaRPr>
+          </a:p>
+          <a:p>
+            <a:pPr>
+              <a:spcAft>
+                <a:spcPts val="0"/>
+              </a:spcAft>
+              <a:tabLst>
+                <a:tab pos="581660" algn="l"/>
+                <a:tab pos="1163320" algn="l"/>
+                <a:tab pos="1744980" algn="l"/>
+                <a:tab pos="2326640" algn="l"/>
+                <a:tab pos="2908300" algn="l"/>
+                <a:tab pos="3489960" algn="l"/>
+                <a:tab pos="4071620" algn="l"/>
+                <a:tab pos="4653280" algn="l"/>
+                <a:tab pos="5234940" algn="l"/>
+                <a:tab pos="5816600" algn="l"/>
+                <a:tab pos="6398260" algn="l"/>
+                <a:tab pos="6979920" algn="l"/>
+                <a:tab pos="7561580" algn="l"/>
+                <a:tab pos="8143240" algn="l"/>
+                <a:tab pos="8724900" algn="l"/>
+                <a:tab pos="9306560" algn="l"/>
+              </a:tabLst>
+            </a:pPr>
+            <a:r>
+              <a:rPr lang="en-US" sz="1600" dirty="0">
+                <a:latin typeface="Consolas" panose="020B0609020204030204" pitchFamily="49" charset="0"/>
+                <a:ea typeface="Times New Roman" panose="02020603050405020304" pitchFamily="18" charset="0"/>
+                <a:cs typeface="Times New Roman" panose="02020603050405020304" pitchFamily="18" charset="0"/>
+              </a:rPr>
+              <a:t>        </a:t>
+            </a:r>
+            <a:r>
+              <a:rPr lang="en-US" sz="1600" dirty="0" err="1">
+                <a:latin typeface="Consolas" panose="020B0609020204030204" pitchFamily="49" charset="0"/>
+                <a:ea typeface="Times New Roman" panose="02020603050405020304" pitchFamily="18" charset="0"/>
+                <a:cs typeface="Times New Roman" panose="02020603050405020304" pitchFamily="18" charset="0"/>
+              </a:rPr>
+              <a:t>self.setText</a:t>
+            </a:r>
+            <a:r>
+              <a:rPr lang="en-US" sz="1600" dirty="0">
+                <a:latin typeface="Consolas" panose="020B0609020204030204" pitchFamily="49" charset="0"/>
+                <a:ea typeface="Times New Roman" panose="02020603050405020304" pitchFamily="18" charset="0"/>
+                <a:cs typeface="Times New Roman" panose="02020603050405020304" pitchFamily="18" charset="0"/>
+              </a:rPr>
+              <a:t>(</a:t>
+            </a:r>
+            <a:r>
+              <a:rPr lang="en-US" sz="1600" dirty="0" err="1">
+                <a:latin typeface="Consolas" panose="020B0609020204030204" pitchFamily="49" charset="0"/>
+                <a:ea typeface="Times New Roman" panose="02020603050405020304" pitchFamily="18" charset="0"/>
+                <a:cs typeface="Times New Roman" panose="02020603050405020304" pitchFamily="18" charset="0"/>
+              </a:rPr>
+              <a:t>unicode</a:t>
+            </a:r>
+            <a:r>
+              <a:rPr lang="en-US" sz="1600" dirty="0">
+                <a:latin typeface="Consolas" panose="020B0609020204030204" pitchFamily="49" charset="0"/>
+                <a:ea typeface="Times New Roman" panose="02020603050405020304" pitchFamily="18" charset="0"/>
+                <a:cs typeface="Times New Roman" panose="02020603050405020304" pitchFamily="18" charset="0"/>
+              </a:rPr>
+              <a:t>(</a:t>
+            </a:r>
+            <a:r>
+              <a:rPr lang="en-US" sz="1600" dirty="0" err="1">
+                <a:latin typeface="Consolas" panose="020B0609020204030204" pitchFamily="49" charset="0"/>
+                <a:ea typeface="Times New Roman" panose="02020603050405020304" pitchFamily="18" charset="0"/>
+                <a:cs typeface="Times New Roman" panose="02020603050405020304" pitchFamily="18" charset="0"/>
+              </a:rPr>
+              <a:t>self._value</a:t>
+            </a:r>
+            <a:r>
+              <a:rPr lang="en-US" sz="1600" dirty="0">
+                <a:latin typeface="Consolas" panose="020B0609020204030204" pitchFamily="49" charset="0"/>
+                <a:ea typeface="Times New Roman" panose="02020603050405020304" pitchFamily="18" charset="0"/>
+                <a:cs typeface="Times New Roman" panose="02020603050405020304" pitchFamily="18" charset="0"/>
+              </a:rPr>
+              <a:t>))</a:t>
+            </a:r>
+            <a:endParaRPr lang="ru-RU" sz="1600" dirty="0">
+              <a:latin typeface="Consolas" panose="020B0609020204030204" pitchFamily="49" charset="0"/>
+              <a:ea typeface="Calibri" panose="020F0502020204030204" pitchFamily="34" charset="0"/>
+              <a:cs typeface="Times New Roman" panose="02020603050405020304" pitchFamily="18" charset="0"/>
+            </a:endParaRPr>
+          </a:p>
+          <a:p>
+            <a:pPr>
+              <a:spcAft>
+                <a:spcPts val="0"/>
+              </a:spcAft>
+              <a:tabLst>
+                <a:tab pos="581660" algn="l"/>
+                <a:tab pos="1163320" algn="l"/>
+                <a:tab pos="1744980" algn="l"/>
+                <a:tab pos="2326640" algn="l"/>
+                <a:tab pos="2908300" algn="l"/>
+                <a:tab pos="3489960" algn="l"/>
+                <a:tab pos="4071620" algn="l"/>
+                <a:tab pos="4653280" algn="l"/>
+                <a:tab pos="5234940" algn="l"/>
+                <a:tab pos="5816600" algn="l"/>
+                <a:tab pos="6398260" algn="l"/>
+                <a:tab pos="6979920" algn="l"/>
+                <a:tab pos="7561580" algn="l"/>
+                <a:tab pos="8143240" algn="l"/>
+                <a:tab pos="8724900" algn="l"/>
+                <a:tab pos="9306560" algn="l"/>
+              </a:tabLst>
+            </a:pPr>
+            <a:r>
+              <a:rPr lang="en-US" sz="1600" dirty="0">
+                <a:latin typeface="Consolas" panose="020B0609020204030204" pitchFamily="49" charset="0"/>
+                <a:ea typeface="Times New Roman" panose="02020603050405020304" pitchFamily="18" charset="0"/>
+                <a:cs typeface="Times New Roman" panose="02020603050405020304" pitchFamily="18" charset="0"/>
+              </a:rPr>
+              <a:t> </a:t>
+            </a:r>
+            <a:endParaRPr lang="ru-RU" sz="1600" dirty="0">
+              <a:latin typeface="Consolas" panose="020B0609020204030204" pitchFamily="49" charset="0"/>
+              <a:ea typeface="Calibri" panose="020F0502020204030204" pitchFamily="34" charset="0"/>
+              <a:cs typeface="Times New Roman" panose="02020603050405020304" pitchFamily="18" charset="0"/>
+            </a:endParaRPr>
+          </a:p>
+          <a:p>
+            <a:pPr>
+              <a:spcAft>
+                <a:spcPts val="0"/>
+              </a:spcAft>
+              <a:tabLst>
+                <a:tab pos="581660" algn="l"/>
+                <a:tab pos="1163320" algn="l"/>
+                <a:tab pos="1744980" algn="l"/>
+                <a:tab pos="2326640" algn="l"/>
+                <a:tab pos="2908300" algn="l"/>
+                <a:tab pos="3489960" algn="l"/>
+                <a:tab pos="4071620" algn="l"/>
+                <a:tab pos="4653280" algn="l"/>
+                <a:tab pos="5234940" algn="l"/>
+                <a:tab pos="5816600" algn="l"/>
+                <a:tab pos="6398260" algn="l"/>
+                <a:tab pos="6979920" algn="l"/>
+                <a:tab pos="7561580" algn="l"/>
+                <a:tab pos="8143240" algn="l"/>
+                <a:tab pos="8724900" algn="l"/>
+                <a:tab pos="9306560" algn="l"/>
+              </a:tabLst>
+            </a:pPr>
+            <a:r>
+              <a:rPr lang="en-US" sz="1600" dirty="0">
+                <a:latin typeface="Consolas" panose="020B0609020204030204" pitchFamily="49" charset="0"/>
+                <a:ea typeface="Times New Roman" panose="02020603050405020304" pitchFamily="18" charset="0"/>
+                <a:cs typeface="Times New Roman" panose="02020603050405020304" pitchFamily="18" charset="0"/>
+              </a:rPr>
+              <a:t>app = </a:t>
+            </a:r>
+            <a:r>
+              <a:rPr lang="en-US" sz="1600" dirty="0" err="1">
+                <a:latin typeface="Consolas" panose="020B0609020204030204" pitchFamily="49" charset="0"/>
+                <a:ea typeface="Times New Roman" panose="02020603050405020304" pitchFamily="18" charset="0"/>
+                <a:cs typeface="Times New Roman" panose="02020603050405020304" pitchFamily="18" charset="0"/>
+              </a:rPr>
+              <a:t>QtGui.QApplication</a:t>
+            </a:r>
+            <a:r>
+              <a:rPr lang="en-US" sz="1600" dirty="0">
+                <a:latin typeface="Consolas" panose="020B0609020204030204" pitchFamily="49" charset="0"/>
+                <a:ea typeface="Times New Roman" panose="02020603050405020304" pitchFamily="18" charset="0"/>
+                <a:cs typeface="Times New Roman" panose="02020603050405020304" pitchFamily="18" charset="0"/>
+              </a:rPr>
+              <a:t>(</a:t>
+            </a:r>
+            <a:r>
+              <a:rPr lang="en-US" sz="1600" dirty="0" err="1">
+                <a:latin typeface="Consolas" panose="020B0609020204030204" pitchFamily="49" charset="0"/>
+                <a:ea typeface="Times New Roman" panose="02020603050405020304" pitchFamily="18" charset="0"/>
+                <a:cs typeface="Times New Roman" panose="02020603050405020304" pitchFamily="18" charset="0"/>
+              </a:rPr>
+              <a:t>sys.argv</a:t>
+            </a:r>
+            <a:r>
+              <a:rPr lang="en-US" sz="1600" dirty="0">
+                <a:latin typeface="Consolas" panose="020B0609020204030204" pitchFamily="49" charset="0"/>
+                <a:ea typeface="Times New Roman" panose="02020603050405020304" pitchFamily="18" charset="0"/>
+                <a:cs typeface="Times New Roman" panose="02020603050405020304" pitchFamily="18" charset="0"/>
+              </a:rPr>
+              <a:t>)</a:t>
+            </a:r>
+            <a:endParaRPr lang="ru-RU" sz="1600" dirty="0">
+              <a:latin typeface="Consolas" panose="020B0609020204030204" pitchFamily="49" charset="0"/>
+              <a:ea typeface="Calibri" panose="020F0502020204030204" pitchFamily="34" charset="0"/>
+              <a:cs typeface="Times New Roman" panose="02020603050405020304" pitchFamily="18" charset="0"/>
+            </a:endParaRPr>
+          </a:p>
+          <a:p>
+            <a:pPr>
+              <a:spcAft>
+                <a:spcPts val="0"/>
+              </a:spcAft>
+              <a:tabLst>
+                <a:tab pos="581660" algn="l"/>
+                <a:tab pos="1163320" algn="l"/>
+                <a:tab pos="1744980" algn="l"/>
+                <a:tab pos="2326640" algn="l"/>
+                <a:tab pos="2908300" algn="l"/>
+                <a:tab pos="3489960" algn="l"/>
+                <a:tab pos="4071620" algn="l"/>
+                <a:tab pos="4653280" algn="l"/>
+                <a:tab pos="5234940" algn="l"/>
+                <a:tab pos="5816600" algn="l"/>
+                <a:tab pos="6398260" algn="l"/>
+                <a:tab pos="6979920" algn="l"/>
+                <a:tab pos="7561580" algn="l"/>
+                <a:tab pos="8143240" algn="l"/>
+                <a:tab pos="8724900" algn="l"/>
+                <a:tab pos="9306560" algn="l"/>
+              </a:tabLst>
+            </a:pPr>
+            <a:r>
+              <a:rPr lang="en-US" sz="1600" dirty="0">
+                <a:latin typeface="Consolas" panose="020B0609020204030204" pitchFamily="49" charset="0"/>
+                <a:ea typeface="Times New Roman" panose="02020603050405020304" pitchFamily="18" charset="0"/>
+                <a:cs typeface="Times New Roman" panose="02020603050405020304" pitchFamily="18" charset="0"/>
+              </a:rPr>
+              <a:t>counter = Counter()</a:t>
+            </a:r>
+            <a:endParaRPr lang="ru-RU" sz="1600" dirty="0">
+              <a:latin typeface="Consolas" panose="020B0609020204030204" pitchFamily="49" charset="0"/>
+              <a:ea typeface="Calibri" panose="020F0502020204030204" pitchFamily="34" charset="0"/>
+              <a:cs typeface="Times New Roman" panose="02020603050405020304" pitchFamily="18" charset="0"/>
+            </a:endParaRPr>
+          </a:p>
+          <a:p>
+            <a:pPr>
+              <a:spcAft>
+                <a:spcPts val="0"/>
+              </a:spcAft>
+              <a:tabLst>
+                <a:tab pos="581660" algn="l"/>
+                <a:tab pos="1163320" algn="l"/>
+                <a:tab pos="1744980" algn="l"/>
+                <a:tab pos="2326640" algn="l"/>
+                <a:tab pos="2908300" algn="l"/>
+                <a:tab pos="3489960" algn="l"/>
+                <a:tab pos="4071620" algn="l"/>
+                <a:tab pos="4653280" algn="l"/>
+                <a:tab pos="5234940" algn="l"/>
+                <a:tab pos="5816600" algn="l"/>
+                <a:tab pos="6398260" algn="l"/>
+                <a:tab pos="6979920" algn="l"/>
+                <a:tab pos="7561580" algn="l"/>
+                <a:tab pos="8143240" algn="l"/>
+                <a:tab pos="8724900" algn="l"/>
+                <a:tab pos="9306560" algn="l"/>
+              </a:tabLst>
+            </a:pPr>
+            <a:r>
+              <a:rPr lang="en-US" sz="1600" dirty="0" err="1">
+                <a:latin typeface="Consolas" panose="020B0609020204030204" pitchFamily="49" charset="0"/>
+                <a:ea typeface="Times New Roman" panose="02020603050405020304" pitchFamily="18" charset="0"/>
+                <a:cs typeface="Times New Roman" panose="02020603050405020304" pitchFamily="18" charset="0"/>
+              </a:rPr>
+              <a:t>counter.show</a:t>
+            </a:r>
+            <a:r>
+              <a:rPr lang="en-US" sz="1600" dirty="0">
+                <a:latin typeface="Consolas" panose="020B0609020204030204" pitchFamily="49" charset="0"/>
+                <a:ea typeface="Times New Roman" panose="02020603050405020304" pitchFamily="18" charset="0"/>
+                <a:cs typeface="Times New Roman" panose="02020603050405020304" pitchFamily="18" charset="0"/>
+              </a:rPr>
+              <a:t>()</a:t>
+            </a:r>
+            <a:endParaRPr lang="ru-RU" sz="1600" dirty="0">
+              <a:latin typeface="Consolas" panose="020B0609020204030204" pitchFamily="49" charset="0"/>
+              <a:ea typeface="Calibri" panose="020F0502020204030204" pitchFamily="34" charset="0"/>
+              <a:cs typeface="Times New Roman" panose="02020603050405020304" pitchFamily="18" charset="0"/>
+            </a:endParaRPr>
+          </a:p>
+          <a:p>
+            <a:pPr>
+              <a:spcAft>
+                <a:spcPts val="0"/>
+              </a:spcAft>
+              <a:tabLst>
+                <a:tab pos="581660" algn="l"/>
+                <a:tab pos="1163320" algn="l"/>
+                <a:tab pos="1744980" algn="l"/>
+                <a:tab pos="2326640" algn="l"/>
+                <a:tab pos="2908300" algn="l"/>
+                <a:tab pos="3489960" algn="l"/>
+                <a:tab pos="4071620" algn="l"/>
+                <a:tab pos="4653280" algn="l"/>
+                <a:tab pos="5234940" algn="l"/>
+                <a:tab pos="5816600" algn="l"/>
+                <a:tab pos="6398260" algn="l"/>
+                <a:tab pos="6979920" algn="l"/>
+                <a:tab pos="7561580" algn="l"/>
+                <a:tab pos="8143240" algn="l"/>
+                <a:tab pos="8724900" algn="l"/>
+                <a:tab pos="9306560" algn="l"/>
+              </a:tabLst>
+            </a:pPr>
+            <a:r>
+              <a:rPr lang="en-US" sz="1600" dirty="0" err="1">
+                <a:latin typeface="Consolas" panose="020B0609020204030204" pitchFamily="49" charset="0"/>
+                <a:ea typeface="Times New Roman" panose="02020603050405020304" pitchFamily="18" charset="0"/>
+                <a:cs typeface="Times New Roman" panose="02020603050405020304" pitchFamily="18" charset="0"/>
+              </a:rPr>
+              <a:t>app.exec</a:t>
+            </a:r>
+            <a:r>
+              <a:rPr lang="en-US" sz="1600" dirty="0" smtClean="0">
+                <a:latin typeface="Consolas" panose="020B0609020204030204" pitchFamily="49" charset="0"/>
+                <a:ea typeface="Times New Roman" panose="02020603050405020304" pitchFamily="18" charset="0"/>
+                <a:cs typeface="Times New Roman" panose="02020603050405020304" pitchFamily="18" charset="0"/>
+              </a:rPr>
+              <a:t>_()</a:t>
+            </a:r>
+            <a:endParaRPr lang="ru-RU" sz="1600" dirty="0">
+              <a:latin typeface="Consolas" panose="020B0609020204030204" pitchFamily="49" charset="0"/>
+            </a:endParaRPr>
+          </a:p>
+        </p:txBody>
+      </p:sp>
+      <p:sp>
+        <p:nvSpPr>
+          <p:cNvPr id="7" name="Rectangle 6"/>
+          <p:cNvSpPr/>
+          <p:nvPr/>
+        </p:nvSpPr>
+        <p:spPr>
+          <a:xfrm>
+            <a:off x="2627784" y="6584740"/>
+            <a:ext cx="6588224" cy="261610"/>
+          </a:xfrm>
+          <a:prstGeom prst="rect">
+            <a:avLst/>
+          </a:prstGeom>
+        </p:spPr>
+        <p:txBody>
+          <a:bodyPr wrap="square">
+            <a:spAutoFit/>
+          </a:bodyPr>
+          <a:lstStyle/>
+          <a:p>
+            <a:r>
+              <a:rPr lang="ru-RU" sz="1100" dirty="0">
+                <a:hlinkClick r:id="rId3"/>
+              </a:rPr>
+              <a:t>https://</a:t>
+            </a:r>
+            <a:r>
+              <a:rPr lang="ru-RU" sz="1100" dirty="0" smtClean="0">
+                <a:hlinkClick r:id="rId3"/>
+              </a:rPr>
+              <a:t>stefanoborini.gitbooks.io/modelviewcontroller/01_from_smartui_to_traditional_mvc/01_smart_ui.html</a:t>
+            </a:r>
+            <a:r>
+              <a:rPr lang="ru-RU" sz="1100" dirty="0" smtClean="0"/>
+              <a:t> </a:t>
+            </a:r>
+            <a:endParaRPr lang="ru-RU" sz="1100" dirty="0"/>
+          </a:p>
+        </p:txBody>
+      </p:sp>
+    </p:spTree>
+    <p:extLst>
+      <p:ext uri="{BB962C8B-B14F-4D97-AF65-F5344CB8AC3E}">
+        <p14:creationId xmlns:p14="http://schemas.microsoft.com/office/powerpoint/2010/main" val="4186313401"/>
+      </p:ext>
+    </p:extLst>
+  </p:cSld>
+  <p:clrMapOvr>
+    <a:masterClrMapping/>
+  </p:clrMapOvr>
+  <p:timing>
+    <p:tnLst>
+      <p:par>
+        <p:cTn id="1" dur="indefinite" restart="never" nodeType="tmRoot"/>
+      </p:par>
+    </p:tnLst>
+  </p:timing>
+</p:sld>
+</file>
+
+<file path=ppt/slides/slide5.xml><?xml version="1.0" encoding="utf-8"?>
+<p:sld xmlns:a="http://schemas.openxmlformats.org/drawingml/2006/main" xmlns:r="http://schemas.openxmlformats.org/officeDocument/2006/relationships" xmlns:p="http://schemas.openxmlformats.org/presentationml/2006/main">
+  <p:cSld>
+    <p:spTree>
+      <p:nvGrpSpPr>
+        <p:cNvPr id="1" name=""/>
+        <p:cNvGrpSpPr/>
+        <p:nvPr/>
+      </p:nvGrpSpPr>
+      <p:grpSpPr>
+        <a:xfrm>
+          <a:off x="0" y="0"/>
+          <a:ext cx="0" cy="0"/>
+          <a:chOff x="0" y="0"/>
+          <a:chExt cx="0" cy="0"/>
+        </a:xfrm>
+      </p:grpSpPr>
+      <p:sp>
+        <p:nvSpPr>
+          <p:cNvPr id="2" name="Title 1"/>
+          <p:cNvSpPr>
+            <a:spLocks noGrp="1"/>
+          </p:cNvSpPr>
+          <p:nvPr>
+            <p:ph type="title"/>
+          </p:nvPr>
+        </p:nvSpPr>
+        <p:spPr/>
+        <p:txBody>
+          <a:bodyPr/>
+          <a:lstStyle/>
+          <a:p>
+            <a:r>
+              <a:rPr lang="ru-RU" dirty="0" smtClean="0"/>
+              <a:t>Достоинства</a:t>
+            </a:r>
+            <a:endParaRPr lang="ru-RU" dirty="0"/>
+          </a:p>
+        </p:txBody>
+      </p:sp>
+      <p:sp>
+        <p:nvSpPr>
+          <p:cNvPr id="3" name="Content Placeholder 2"/>
+          <p:cNvSpPr>
+            <a:spLocks noGrp="1"/>
+          </p:cNvSpPr>
+          <p:nvPr>
+            <p:ph idx="1"/>
+          </p:nvPr>
+        </p:nvSpPr>
+        <p:spPr/>
+        <p:txBody>
+          <a:bodyPr>
+            <a:normAutofit/>
+          </a:bodyPr>
+          <a:lstStyle/>
+          <a:p>
+            <a:r>
+              <a:rPr lang="ru-RU" dirty="0" smtClean="0"/>
+              <a:t>Простота, часто используется новичками</a:t>
+            </a:r>
+          </a:p>
+        </p:txBody>
+      </p:sp>
+    </p:spTree>
+    <p:extLst>
+      <p:ext uri="{BB962C8B-B14F-4D97-AF65-F5344CB8AC3E}">
+        <p14:creationId xmlns:p14="http://schemas.microsoft.com/office/powerpoint/2010/main" val="1014386431"/>
+      </p:ext>
+    </p:extLst>
+  </p:cSld>
+  <p:clrMapOvr>
+    <a:masterClrMapping/>
+  </p:clrMapOvr>
+  <p:timing>
+    <p:tnLst>
+      <p:par>
+        <p:cTn id="1" dur="indefinite" restart="never" nodeType="tmRoot">
+          <p:childTnLst>
+            <p:seq concurrent="1" nextAc="seek">
+              <p:cTn id="2" dur="indefinite" nodeType="mainSeq">
+                <p:childTnLst>
+                  <p:par>
+                    <p:cTn id="3" fill="hold">
+                      <p:stCondLst>
+                        <p:cond delay="indefinite"/>
+                      </p:stCondLst>
+                      <p:childTnLst>
+                        <p:par>
+                          <p:cTn id="4" fill="hold">
+                            <p:stCondLst>
+                              <p:cond delay="0"/>
+                            </p:stCondLst>
+                            <p:childTnLst>
+                              <p:par>
+                                <p:cTn id="5" presetID="10" presetClass="entr" presetSubtype="0" fill="hold" grpId="0" nodeType="clickEffect">
+                                  <p:stCondLst>
+                                    <p:cond delay="0"/>
+                                  </p:stCondLst>
+                                  <p:childTnLst>
+                                    <p:set>
+                                      <p:cBhvr>
+                                        <p:cTn id="6" dur="1" fill="hold">
+                                          <p:stCondLst>
+                                            <p:cond delay="0"/>
+                                          </p:stCondLst>
+                                        </p:cTn>
+                                        <p:tgtEl>
+                                          <p:spTgt spid="3">
+                                            <p:txEl>
+                                              <p:pRg st="0" end="0"/>
+                                            </p:txEl>
+                                          </p:spTgt>
+                                        </p:tgtEl>
+                                        <p:attrNameLst>
+                                          <p:attrName>style.visibility</p:attrName>
+                                        </p:attrNameLst>
+                                      </p:cBhvr>
+                                      <p:to>
+                                        <p:strVal val="visible"/>
+                                      </p:to>
+                                    </p:set>
+                                    <p:animEffect transition="in" filter="fade">
+                                      <p:cBhvr>
+                                        <p:cTn id="7" dur="500"/>
+                                        <p:tgtEl>
+                                          <p:spTgt spid="3">
+                                            <p:txEl>
+                                              <p:pRg st="0" end="0"/>
+                                            </p:txEl>
+                                          </p:spTgt>
+                                        </p:tgtEl>
+                                      </p:cBhvr>
+                                    </p:animEffect>
+                                  </p:childTnLst>
+                                </p:cTn>
+                              </p:par>
+                            </p:childTnLst>
+                          </p:cTn>
+                        </p:par>
+                      </p:childTnLst>
+                    </p:cTn>
+                  </p:par>
+                </p:childTnLst>
+              </p:cTn>
+              <p:prevCondLst>
+                <p:cond evt="onPrev" delay="0">
+                  <p:tgtEl>
+                    <p:sldTgt/>
+                  </p:tgtEl>
+                </p:cond>
+              </p:prevCondLst>
+              <p:nextCondLst>
+                <p:cond evt="onNext" delay="0">
+                  <p:tgtEl>
+                    <p:sldTgt/>
+                  </p:tgtEl>
+                </p:cond>
+              </p:nextCondLst>
+            </p:seq>
+          </p:childTnLst>
+        </p:cTn>
+      </p:par>
+    </p:tnLst>
+    <p:bldLst>
+      <p:bldP spid="3" grpId="0" build="p"/>
+    </p:bldLst>
+  </p:timing>
+</p:sld>
+</file>
+
+<file path=ppt/slides/slide6.xml><?xml version="1.0" encoding="utf-8"?>
+<p:sld xmlns:a="http://schemas.openxmlformats.org/drawingml/2006/main" xmlns:r="http://schemas.openxmlformats.org/officeDocument/2006/relationships" xmlns:p="http://schemas.openxmlformats.org/presentationml/2006/main">
+  <p:cSld>
+    <p:spTree>
+      <p:nvGrpSpPr>
+        <p:cNvPr id="1" name=""/>
+        <p:cNvGrpSpPr/>
+        <p:nvPr/>
+      </p:nvGrpSpPr>
+      <p:grpSpPr>
+        <a:xfrm>
+          <a:off x="0" y="0"/>
+          <a:ext cx="0" cy="0"/>
+          <a:chOff x="0" y="0"/>
+          <a:chExt cx="0" cy="0"/>
+        </a:xfrm>
+      </p:grpSpPr>
+      <p:sp>
+        <p:nvSpPr>
+          <p:cNvPr id="2" name="Title 1"/>
+          <p:cNvSpPr>
+            <a:spLocks noGrp="1"/>
+          </p:cNvSpPr>
+          <p:nvPr>
+            <p:ph type="title"/>
+          </p:nvPr>
+        </p:nvSpPr>
+        <p:spPr/>
+        <p:txBody>
+          <a:bodyPr/>
+          <a:lstStyle/>
+          <a:p>
+            <a:r>
+              <a:rPr lang="ru-RU" dirty="0" smtClean="0"/>
+              <a:t>Недостатки</a:t>
+            </a:r>
+            <a:endParaRPr lang="ru-RU" dirty="0"/>
+          </a:p>
+        </p:txBody>
+      </p:sp>
+      <p:sp>
+        <p:nvSpPr>
+          <p:cNvPr id="3" name="Content Placeholder 2"/>
+          <p:cNvSpPr>
+            <a:spLocks noGrp="1"/>
+          </p:cNvSpPr>
+          <p:nvPr>
+            <p:ph idx="1"/>
+          </p:nvPr>
+        </p:nvSpPr>
+        <p:spPr/>
+        <p:txBody>
+          <a:bodyPr>
+            <a:normAutofit fontScale="92500" lnSpcReduction="10000"/>
+          </a:bodyPr>
+          <a:lstStyle/>
+          <a:p>
+            <a:r>
+              <a:rPr lang="ru-RU" dirty="0" smtClean="0"/>
+              <a:t>Подходит лишь для простых приложений</a:t>
+            </a:r>
+            <a:endParaRPr lang="ru-RU" dirty="0"/>
+          </a:p>
+          <a:p>
+            <a:r>
+              <a:rPr lang="ru-RU" dirty="0" smtClean="0"/>
+              <a:t>Доступ </a:t>
+            </a:r>
+            <a:r>
+              <a:rPr lang="ru-RU" dirty="0"/>
+              <a:t>и изменение состояния снаружи затруднён</a:t>
+            </a:r>
+          </a:p>
+          <a:p>
+            <a:pPr lvl="1"/>
+            <a:r>
+              <a:rPr lang="ru-RU" dirty="0"/>
+              <a:t>Помимо модификации состояния, нужно помнить об обновлении визуального представления</a:t>
+            </a:r>
+          </a:p>
+          <a:p>
+            <a:r>
+              <a:rPr lang="ru-RU" dirty="0"/>
+              <a:t>Трудно иметь несколько визуальных представлений одного и того же состояния</a:t>
+            </a:r>
+          </a:p>
+          <a:p>
+            <a:r>
+              <a:rPr lang="ru-RU" dirty="0"/>
+              <a:t>Трудность </a:t>
+            </a:r>
+            <a:r>
+              <a:rPr lang="ru-RU" dirty="0" smtClean="0"/>
+              <a:t>автоматического тестирования</a:t>
+            </a:r>
+          </a:p>
+          <a:p>
+            <a:r>
+              <a:rPr lang="ru-RU" dirty="0" smtClean="0"/>
+              <a:t>Нарушение принципа единственной ответственности</a:t>
+            </a:r>
+            <a:endParaRPr lang="ru-RU" dirty="0"/>
+          </a:p>
+          <a:p>
+            <a:endParaRPr lang="ru-RU" dirty="0"/>
+          </a:p>
+        </p:txBody>
+      </p:sp>
+    </p:spTree>
+    <p:extLst>
+      <p:ext uri="{BB962C8B-B14F-4D97-AF65-F5344CB8AC3E}">
+        <p14:creationId xmlns:p14="http://schemas.microsoft.com/office/powerpoint/2010/main" val="4062060577"/>
+      </p:ext>
+    </p:extLst>
+  </p:cSld>
+  <p:clrMapOvr>
+    <a:masterClrMapping/>
+  </p:clrMapOvr>
+  <p:timing>
+    <p:tnLst>
+      <p:par>
+        <p:cTn id="1" dur="indefinite" restart="never" nodeType="tmRoot">
+          <p:childTnLst>
+            <p:seq concurrent="1" nextAc="seek">
+              <p:cTn id="2" dur="indefinite" nodeType="mainSeq">
+                <p:childTnLst>
+                  <p:par>
+                    <p:cTn id="3" fill="hold">
+                      <p:stCondLst>
+                        <p:cond delay="indefinite"/>
+                      </p:stCondLst>
+                      <p:childTnLst>
+                        <p:par>
+                          <p:cTn id="4" fill="hold">
+                            <p:stCondLst>
+                              <p:cond delay="0"/>
+                            </p:stCondLst>
+                            <p:childTnLst>
+                              <p:par>
+                                <p:cTn id="5" presetID="10" presetClass="entr" presetSubtype="0" fill="hold" grpId="0" nodeType="clickEffect">
+                                  <p:stCondLst>
+                                    <p:cond delay="0"/>
+                                  </p:stCondLst>
+                                  <p:childTnLst>
+                                    <p:set>
+                                      <p:cBhvr>
+                                        <p:cTn id="6" dur="1" fill="hold">
+                                          <p:stCondLst>
+                                            <p:cond delay="0"/>
+                                          </p:stCondLst>
+                                        </p:cTn>
+                                        <p:tgtEl>
+                                          <p:spTgt spid="3">
+                                            <p:txEl>
+                                              <p:pRg st="0" end="0"/>
+                                            </p:txEl>
+                                          </p:spTgt>
+                                        </p:tgtEl>
+                                        <p:attrNameLst>
+                                          <p:attrName>style.visibility</p:attrName>
+                                        </p:attrNameLst>
+                                      </p:cBhvr>
+                                      <p:to>
+                                        <p:strVal val="visible"/>
+                                      </p:to>
+                                    </p:set>
+                                    <p:animEffect transition="in" filter="fade">
+                                      <p:cBhvr>
+                                        <p:cTn id="7" dur="500"/>
+                                        <p:tgtEl>
+                                          <p:spTgt spid="3">
+                                            <p:txEl>
+                                              <p:pRg st="0" end="0"/>
+                                            </p:txEl>
+                                          </p:spTgt>
+                                        </p:tgtEl>
+                                      </p:cBhvr>
+                                    </p:animEffect>
+                                  </p:childTnLst>
+                                </p:cTn>
+                              </p:par>
+                            </p:childTnLst>
+                          </p:cTn>
+                        </p:par>
+                      </p:childTnLst>
+                    </p:cTn>
+                  </p:par>
+                  <p:par>
+                    <p:cTn id="8" fill="hold">
+                      <p:stCondLst>
+                        <p:cond delay="indefinite"/>
+                      </p:stCondLst>
+                      <p:childTnLst>
+                        <p:par>
+                          <p:cTn id="9" fill="hold">
+                            <p:stCondLst>
+                              <p:cond delay="0"/>
+                            </p:stCondLst>
+                            <p:childTnLst>
+                              <p:par>
+                                <p:cTn id="10" presetID="10" presetClass="entr" presetSubtype="0" fill="hold" grpId="0" nodeType="clickEffect">
+                                  <p:stCondLst>
+                                    <p:cond delay="0"/>
+                                  </p:stCondLst>
+                                  <p:childTnLst>
+                                    <p:set>
+                                      <p:cBhvr>
+                                        <p:cTn id="11" dur="1" fill="hold">
+                                          <p:stCondLst>
+                                            <p:cond delay="0"/>
+                                          </p:stCondLst>
+                                        </p:cTn>
+                                        <p:tgtEl>
+                                          <p:spTgt spid="3">
+                                            <p:txEl>
+                                              <p:pRg st="1" end="1"/>
+                                            </p:txEl>
+                                          </p:spTgt>
+                                        </p:tgtEl>
+                                        <p:attrNameLst>
+                                          <p:attrName>style.visibility</p:attrName>
+                                        </p:attrNameLst>
+                                      </p:cBhvr>
+                                      <p:to>
+                                        <p:strVal val="visible"/>
+                                      </p:to>
+                                    </p:set>
+                                    <p:animEffect transition="in" filter="fade">
+                                      <p:cBhvr>
+                                        <p:cTn id="12" dur="500"/>
+                                        <p:tgtEl>
+                                          <p:spTgt spid="3">
+                                            <p:txEl>
+                                              <p:pRg st="1" end="1"/>
+                                            </p:txEl>
+                                          </p:spTgt>
+                                        </p:tgtEl>
+                                      </p:cBhvr>
+                                    </p:animEffect>
+                                  </p:childTnLst>
+                                </p:cTn>
+                              </p:par>
+                              <p:par>
+                                <p:cTn id="13" presetID="10" presetClass="entr" presetSubtype="0" fill="hold" grpId="0" nodeType="withEffect">
+                                  <p:stCondLst>
+                                    <p:cond delay="0"/>
+                                  </p:stCondLst>
+                                  <p:childTnLst>
+                                    <p:set>
+                                      <p:cBhvr>
+                                        <p:cTn id="14" dur="1" fill="hold">
+                                          <p:stCondLst>
+                                            <p:cond delay="0"/>
+                                          </p:stCondLst>
+                                        </p:cTn>
+                                        <p:tgtEl>
+                                          <p:spTgt spid="3">
+                                            <p:txEl>
+                                              <p:pRg st="2" end="2"/>
+                                            </p:txEl>
+                                          </p:spTgt>
+                                        </p:tgtEl>
+                                        <p:attrNameLst>
+                                          <p:attrName>style.visibility</p:attrName>
+                                        </p:attrNameLst>
+                                      </p:cBhvr>
+                                      <p:to>
+                                        <p:strVal val="visible"/>
+                                      </p:to>
+                                    </p:set>
+                                    <p:animEffect transition="in" filter="fade">
+                                      <p:cBhvr>
+                                        <p:cTn id="15" dur="500"/>
+                                        <p:tgtEl>
+                                          <p:spTgt spid="3">
+                                            <p:txEl>
+                                              <p:pRg st="2" end="2"/>
+                                            </p:txEl>
+                                          </p:spTgt>
+                                        </p:tgtEl>
+                                      </p:cBhvr>
+                                    </p:animEffect>
+                                  </p:childTnLst>
+                                </p:cTn>
+                              </p:par>
+                            </p:childTnLst>
+                          </p:cTn>
+                        </p:par>
+                      </p:childTnLst>
+                    </p:cTn>
+                  </p:par>
+                  <p:par>
+                    <p:cTn id="16" fill="hold">
+                      <p:stCondLst>
+                        <p:cond delay="indefinite"/>
+                      </p:stCondLst>
+                      <p:childTnLst>
+                        <p:par>
+                          <p:cTn id="17" fill="hold">
+                            <p:stCondLst>
+                              <p:cond delay="0"/>
+                            </p:stCondLst>
+                            <p:childTnLst>
+                              <p:par>
+                                <p:cTn id="18" presetID="10" presetClass="entr" presetSubtype="0" fill="hold" grpId="0" nodeType="clickEffect">
+                                  <p:stCondLst>
+                                    <p:cond delay="0"/>
+                                  </p:stCondLst>
+                                  <p:childTnLst>
+                                    <p:set>
+                                      <p:cBhvr>
+                                        <p:cTn id="19" dur="1" fill="hold">
+                                          <p:stCondLst>
+                                            <p:cond delay="0"/>
+                                          </p:stCondLst>
+                                        </p:cTn>
+                                        <p:tgtEl>
+                                          <p:spTgt spid="3">
+                                            <p:txEl>
+                                              <p:pRg st="3" end="3"/>
+                                            </p:txEl>
+                                          </p:spTgt>
+                                        </p:tgtEl>
+                                        <p:attrNameLst>
+                                          <p:attrName>style.visibility</p:attrName>
+                                        </p:attrNameLst>
+                                      </p:cBhvr>
+                                      <p:to>
+                                        <p:strVal val="visible"/>
+                                      </p:to>
+                                    </p:set>
+                                    <p:animEffect transition="in" filter="fade">
+                                      <p:cBhvr>
+                                        <p:cTn id="20" dur="500"/>
+                                        <p:tgtEl>
+                                          <p:spTgt spid="3">
+                                            <p:txEl>
+                                              <p:pRg st="3" end="3"/>
+                                            </p:txEl>
+                                          </p:spTgt>
+                                        </p:tgtEl>
+                                      </p:cBhvr>
+                                    </p:animEffect>
+                                  </p:childTnLst>
+                                </p:cTn>
+                              </p:par>
+                            </p:childTnLst>
+                          </p:cTn>
+                        </p:par>
+                      </p:childTnLst>
+                    </p:cTn>
+                  </p:par>
+                  <p:par>
+                    <p:cTn id="21" fill="hold">
+                      <p:stCondLst>
+                        <p:cond delay="indefinite"/>
+                      </p:stCondLst>
+                      <p:childTnLst>
+                        <p:par>
+                          <p:cTn id="22" fill="hold">
+                            <p:stCondLst>
+                              <p:cond delay="0"/>
+                            </p:stCondLst>
+                            <p:childTnLst>
+                              <p:par>
+                                <p:cTn id="23" presetID="10" presetClass="entr" presetSubtype="0" fill="hold" grpId="0" nodeType="clickEffect">
+                                  <p:stCondLst>
+                                    <p:cond delay="0"/>
+                                  </p:stCondLst>
+                                  <p:childTnLst>
+                                    <p:set>
+                                      <p:cBhvr>
+                                        <p:cTn id="24" dur="1" fill="hold">
+                                          <p:stCondLst>
+                                            <p:cond delay="0"/>
+                                          </p:stCondLst>
+                                        </p:cTn>
+                                        <p:tgtEl>
+                                          <p:spTgt spid="3">
+                                            <p:txEl>
+                                              <p:pRg st="4" end="4"/>
+                                            </p:txEl>
+                                          </p:spTgt>
+                                        </p:tgtEl>
+                                        <p:attrNameLst>
+                                          <p:attrName>style.visibility</p:attrName>
+                                        </p:attrNameLst>
+                                      </p:cBhvr>
+                                      <p:to>
+                                        <p:strVal val="visible"/>
+                                      </p:to>
+                                    </p:set>
+                                    <p:animEffect transition="in" filter="fade">
+                                      <p:cBhvr>
+                                        <p:cTn id="25" dur="500"/>
+                                        <p:tgtEl>
+                                          <p:spTgt spid="3">
+                                            <p:txEl>
+                                              <p:pRg st="4" end="4"/>
+                                            </p:txEl>
+                                          </p:spTgt>
+                                        </p:tgtEl>
+                                      </p:cBhvr>
+                                    </p:animEffect>
+                                  </p:childTnLst>
+                                </p:cTn>
+                              </p:par>
+                            </p:childTnLst>
+                          </p:cTn>
+                        </p:par>
+                      </p:childTnLst>
+                    </p:cTn>
+                  </p:par>
+                  <p:par>
+                    <p:cTn id="26" fill="hold">
+                      <p:stCondLst>
+                        <p:cond delay="indefinite"/>
+                      </p:stCondLst>
+                      <p:childTnLst>
+                        <p:par>
+                          <p:cTn id="27" fill="hold">
+                            <p:stCondLst>
+                              <p:cond delay="0"/>
+                            </p:stCondLst>
+                            <p:childTnLst>
+                              <p:par>
+                                <p:cTn id="28" presetID="10" presetClass="entr" presetSubtype="0" fill="hold" grpId="0" nodeType="clickEffect">
+                                  <p:stCondLst>
+                                    <p:cond delay="0"/>
+                                  </p:stCondLst>
+                                  <p:childTnLst>
+                                    <p:set>
+                                      <p:cBhvr>
+                                        <p:cTn id="29" dur="1" fill="hold">
+                                          <p:stCondLst>
+                                            <p:cond delay="0"/>
+                                          </p:stCondLst>
+                                        </p:cTn>
+                                        <p:tgtEl>
+                                          <p:spTgt spid="3">
+                                            <p:txEl>
+                                              <p:pRg st="5" end="5"/>
+                                            </p:txEl>
+                                          </p:spTgt>
+                                        </p:tgtEl>
+                                        <p:attrNameLst>
+                                          <p:attrName>style.visibility</p:attrName>
+                                        </p:attrNameLst>
+                                      </p:cBhvr>
+                                      <p:to>
+                                        <p:strVal val="visible"/>
+                                      </p:to>
+                                    </p:set>
+                                    <p:animEffect transition="in" filter="fade">
+                                      <p:cBhvr>
+                                        <p:cTn id="30" dur="500"/>
+                                        <p:tgtEl>
+                                          <p:spTgt spid="3">
+                                            <p:txEl>
+                                              <p:pRg st="5" end="5"/>
+                                            </p:txEl>
+                                          </p:spTgt>
+                                        </p:tgtEl>
+                                      </p:cBhvr>
+                                    </p:animEffect>
+                                  </p:childTnLst>
+                                </p:cTn>
+                              </p:par>
+                            </p:childTnLst>
+                          </p:cTn>
+                        </p:par>
+                      </p:childTnLst>
+                    </p:cTn>
+                  </p:par>
+                </p:childTnLst>
+              </p:cTn>
+              <p:prevCondLst>
+                <p:cond evt="onPrev" delay="0">
+                  <p:tgtEl>
+                    <p:sldTgt/>
+                  </p:tgtEl>
+                </p:cond>
+              </p:prevCondLst>
+              <p:nextCondLst>
+                <p:cond evt="onNext" delay="0">
+                  <p:tgtEl>
+                    <p:sldTgt/>
+                  </p:tgtEl>
+                </p:cond>
+              </p:nextCondLst>
+            </p:seq>
+          </p:childTnLst>
+        </p:cTn>
+      </p:par>
+    </p:tnLst>
+    <p:bldLst>
+      <p:bldP spid="3" grpId="0" build="p"/>
+    </p:bldLst>
+  </p:timing>
+</p:sld>
+</file>
+
+<file path=ppt/slides/slide7.xml><?xml version="1.0" encoding="utf-8"?>
+<p:sld xmlns:a="http://schemas.openxmlformats.org/drawingml/2006/main" xmlns:r="http://schemas.openxmlformats.org/officeDocument/2006/relationships" xmlns:p="http://schemas.openxmlformats.org/presentationml/2006/main">
+  <p:cSld>
+    <p:spTree>
+      <p:nvGrpSpPr>
+        <p:cNvPr id="1" name=""/>
+        <p:cNvGrpSpPr/>
+        <p:nvPr/>
+      </p:nvGrpSpPr>
+      <p:grpSpPr>
+        <a:xfrm>
+          <a:off x="0" y="0"/>
+          <a:ext cx="0" cy="0"/>
+          <a:chOff x="0" y="0"/>
+          <a:chExt cx="0" cy="0"/>
+        </a:xfrm>
+      </p:grpSpPr>
+      <p:sp>
+        <p:nvSpPr>
+          <p:cNvPr id="4" name="Title 3"/>
+          <p:cNvSpPr>
+            <a:spLocks noGrp="1"/>
+          </p:cNvSpPr>
+          <p:nvPr>
+            <p:ph type="title"/>
+          </p:nvPr>
+        </p:nvSpPr>
+        <p:spPr/>
+        <p:txBody>
+          <a:bodyPr/>
+          <a:lstStyle/>
+          <a:p>
+            <a:r>
+              <a:rPr lang="en-US" dirty="0" smtClean="0"/>
+              <a:t>Document-View (Model Delegate)</a:t>
+            </a:r>
+            <a:endParaRPr lang="ru-RU" dirty="0"/>
+          </a:p>
+        </p:txBody>
+      </p:sp>
+      <p:sp>
+        <p:nvSpPr>
+          <p:cNvPr id="5" name="Text Placeholder 4"/>
+          <p:cNvSpPr>
+            <a:spLocks noGrp="1"/>
+          </p:cNvSpPr>
+          <p:nvPr>
+            <p:ph type="body" idx="1"/>
+          </p:nvPr>
+        </p:nvSpPr>
+        <p:spPr/>
+        <p:txBody>
+          <a:bodyPr/>
+          <a:lstStyle/>
+          <a:p>
+            <a:endParaRPr lang="ru-RU" dirty="0"/>
+          </a:p>
+        </p:txBody>
+      </p:sp>
+    </p:spTree>
+    <p:extLst>
+      <p:ext uri="{BB962C8B-B14F-4D97-AF65-F5344CB8AC3E}">
+        <p14:creationId xmlns:p14="http://schemas.microsoft.com/office/powerpoint/2010/main" val="679995070"/>
+      </p:ext>
+    </p:extLst>
+  </p:cSld>
+  <p:clrMapOvr>
+    <a:masterClrMapping/>
+  </p:clrMapOvr>
+  <p:timing>
+    <p:tnLst>
+      <p:par>
+        <p:cTn id="1" dur="indefinite" restart="never" nodeType="tmRoot"/>
+      </p:par>
+    </p:tnLst>
+  </p:timing>
+</p:sld>
+</file>
+
+<file path=ppt/slides/slide8.xml><?xml version="1.0" encoding="utf-8"?>
+<p:sld xmlns:a="http://schemas.openxmlformats.org/drawingml/2006/main" xmlns:r="http://schemas.openxmlformats.org/officeDocument/2006/relationships" xmlns:p="http://schemas.openxmlformats.org/presentationml/2006/main">
+  <p:cSld>
+    <p:spTree>
+      <p:nvGrpSpPr>
+        <p:cNvPr id="1" name=""/>
+        <p:cNvGrpSpPr/>
+        <p:nvPr/>
+      </p:nvGrpSpPr>
+      <p:grpSpPr>
+        <a:xfrm>
+          <a:off x="0" y="0"/>
+          <a:ext cx="0" cy="0"/>
+          <a:chOff x="0" y="0"/>
+          <a:chExt cx="0" cy="0"/>
+        </a:xfrm>
+      </p:grpSpPr>
+      <p:sp>
+        <p:nvSpPr>
+          <p:cNvPr id="2" name="Title 1"/>
+          <p:cNvSpPr>
+            <a:spLocks noGrp="1"/>
+          </p:cNvSpPr>
+          <p:nvPr>
+            <p:ph type="title"/>
+          </p:nvPr>
+        </p:nvSpPr>
+        <p:spPr/>
+        <p:txBody>
+          <a:bodyPr/>
+          <a:lstStyle/>
+          <a:p>
+            <a:r>
+              <a:rPr lang="en-US" dirty="0" smtClean="0"/>
+              <a:t>Document-View</a:t>
+            </a:r>
+            <a:endParaRPr lang="ru-RU" dirty="0"/>
+          </a:p>
+        </p:txBody>
+      </p:sp>
+      <p:sp>
+        <p:nvSpPr>
+          <p:cNvPr id="4" name="Content Placeholder 3"/>
+          <p:cNvSpPr>
+            <a:spLocks noGrp="1"/>
+          </p:cNvSpPr>
+          <p:nvPr>
+            <p:ph idx="1"/>
+          </p:nvPr>
+        </p:nvSpPr>
+        <p:spPr/>
+        <p:txBody>
+          <a:bodyPr>
+            <a:normAutofit fontScale="85000" lnSpcReduction="20000"/>
+          </a:bodyPr>
+          <a:lstStyle/>
+          <a:p>
+            <a:r>
+              <a:rPr lang="en-US" dirty="0" smtClean="0"/>
+              <a:t>Document</a:t>
+            </a:r>
+            <a:endParaRPr lang="ru-RU" dirty="0" smtClean="0"/>
+          </a:p>
+          <a:p>
+            <a:pPr lvl="1"/>
+            <a:r>
+              <a:rPr lang="ru-RU" dirty="0" smtClean="0"/>
+              <a:t>Отвечает за бизнес-логику</a:t>
+            </a:r>
+          </a:p>
+          <a:p>
+            <a:pPr lvl="1"/>
+            <a:r>
+              <a:rPr lang="ru-RU" dirty="0" smtClean="0"/>
+              <a:t>Хранит состояние приложения и предоставляет интерфейс для его получения и модификации</a:t>
+            </a:r>
+          </a:p>
+          <a:p>
+            <a:pPr lvl="1"/>
+            <a:r>
+              <a:rPr lang="ru-RU" dirty="0" smtClean="0"/>
+              <a:t>Предоставляет механизм для информирования заинтересованных объектов об изменении состояния</a:t>
+            </a:r>
+          </a:p>
+          <a:p>
+            <a:r>
+              <a:rPr lang="en-US" dirty="0" smtClean="0"/>
+              <a:t>View</a:t>
+            </a:r>
+          </a:p>
+          <a:p>
+            <a:pPr lvl="1"/>
+            <a:r>
+              <a:rPr lang="ru-RU" dirty="0" smtClean="0"/>
+              <a:t>Обрабатывает события пользователя</a:t>
+            </a:r>
+          </a:p>
+          <a:p>
+            <a:pPr lvl="1"/>
+            <a:r>
+              <a:rPr lang="ru-RU" dirty="0" smtClean="0"/>
+              <a:t>Выполняет визуальное представление состояния документа</a:t>
+            </a:r>
+          </a:p>
+          <a:p>
+            <a:pPr lvl="1"/>
+            <a:r>
+              <a:rPr lang="ru-RU" dirty="0" smtClean="0"/>
+              <a:t>Выполняет операции над документом</a:t>
+            </a:r>
+          </a:p>
+          <a:p>
+            <a:pPr lvl="1"/>
+            <a:r>
+              <a:rPr lang="ru-RU" dirty="0" smtClean="0"/>
+              <a:t>Обновляет визуальное состояние при изменении документа</a:t>
+            </a:r>
+          </a:p>
+        </p:txBody>
+      </p:sp>
+    </p:spTree>
+    <p:extLst>
+      <p:ext uri="{BB962C8B-B14F-4D97-AF65-F5344CB8AC3E}">
+        <p14:creationId xmlns:p14="http://schemas.microsoft.com/office/powerpoint/2010/main" val="1252420123"/>
+      </p:ext>
+    </p:extLst>
+  </p:cSld>
+  <p:clrMapOvr>
+    <a:masterClrMapping/>
+  </p:clrMapOvr>
+  <p:timing>
+    <p:tnLst>
+      <p:par>
+        <p:cTn id="1" dur="indefinite" restart="never" nodeType="tmRoot"/>
+      </p:par>
+    </p:tnLst>
+  </p:timing>
+</p:sld>
+</file>
+
+<file path=ppt/slides/slide9.xml><?xml version="1.0" encoding="utf-8"?>
+<p:sld xmlns:a="http://schemas.openxmlformats.org/drawingml/2006/main" xmlns:r="http://schemas.openxmlformats.org/officeDocument/2006/relationships" xmlns:p="http://schemas.openxmlformats.org/presentationml/2006/main">
+  <p:cSld>
+    <p:spTree>
+      <p:nvGrpSpPr>
+        <p:cNvPr id="1" name=""/>
+        <p:cNvGrpSpPr/>
+        <p:nvPr/>
+      </p:nvGrpSpPr>
+      <p:grpSpPr>
+        <a:xfrm>
+          <a:off x="0" y="0"/>
+          <a:ext cx="0" cy="0"/>
+          <a:chOff x="0" y="0"/>
+          <a:chExt cx="0" cy="0"/>
+        </a:xfrm>
+      </p:grpSpPr>
+      <p:sp>
+        <p:nvSpPr>
+          <p:cNvPr id="3" name="Title 2"/>
+          <p:cNvSpPr>
+            <a:spLocks noGrp="1"/>
+          </p:cNvSpPr>
+          <p:nvPr>
+            <p:ph type="title"/>
+          </p:nvPr>
+        </p:nvSpPr>
+        <p:spPr/>
+        <p:txBody>
+          <a:bodyPr/>
+          <a:lstStyle/>
+          <a:p>
+            <a:r>
+              <a:rPr lang="ru-RU" dirty="0" smtClean="0"/>
+              <a:t>Достоинства </a:t>
+            </a:r>
+            <a:r>
+              <a:rPr lang="en-US" dirty="0" smtClean="0"/>
+              <a:t>Document-View</a:t>
+            </a:r>
+            <a:endParaRPr lang="ru-RU" dirty="0"/>
+          </a:p>
+        </p:txBody>
+      </p:sp>
+      <p:sp>
+        <p:nvSpPr>
+          <p:cNvPr id="4" name="Content Placeholder 3"/>
+          <p:cNvSpPr>
+            <a:spLocks noGrp="1"/>
+          </p:cNvSpPr>
+          <p:nvPr>
+            <p:ph idx="1"/>
+          </p:nvPr>
+        </p:nvSpPr>
+        <p:spPr/>
+        <p:txBody>
+          <a:bodyPr/>
+          <a:lstStyle/>
+          <a:p>
+            <a:r>
+              <a:rPr lang="ru-RU" dirty="0" smtClean="0"/>
+              <a:t>Состояние отделяется от визуального представления</a:t>
+            </a:r>
+          </a:p>
+          <a:p>
+            <a:pPr lvl="1"/>
+            <a:r>
+              <a:rPr lang="ru-RU" dirty="0" smtClean="0"/>
+              <a:t>Можно модифицировать их независимо друг от друга</a:t>
+            </a:r>
+          </a:p>
+          <a:p>
+            <a:r>
+              <a:rPr lang="ru-RU" dirty="0" smtClean="0"/>
+              <a:t>Появляется возможность тестирования </a:t>
+            </a:r>
+            <a:r>
+              <a:rPr lang="en-US" dirty="0" smtClean="0"/>
+              <a:t>Document</a:t>
+            </a:r>
+            <a:endParaRPr lang="ru-RU" dirty="0" smtClean="0"/>
+          </a:p>
+          <a:p>
+            <a:r>
+              <a:rPr lang="ru-RU" dirty="0" smtClean="0"/>
+              <a:t>Можно иметь несколько представлений одного документа</a:t>
+            </a:r>
+          </a:p>
+          <a:p>
+            <a:r>
+              <a:rPr lang="ru-RU" dirty="0" smtClean="0"/>
+              <a:t>Цена – более сложное решение</a:t>
+            </a:r>
+            <a:endParaRPr lang="ru-RU" dirty="0"/>
+          </a:p>
+        </p:txBody>
+      </p:sp>
+    </p:spTree>
+    <p:extLst>
+      <p:ext uri="{BB962C8B-B14F-4D97-AF65-F5344CB8AC3E}">
+        <p14:creationId xmlns:p14="http://schemas.microsoft.com/office/powerpoint/2010/main" val="441014291"/>
+      </p:ext>
+    </p:extLst>
+  </p:cSld>
+  <p:clrMapOvr>
+    <a:masterClrMapping/>
+  </p:clrMapOvr>
+  <p:timing>
+    <p:tnLst>
+      <p:par>
+        <p:cTn id="1" dur="indefinite" restart="never" nodeType="tmRoot">
+          <p:childTnLst>
+            <p:seq concurrent="1" nextAc="seek">
+              <p:cTn id="2" dur="indefinite" nodeType="mainSeq">
+                <p:childTnLst>
+                  <p:par>
+                    <p:cTn id="3" fill="hold">
+                      <p:stCondLst>
+                        <p:cond delay="indefinite"/>
+                      </p:stCondLst>
+                      <p:childTnLst>
+                        <p:par>
+                          <p:cTn id="4" fill="hold">
+                            <p:stCondLst>
+                              <p:cond delay="0"/>
+                            </p:stCondLst>
+                            <p:childTnLst>
+                              <p:par>
+                                <p:cTn id="5" presetID="10" presetClass="entr" presetSubtype="0" fill="hold" grpId="0" nodeType="clickEffect">
+                                  <p:stCondLst>
+                                    <p:cond delay="0"/>
+                                  </p:stCondLst>
+                                  <p:childTnLst>
+                                    <p:set>
+                                      <p:cBhvr>
+                                        <p:cTn id="6" dur="1" fill="hold">
+                                          <p:stCondLst>
+                                            <p:cond delay="0"/>
+                                          </p:stCondLst>
+                                        </p:cTn>
+                                        <p:tgtEl>
+                                          <p:spTgt spid="4">
+                                            <p:txEl>
+                                              <p:pRg st="0" end="0"/>
+                                            </p:txEl>
+                                          </p:spTgt>
+                                        </p:tgtEl>
+                                        <p:attrNameLst>
+                                          <p:attrName>style.visibility</p:attrName>
+                                        </p:attrNameLst>
+                                      </p:cBhvr>
+                                      <p:to>
+                                        <p:strVal val="visible"/>
+                                      </p:to>
+                                    </p:set>
+                                    <p:animEffect transition="in" filter="fade">
+                                      <p:cBhvr>
+                                        <p:cTn id="7" dur="500"/>
+                                        <p:tgtEl>
+                                          <p:spTgt spid="4">
+                                            <p:txEl>
+                                              <p:pRg st="0" end="0"/>
+                                            </p:txEl>
+                                          </p:spTgt>
+                                        </p:tgtEl>
+                                      </p:cBhvr>
+                                    </p:animEffect>
+                                  </p:childTnLst>
+                                </p:cTn>
+                              </p:par>
+                              <p:par>
+                                <p:cTn id="8" presetID="10" presetClass="entr" presetSubtype="0" fill="hold" grpId="0" nodeType="withEffect">
+                                  <p:stCondLst>
+                                    <p:cond delay="0"/>
+                                  </p:stCondLst>
+                                  <p:childTnLst>
+                                    <p:set>
+                                      <p:cBhvr>
+                                        <p:cTn id="9" dur="1" fill="hold">
+                                          <p:stCondLst>
+                                            <p:cond delay="0"/>
+                                          </p:stCondLst>
+                                        </p:cTn>
+                                        <p:tgtEl>
+                                          <p:spTgt spid="4">
+                                            <p:txEl>
+                                              <p:pRg st="1" end="1"/>
+                                            </p:txEl>
+                                          </p:spTgt>
+                                        </p:tgtEl>
+                                        <p:attrNameLst>
+                                          <p:attrName>style.visibility</p:attrName>
+                                        </p:attrNameLst>
+                                      </p:cBhvr>
+                                      <p:to>
+                                        <p:strVal val="visible"/>
+                                      </p:to>
+                                    </p:set>
+                                    <p:animEffect transition="in" filter="fade">
+                                      <p:cBhvr>
+                                        <p:cTn id="10" dur="500"/>
+                                        <p:tgtEl>
+                                          <p:spTgt spid="4">
+                                            <p:txEl>
+                                              <p:pRg st="1" end="1"/>
+                                            </p:txEl>
+                                          </p:spTgt>
+                                        </p:tgtEl>
+                                      </p:cBhvr>
+                                    </p:animEffect>
+                                  </p:childTnLst>
+                                </p:cTn>
+                              </p:par>
+                            </p:childTnLst>
+                          </p:cTn>
+                        </p:par>
+                      </p:childTnLst>
+                    </p:cTn>
+                  </p:par>
+                  <p:par>
+                    <p:cTn id="11" fill="hold">
+                      <p:stCondLst>
+                        <p:cond delay="indefinite"/>
+                      </p:stCondLst>
+                      <p:childTnLst>
+                        <p:par>
+                          <p:cTn id="12" fill="hold">
+                            <p:stCondLst>
+                              <p:cond delay="0"/>
+                            </p:stCondLst>
+                            <p:childTnLst>
+                              <p:par>
+                                <p:cTn id="13" presetID="10" presetClass="entr" presetSubtype="0" fill="hold" grpId="0" nodeType="clickEffect">
+                                  <p:stCondLst>
+                                    <p:cond delay="0"/>
+                                  </p:stCondLst>
+                                  <p:childTnLst>
+                                    <p:set>
+                                      <p:cBhvr>
+                                        <p:cTn id="14" dur="1" fill="hold">
+                                          <p:stCondLst>
+                                            <p:cond delay="0"/>
+                                          </p:stCondLst>
+                                        </p:cTn>
+                                        <p:tgtEl>
+                                          <p:spTgt spid="4">
+                                            <p:txEl>
+                                              <p:pRg st="2" end="2"/>
+                                            </p:txEl>
+                                          </p:spTgt>
+                                        </p:tgtEl>
+                                        <p:attrNameLst>
+                                          <p:attrName>style.visibility</p:attrName>
+                                        </p:attrNameLst>
+                                      </p:cBhvr>
+                                      <p:to>
+                                        <p:strVal val="visible"/>
+                                      </p:to>
+                                    </p:set>
+                                    <p:animEffect transition="in" filter="fade">
+                                      <p:cBhvr>
+                                        <p:cTn id="15" dur="500"/>
+                                        <p:tgtEl>
+                                          <p:spTgt spid="4">
+                                            <p:txEl>
+                                              <p:pRg st="2" end="2"/>
+                                            </p:txEl>
+                                          </p:spTgt>
+                                        </p:tgtEl>
+                                      </p:cBhvr>
+                                    </p:animEffect>
+                                  </p:childTnLst>
+                                </p:cTn>
+                              </p:par>
+                            </p:childTnLst>
+                          </p:cTn>
+                        </p:par>
+                      </p:childTnLst>
+                    </p:cTn>
+                  </p:par>
+                  <p:par>
+                    <p:cTn id="16" fill="hold">
+                      <p:stCondLst>
+                        <p:cond delay="indefinite"/>
+                      </p:stCondLst>
+                      <p:childTnLst>
+                        <p:par>
+                          <p:cTn id="17" fill="hold">
+                            <p:stCondLst>
+                              <p:cond delay="0"/>
+                            </p:stCondLst>
+                            <p:childTnLst>
+                              <p:par>
+                                <p:cTn id="18" presetID="10" presetClass="entr" presetSubtype="0" fill="hold" grpId="0" nodeType="clickEffect">
+                                  <p:stCondLst>
+                                    <p:cond delay="0"/>
+                                  </p:stCondLst>
+                                  <p:childTnLst>
+                                    <p:set>
+                                      <p:cBhvr>
+                                        <p:cTn id="19" dur="1" fill="hold">
+                                          <p:stCondLst>
+                                            <p:cond delay="0"/>
+                                          </p:stCondLst>
+                                        </p:cTn>
+                                        <p:tgtEl>
+                                          <p:spTgt spid="4">
+                                            <p:txEl>
+                                              <p:pRg st="3" end="3"/>
+                                            </p:txEl>
+                                          </p:spTgt>
+                                        </p:tgtEl>
+                                        <p:attrNameLst>
+                                          <p:attrName>style.visibility</p:attrName>
+                                        </p:attrNameLst>
+                                      </p:cBhvr>
+                                      <p:to>
+                                        <p:strVal val="visible"/>
+                                      </p:to>
+                                    </p:set>
+                                    <p:animEffect transition="in" filter="fade">
+                                      <p:cBhvr>
+                                        <p:cTn id="20" dur="500"/>
+                                        <p:tgtEl>
+                                          <p:spTgt spid="4">
+                                            <p:txEl>
+                                              <p:pRg st="3" end="3"/>
+                                            </p:txEl>
+                                          </p:spTgt>
+                                        </p:tgtEl>
+                                      </p:cBhvr>
+                                    </p:animEffect>
+                                  </p:childTnLst>
+                                </p:cTn>
+                              </p:par>
+                            </p:childTnLst>
+                          </p:cTn>
+                        </p:par>
+                      </p:childTnLst>
+                    </p:cTn>
+                  </p:par>
+                  <p:par>
+                    <p:cTn id="21" fill="hold">
+                      <p:stCondLst>
+                        <p:cond delay="indefinite"/>
+                      </p:stCondLst>
+                      <p:childTnLst>
+                        <p:par>
+                          <p:cTn id="22" fill="hold">
+                            <p:stCondLst>
+                              <p:cond delay="0"/>
+                            </p:stCondLst>
+                            <p:childTnLst>
+                              <p:par>
+                                <p:cTn id="23" presetID="10" presetClass="entr" presetSubtype="0" fill="hold" grpId="0" nodeType="clickEffect">
+                                  <p:stCondLst>
+                                    <p:cond delay="0"/>
+                                  </p:stCondLst>
+                                  <p:childTnLst>
+                                    <p:set>
+                                      <p:cBhvr>
+                                        <p:cTn id="24" dur="1" fill="hold">
+                                          <p:stCondLst>
+                                            <p:cond delay="0"/>
+                                          </p:stCondLst>
+                                        </p:cTn>
+                                        <p:tgtEl>
+                                          <p:spTgt spid="4">
+                                            <p:txEl>
+                                              <p:pRg st="4" end="4"/>
+                                            </p:txEl>
+                                          </p:spTgt>
+                                        </p:tgtEl>
+                                        <p:attrNameLst>
+                                          <p:attrName>style.visibility</p:attrName>
+                                        </p:attrNameLst>
+                                      </p:cBhvr>
+                                      <p:to>
+                                        <p:strVal val="visible"/>
+                                      </p:to>
+                                    </p:set>
+                                    <p:animEffect transition="in" filter="fade">
+                                      <p:cBhvr>
+                                        <p:cTn id="25" dur="500"/>
+                                        <p:tgtEl>
+                                          <p:spTgt spid="4">
+                                            <p:txEl>
+                                              <p:pRg st="4" end="4"/>
+                                            </p:txEl>
+                                          </p:spTgt>
+                                        </p:tgtEl>
+                                      </p:cBhvr>
+                                    </p:animEffect>
+                                  </p:childTnLst>
+                                </p:cTn>
+                              </p:par>
+                            </p:childTnLst>
+                          </p:cTn>
+                        </p:par>
+                      </p:childTnLst>
+                    </p:cTn>
+                  </p:par>
+                </p:childTnLst>
+              </p:cTn>
+              <p:prevCondLst>
+                <p:cond evt="onPrev" delay="0">
+                  <p:tgtEl>
+                    <p:sldTgt/>
+                  </p:tgtEl>
+                </p:cond>
+              </p:prevCondLst>
+              <p:nextCondLst>
+                <p:cond evt="onNext" delay="0">
+                  <p:tgtEl>
+                    <p:sldTgt/>
+                  </p:tgtEl>
+                </p:cond>
+              </p:nextCondLst>
+            </p:seq>
+          </p:childTnLst>
+        </p:cTn>
+      </p:par>
+    </p:tnLst>
+    <p:bldLst>
+      <p:bldP spid="4" grpId="0" build="p"/>
+    </p:bldLst>
   </p:timing>
 </p:sld>
 </file>
@@ -6884,13 +14224,13 @@
 
 <file path=customXml/item1.xml><?xml version="1.0" encoding="utf-8"?>
 <Control xmlns="http://schemas.microsoft.com/VisualStudio/2011/storyboarding/control">
-  <Id Name="System.Storyboarding.Common.TextInput" Revision="1" Stencil="System.Storyboarding.Common" StencilVersion="0.1"/>
+  <Id Name="System.Storyboarding.Common.Text" Revision="1" Stencil="System.Storyboarding.Common" StencilVersion="0.1"/>
 </Control>
 </file>
 
 <file path=customXml/item2.xml><?xml version="1.0" encoding="utf-8"?>
 <Control xmlns="http://schemas.microsoft.com/VisualStudio/2011/storyboarding/control">
-  <Id Name="System.Storyboarding.Common.Text" Revision="1" Stencil="System.Storyboarding.Common" StencilVersion="0.1"/>
+  <Id Name="System.Storyboarding.Backgrounds.Window" Revision="1" Stencil="System.Storyboarding.Backgrounds" StencilVersion="0.1"/>
 </Control>
 </file>
 
@@ -6908,19 +14248,19 @@
 
 <file path=customXml/item5.xml><?xml version="1.0" encoding="utf-8"?>
 <Control xmlns="http://schemas.microsoft.com/VisualStudio/2011/storyboarding/control">
-  <Id Name="System.Storyboarding.Common.TextInput" Revision="1" Stencil="System.Storyboarding.Common" StencilVersion="0.1"/>
+  <Id Name="System.Storyboarding.Common.Text" Revision="1" Stencil="System.Storyboarding.Common" StencilVersion="0.1"/>
 </Control>
 </file>
 
 <file path=customXml/item6.xml><?xml version="1.0" encoding="utf-8"?>
 <Control xmlns="http://schemas.microsoft.com/VisualStudio/2011/storyboarding/control">
-  <Id Name="System.Storyboarding.Common.Text" Revision="1" Stencil="System.Storyboarding.Common" StencilVersion="0.1"/>
+  <Id Name="System.Storyboarding.Common.TextInput" Revision="1" Stencil="System.Storyboarding.Common" StencilVersion="0.1"/>
 </Control>
 </file>
 
 <file path=customXml/item7.xml><?xml version="1.0" encoding="utf-8"?>
 <Control xmlns="http://schemas.microsoft.com/VisualStudio/2011/storyboarding/control">
-  <Id Name="System.Storyboarding.Backgrounds.Window" Revision="1" Stencil="System.Storyboarding.Backgrounds" StencilVersion="0.1"/>
+  <Id Name="System.Storyboarding.Common.TextInput" Revision="1" Stencil="System.Storyboarding.Common" StencilVersion="0.1"/>
 </Control>
 </file>
 
@@ -6937,6 +14277,30 @@
 </file>
 
 <file path=customXml/itemProps1.xml><?xml version="1.0" encoding="utf-8"?>
+<ds:datastoreItem xmlns:ds="http://schemas.openxmlformats.org/officeDocument/2006/customXml" ds:itemID="{FAE8ECFE-A746-4CED-8EC6-FB25DA17D2C8}">
+  <ds:schemaRefs>
+    <ds:schemaRef ds:uri="http://schemas.microsoft.com/VisualStudio/2011/storyboarding/control"/>
+  </ds:schemaRefs>
+</ds:datastoreItem>
+</file>
+
+<file path=customXml/itemProps2.xml><?xml version="1.0" encoding="utf-8"?>
+<ds:datastoreItem xmlns:ds="http://schemas.openxmlformats.org/officeDocument/2006/customXml" ds:itemID="{54EBA524-2760-42B5-B6ED-80AA7A8E66FF}">
+  <ds:schemaRefs>
+    <ds:schemaRef ds:uri="http://schemas.microsoft.com/VisualStudio/2011/storyboarding/control"/>
+  </ds:schemaRefs>
+</ds:datastoreItem>
+</file>
+
+<file path=customXml/itemProps3.xml><?xml version="1.0" encoding="utf-8"?>
+<ds:datastoreItem xmlns:ds="http://schemas.openxmlformats.org/officeDocument/2006/customXml" ds:itemID="{E1DD6387-A549-483B-9966-FFE705E0180B}">
+  <ds:schemaRefs>
+    <ds:schemaRef ds:uri="http://schemas.microsoft.com/VisualStudio/2011/storyboarding/control"/>
+  </ds:schemaRefs>
+</ds:datastoreItem>
+</file>
+
+<file path=customXml/itemProps4.xml><?xml version="1.0" encoding="utf-8"?>
 <ds:datastoreItem xmlns:ds="http://schemas.openxmlformats.org/officeDocument/2006/customXml" ds:itemID="{1B9DC17B-761D-47FA-A3C0-E53584C6A4A6}">
   <ds:schemaRefs>
     <ds:schemaRef ds:uri="http://schemas.microsoft.com/VisualStudio/2011/storyboarding/control"/>
@@ -6944,23 +14308,23 @@
 </ds:datastoreItem>
 </file>
 
-<file path=customXml/itemProps2.xml><?xml version="1.0" encoding="utf-8"?>
-<ds:datastoreItem xmlns:ds="http://schemas.openxmlformats.org/officeDocument/2006/customXml" ds:itemID="{E1DD6387-A549-483B-9966-FFE705E0180B}">
+<file path=customXml/itemProps5.xml><?xml version="1.0" encoding="utf-8"?>
+<ds:datastoreItem xmlns:ds="http://schemas.openxmlformats.org/officeDocument/2006/customXml" ds:itemID="{09A7D8BD-D412-472A-9605-CA2D10183910}">
   <ds:schemaRefs>
     <ds:schemaRef ds:uri="http://schemas.microsoft.com/VisualStudio/2011/storyboarding/control"/>
   </ds:schemaRefs>
 </ds:datastoreItem>
 </file>
 
-<file path=customXml/itemProps3.xml><?xml version="1.0" encoding="utf-8"?>
-<ds:datastoreItem xmlns:ds="http://schemas.openxmlformats.org/officeDocument/2006/customXml" ds:itemID="{FAE8ECFE-A746-4CED-8EC6-FB25DA17D2C8}">
+<file path=customXml/itemProps6.xml><?xml version="1.0" encoding="utf-8"?>
+<ds:datastoreItem xmlns:ds="http://schemas.openxmlformats.org/officeDocument/2006/customXml" ds:itemID="{A8016BC2-1C33-498E-A9F9-5B817A65B8AA}">
   <ds:schemaRefs>
     <ds:schemaRef ds:uri="http://schemas.microsoft.com/VisualStudio/2011/storyboarding/control"/>
   </ds:schemaRefs>
 </ds:datastoreItem>
 </file>
 
-<file path=customXml/itemProps4.xml><?xml version="1.0" encoding="utf-8"?>
+<file path=customXml/itemProps7.xml><?xml version="1.0" encoding="utf-8"?>
 <ds:datastoreItem xmlns:ds="http://schemas.openxmlformats.org/officeDocument/2006/customXml" ds:itemID="{425F175B-3530-4A4B-926B-CB7170700CBF}">
   <ds:schemaRefs>
     <ds:schemaRef ds:uri="http://schemas.microsoft.com/VisualStudio/2011/storyboarding/control"/>
@@ -6968,32 +14332,8 @@
 </ds:datastoreItem>
 </file>
 
-<file path=customXml/itemProps5.xml><?xml version="1.0" encoding="utf-8"?>
-<ds:datastoreItem xmlns:ds="http://schemas.openxmlformats.org/officeDocument/2006/customXml" ds:itemID="{A8016BC2-1C33-498E-A9F9-5B817A65B8AA}">
-  <ds:schemaRefs>
-    <ds:schemaRef ds:uri="http://schemas.microsoft.com/VisualStudio/2011/storyboarding/control"/>
-  </ds:schemaRefs>
-</ds:datastoreItem>
-</file>
-
-<file path=customXml/itemProps6.xml><?xml version="1.0" encoding="utf-8"?>
-<ds:datastoreItem xmlns:ds="http://schemas.openxmlformats.org/officeDocument/2006/customXml" ds:itemID="{09A7D8BD-D412-472A-9605-CA2D10183910}">
-  <ds:schemaRefs>
-    <ds:schemaRef ds:uri="http://schemas.microsoft.com/VisualStudio/2011/storyboarding/control"/>
-  </ds:schemaRefs>
-</ds:datastoreItem>
-</file>
-
-<file path=customXml/itemProps7.xml><?xml version="1.0" encoding="utf-8"?>
-<ds:datastoreItem xmlns:ds="http://schemas.openxmlformats.org/officeDocument/2006/customXml" ds:itemID="{54EBA524-2760-42B5-B6ED-80AA7A8E66FF}">
-  <ds:schemaRefs>
-    <ds:schemaRef ds:uri="http://schemas.microsoft.com/VisualStudio/2011/storyboarding/control"/>
-  </ds:schemaRefs>
-</ds:datastoreItem>
-</file>
-
 <file path=customXml/itemProps8.xml><?xml version="1.0" encoding="utf-8"?>
-<ds:datastoreItem xmlns:ds="http://schemas.openxmlformats.org/officeDocument/2006/customXml" ds:itemID="{8F525B19-BA52-4B0B-AC85-084E0FF3E37E}">
+<ds:datastoreItem xmlns:ds="http://schemas.openxmlformats.org/officeDocument/2006/customXml" ds:itemID="{F0C7AE7B-513B-452E-8E39-1FB70E99A509}">
   <ds:schemaRefs>
     <ds:schemaRef ds:uri="http://schemas.microsoft.com/VisualStudio/2011/storyboarding/control"/>
   </ds:schemaRefs>
@@ -7001,7 +14341,7 @@
 </file>
 
 <file path=customXml/itemProps9.xml><?xml version="1.0" encoding="utf-8"?>
-<ds:datastoreItem xmlns:ds="http://schemas.openxmlformats.org/officeDocument/2006/customXml" ds:itemID="{F0C7AE7B-513B-452E-8E39-1FB70E99A509}">
+<ds:datastoreItem xmlns:ds="http://schemas.openxmlformats.org/officeDocument/2006/customXml" ds:itemID="{8F525B19-BA52-4B0B-AC85-084E0FF3E37E}">
   <ds:schemaRefs>
     <ds:schemaRef ds:uri="http://schemas.microsoft.com/VisualStudio/2011/storyboarding/control"/>
   </ds:schemaRefs>
